--- a/mhw1.pptx
+++ b/mhw1.pptx
@@ -5,10 +5,10 @@
     <p:sldMasterId id="2147483648" r:id="rId1"/>
   </p:sldMasterIdLst>
   <p:sldIdLst>
-    <p:sldId id="259" r:id="rId2"/>
-    <p:sldId id="256" r:id="rId3"/>
-    <p:sldId id="257" r:id="rId4"/>
-    <p:sldId id="258" r:id="rId5"/>
+    <p:sldId id="257" r:id="rId2"/>
+    <p:sldId id="262" r:id="rId3"/>
+    <p:sldId id="259" r:id="rId4"/>
+    <p:sldId id="260" r:id="rId5"/>
   </p:sldIdLst>
   <p:sldSz cx="12192000" cy="6858000"/>
   <p:notesSz cx="6858000" cy="9144000"/>
@@ -118,8 +118,8 @@
 <file path=ppt/revisionInfo.xml><?xml version="1.0" encoding="utf-8"?>
 <p1510:revInfo xmlns:a="http://schemas.openxmlformats.org/drawingml/2006/main" xmlns:r="http://schemas.openxmlformats.org/officeDocument/2006/relationships" xmlns:p1510="http://schemas.microsoft.com/office/powerpoint/2015/10/main">
   <p1510:revLst>
-    <p1510:client id="{2AC968B8-7ED4-4FA6-BA9D-3B126EA4AF8C}" v="50" dt="2021-03-25T16:56:38.451"/>
-    <p1510:client id="{7B6517EA-6752-4DB7-A918-956546F0DE3A}" v="705" dt="2021-03-25T16:52:07.889"/>
+    <p1510:client id="{7E3F0489-DB69-433C-A0ED-1F8FA7294309}" v="340" dt="2021-03-26T12:36:27.382"/>
+    <p1510:client id="{7EAC5A23-6A03-4854-8D38-A8468CD545CA}" v="403" dt="2021-03-26T15:02:19.269"/>
   </p1510:revLst>
 </p1510:revInfo>
 </file>
@@ -127,428 +127,933 @@
 <file path=ppt/changesInfos/changesInfo1.xml><?xml version="1.0" encoding="utf-8"?>
 <pc:chgInfo xmlns:a="http://schemas.openxmlformats.org/drawingml/2006/main" xmlns:r="http://schemas.openxmlformats.org/officeDocument/2006/relationships" xmlns:ac="http://schemas.microsoft.com/office/drawing/2013/main/command" xmlns:pc="http://schemas.microsoft.com/office/powerpoint/2013/main/command">
   <pc:docChgLst>
-    <pc:chgData name="Danilo Di Bella" userId="9e114f506f37626b" providerId="Windows Live" clId="Web-{7B6517EA-6752-4DB7-A918-956546F0DE3A}"/>
-    <pc:docChg chg="addSld modSld">
-      <pc:chgData name="Danilo Di Bella" userId="9e114f506f37626b" providerId="Windows Live" clId="Web-{7B6517EA-6752-4DB7-A918-956546F0DE3A}" dt="2021-03-25T16:52:07.889" v="522" actId="1076"/>
+    <pc:chgData name="Danilo Di Bella" userId="9e114f506f37626b" providerId="Windows Live" clId="Web-{7E3F0489-DB69-433C-A0ED-1F8FA7294309}"/>
+    <pc:docChg chg="addSld delSld modSld sldOrd">
+      <pc:chgData name="Danilo Di Bella" userId="9e114f506f37626b" providerId="Windows Live" clId="Web-{7E3F0489-DB69-433C-A0ED-1F8FA7294309}" dt="2021-03-26T12:36:27.382" v="265" actId="1076"/>
       <pc:docMkLst>
         <pc:docMk/>
       </pc:docMkLst>
-      <pc:sldChg chg="addSp delSp modSp">
-        <pc:chgData name="Danilo Di Bella" userId="9e114f506f37626b" providerId="Windows Live" clId="Web-{7B6517EA-6752-4DB7-A918-956546F0DE3A}" dt="2021-03-25T16:52:07.889" v="522" actId="1076"/>
+      <pc:sldChg chg="addSp delSp modSp del">
+        <pc:chgData name="Danilo Di Bella" userId="9e114f506f37626b" providerId="Windows Live" clId="Web-{7E3F0489-DB69-433C-A0ED-1F8FA7294309}" dt="2021-03-26T12:04:33.163" v="13"/>
         <pc:sldMkLst>
           <pc:docMk/>
           <pc:sldMk cId="3962583941" sldId="256"/>
         </pc:sldMkLst>
         <pc:spChg chg="del">
-          <ac:chgData name="Danilo Di Bella" userId="9e114f506f37626b" providerId="Windows Live" clId="Web-{7B6517EA-6752-4DB7-A918-956546F0DE3A}" dt="2021-03-25T15:32:30.021" v="2"/>
+          <ac:chgData name="Danilo Di Bella" userId="9e114f506f37626b" providerId="Windows Live" clId="Web-{7E3F0489-DB69-433C-A0ED-1F8FA7294309}" dt="2021-03-26T12:02:20.955" v="5"/>
           <ac:spMkLst>
             <pc:docMk/>
             <pc:sldMk cId="3962583941" sldId="256"/>
             <ac:spMk id="2" creationId="{00000000-0000-0000-0000-000000000000}"/>
           </ac:spMkLst>
         </pc:spChg>
-        <pc:spChg chg="add mod">
-          <ac:chgData name="Danilo Di Bella" userId="9e114f506f37626b" providerId="Windows Live" clId="Web-{7B6517EA-6752-4DB7-A918-956546F0DE3A}" dt="2021-03-25T16:51:26.373" v="508" actId="14100"/>
-          <ac:spMkLst>
-            <pc:docMk/>
-            <pc:sldMk cId="3962583941" sldId="256"/>
-            <ac:spMk id="2" creationId="{8F56F816-569D-4DA6-A1F4-596E780DFD36}"/>
-          </ac:spMkLst>
-        </pc:spChg>
         <pc:spChg chg="del">
-          <ac:chgData name="Danilo Di Bella" userId="9e114f506f37626b" providerId="Windows Live" clId="Web-{7B6517EA-6752-4DB7-A918-956546F0DE3A}" dt="2021-03-25T15:32:30.005" v="1"/>
+          <ac:chgData name="Danilo Di Bella" userId="9e114f506f37626b" providerId="Windows Live" clId="Web-{7E3F0489-DB69-433C-A0ED-1F8FA7294309}" dt="2021-03-26T12:02:29.721" v="6"/>
           <ac:spMkLst>
             <pc:docMk/>
             <pc:sldMk cId="3962583941" sldId="256"/>
             <ac:spMk id="3" creationId="{00000000-0000-0000-0000-000000000000}"/>
           </ac:spMkLst>
         </pc:spChg>
-        <pc:spChg chg="add mod">
-          <ac:chgData name="Danilo Di Bella" userId="9e114f506f37626b" providerId="Windows Live" clId="Web-{7B6517EA-6752-4DB7-A918-956546F0DE3A}" dt="2021-03-25T16:51:54.061" v="520" actId="20577"/>
+        <pc:picChg chg="add mod">
+          <ac:chgData name="Danilo Di Bella" userId="9e114f506f37626b" providerId="Windows Live" clId="Web-{7E3F0489-DB69-433C-A0ED-1F8FA7294309}" dt="2021-03-26T12:04:18.006" v="11"/>
+          <ac:picMkLst>
+            <pc:docMk/>
+            <pc:sldMk cId="3962583941" sldId="256"/>
+            <ac:picMk id="4" creationId="{53D7B5CA-AF94-4071-ADC6-D7DBF3D06F6D}"/>
+          </ac:picMkLst>
+        </pc:picChg>
+      </pc:sldChg>
+      <pc:sldChg chg="add ord">
+        <pc:chgData name="Danilo Di Bella" userId="9e114f506f37626b" providerId="Windows Live" clId="Web-{7E3F0489-DB69-433C-A0ED-1F8FA7294309}" dt="2021-03-26T12:00:49.499" v="1"/>
+        <pc:sldMkLst>
+          <pc:docMk/>
+          <pc:sldMk cId="4233640869" sldId="257"/>
+        </pc:sldMkLst>
+      </pc:sldChg>
+      <pc:sldChg chg="addSp delSp modSp new">
+        <pc:chgData name="Danilo Di Bella" userId="9e114f506f37626b" providerId="Windows Live" clId="Web-{7E3F0489-DB69-433C-A0ED-1F8FA7294309}" dt="2021-03-26T12:19:39.052" v="144" actId="1076"/>
+        <pc:sldMkLst>
+          <pc:docMk/>
+          <pc:sldMk cId="2089278109" sldId="258"/>
+        </pc:sldMkLst>
+        <pc:spChg chg="del">
+          <ac:chgData name="Danilo Di Bella" userId="9e114f506f37626b" providerId="Windows Live" clId="Web-{7E3F0489-DB69-433C-A0ED-1F8FA7294309}" dt="2021-03-26T12:03:56.708" v="8"/>
           <ac:spMkLst>
             <pc:docMk/>
-            <pc:sldMk cId="3962583941" sldId="256"/>
-            <ac:spMk id="3" creationId="{2EAAAE54-844A-45EF-BA41-370BF44CB9B6}"/>
+            <pc:sldMk cId="2089278109" sldId="258"/>
+            <ac:spMk id="2" creationId="{5B168BBF-AD5E-4779-B3D3-F22D5FCBC9A5}"/>
+          </ac:spMkLst>
+        </pc:spChg>
+        <pc:spChg chg="del">
+          <ac:chgData name="Danilo Di Bella" userId="9e114f506f37626b" providerId="Windows Live" clId="Web-{7E3F0489-DB69-433C-A0ED-1F8FA7294309}" dt="2021-03-26T12:03:46.614" v="7"/>
+          <ac:spMkLst>
+            <pc:docMk/>
+            <pc:sldMk cId="2089278109" sldId="258"/>
+            <ac:spMk id="3" creationId="{77E672FE-E77B-4DB2-B9C7-35B1C88924CD}"/>
           </ac:spMkLst>
         </pc:spChg>
         <pc:spChg chg="add mod">
-          <ac:chgData name="Danilo Di Bella" userId="9e114f506f37626b" providerId="Windows Live" clId="Web-{7B6517EA-6752-4DB7-A918-956546F0DE3A}" dt="2021-03-25T15:35:35.899" v="16" actId="20577"/>
+          <ac:chgData name="Danilo Di Bella" userId="9e114f506f37626b" providerId="Windows Live" clId="Web-{7E3F0489-DB69-433C-A0ED-1F8FA7294309}" dt="2021-03-26T12:08:13.639" v="46" actId="20577"/>
           <ac:spMkLst>
             <pc:docMk/>
-            <pc:sldMk cId="3962583941" sldId="256"/>
-            <ac:spMk id="5" creationId="{6801C707-A156-47CA-96DE-E97F9F3654F1}"/>
+            <pc:sldMk cId="2089278109" sldId="258"/>
+            <ac:spMk id="5" creationId="{9ED73989-A5CC-40AD-AC78-A6236DC7CCD7}"/>
+          </ac:spMkLst>
+        </pc:spChg>
+        <pc:spChg chg="add del mod">
+          <ac:chgData name="Danilo Di Bella" userId="9e114f506f37626b" providerId="Windows Live" clId="Web-{7E3F0489-DB69-433C-A0ED-1F8FA7294309}" dt="2021-03-26T12:08:02.623" v="41"/>
+          <ac:spMkLst>
+            <pc:docMk/>
+            <pc:sldMk cId="2089278109" sldId="258"/>
+            <ac:spMk id="6" creationId="{187652AB-F96A-4DDF-BC4A-11C68128AEEE}"/>
           </ac:spMkLst>
         </pc:spChg>
         <pc:spChg chg="add mod">
-          <ac:chgData name="Danilo Di Bella" userId="9e114f506f37626b" providerId="Windows Live" clId="Web-{7B6517EA-6752-4DB7-A918-956546F0DE3A}" dt="2021-03-25T16:51:02.247" v="498" actId="14100"/>
+          <ac:chgData name="Danilo Di Bella" userId="9e114f506f37626b" providerId="Windows Live" clId="Web-{7E3F0489-DB69-433C-A0ED-1F8FA7294309}" dt="2021-03-26T12:11:56.052" v="58" actId="14100"/>
           <ac:spMkLst>
             <pc:docMk/>
-            <pc:sldMk cId="3962583941" sldId="256"/>
-            <ac:spMk id="6" creationId="{AB92FE4D-FDC3-4D50-8000-B64B5BC6A79A}"/>
+            <pc:sldMk cId="2089278109" sldId="258"/>
+            <ac:spMk id="7" creationId="{8D05EDF4-2D20-494B-84C7-EAA6EF5E4D62}"/>
           </ac:spMkLst>
         </pc:spChg>
         <pc:spChg chg="add mod">
-          <ac:chgData name="Danilo Di Bella" userId="9e114f506f37626b" providerId="Windows Live" clId="Web-{7B6517EA-6752-4DB7-A918-956546F0DE3A}" dt="2021-03-25T16:52:07.889" v="522" actId="1076"/>
+          <ac:chgData name="Danilo Di Bella" userId="9e114f506f37626b" providerId="Windows Live" clId="Web-{7E3F0489-DB69-433C-A0ED-1F8FA7294309}" dt="2021-03-26T12:12:25.538" v="60" actId="1076"/>
           <ac:spMkLst>
             <pc:docMk/>
-            <pc:sldMk cId="3962583941" sldId="256"/>
-            <ac:spMk id="8" creationId="{DA564209-206D-41D5-9D90-00E036ABAB33}"/>
+            <pc:sldMk cId="2089278109" sldId="258"/>
+            <ac:spMk id="8" creationId="{71572240-7EB3-4937-BD8B-50569BA71548}"/>
           </ac:spMkLst>
         </pc:spChg>
         <pc:spChg chg="add del mod">
-          <ac:chgData name="Danilo Di Bella" userId="9e114f506f37626b" providerId="Windows Live" clId="Web-{7B6517EA-6752-4DB7-A918-956546F0DE3A}" dt="2021-03-25T15:47:42.721" v="102"/>
+          <ac:chgData name="Danilo Di Bella" userId="9e114f506f37626b" providerId="Windows Live" clId="Web-{7E3F0489-DB69-433C-A0ED-1F8FA7294309}" dt="2021-03-26T12:14:21.479" v="82"/>
           <ac:spMkLst>
             <pc:docMk/>
-            <pc:sldMk cId="3962583941" sldId="256"/>
-            <ac:spMk id="11" creationId="{2405CAE9-A901-470F-ABFF-C1848D735183}"/>
+            <pc:sldMk cId="2089278109" sldId="258"/>
+            <ac:spMk id="9" creationId="{5BB6CA6A-2F49-4D47-A805-8491060DA864}"/>
+          </ac:spMkLst>
+        </pc:spChg>
+        <pc:spChg chg="add del mod">
+          <ac:chgData name="Danilo Di Bella" userId="9e114f506f37626b" providerId="Windows Live" clId="Web-{7E3F0489-DB69-433C-A0ED-1F8FA7294309}" dt="2021-03-26T12:16:40.546" v="103"/>
+          <ac:spMkLst>
+            <pc:docMk/>
+            <pc:sldMk cId="2089278109" sldId="258"/>
+            <ac:spMk id="10" creationId="{C57BBE80-1536-4EC4-8188-C15C18CC5720}"/>
           </ac:spMkLst>
         </pc:spChg>
         <pc:spChg chg="add mod">
-          <ac:chgData name="Danilo Di Bella" userId="9e114f506f37626b" providerId="Windows Live" clId="Web-{7B6517EA-6752-4DB7-A918-956546F0DE3A}" dt="2021-03-25T15:48:45.003" v="112" actId="1076"/>
+          <ac:chgData name="Danilo Di Bella" userId="9e114f506f37626b" providerId="Windows Live" clId="Web-{7E3F0489-DB69-433C-A0ED-1F8FA7294309}" dt="2021-03-26T12:18:16.065" v="110" actId="14100"/>
           <ac:spMkLst>
             <pc:docMk/>
-            <pc:sldMk cId="3962583941" sldId="256"/>
-            <ac:spMk id="12" creationId="{EA66BA8F-820D-470E-9AF0-90B0A3E67D97}"/>
+            <pc:sldMk cId="2089278109" sldId="258"/>
+            <ac:spMk id="11" creationId="{BE951D99-7AFD-4BA4-80D0-9E24B6E66003}"/>
+          </ac:spMkLst>
+        </pc:spChg>
+        <pc:spChg chg="add mod">
+          <ac:chgData name="Danilo Di Bella" userId="9e114f506f37626b" providerId="Windows Live" clId="Web-{7E3F0489-DB69-433C-A0ED-1F8FA7294309}" dt="2021-03-26T12:19:39.052" v="144" actId="1076"/>
+          <ac:spMkLst>
+            <pc:docMk/>
+            <pc:sldMk cId="2089278109" sldId="258"/>
+            <ac:spMk id="12" creationId="{E5E51EF9-5579-4FD3-966C-2E5C1C63E272}"/>
+          </ac:spMkLst>
+        </pc:spChg>
+        <pc:picChg chg="add mod ord">
+          <ac:chgData name="Danilo Di Bella" userId="9e114f506f37626b" providerId="Windows Live" clId="Web-{7E3F0489-DB69-433C-A0ED-1F8FA7294309}" dt="2021-03-26T12:11:22.145" v="53" actId="1076"/>
+          <ac:picMkLst>
+            <pc:docMk/>
+            <pc:sldMk cId="2089278109" sldId="258"/>
+            <ac:picMk id="4" creationId="{8965AB29-CDD2-46A8-A29A-B7712FC89F39}"/>
+          </ac:picMkLst>
+        </pc:picChg>
+      </pc:sldChg>
+      <pc:sldChg chg="addSp delSp modSp new">
+        <pc:chgData name="Danilo Di Bella" userId="9e114f506f37626b" providerId="Windows Live" clId="Web-{7E3F0489-DB69-433C-A0ED-1F8FA7294309}" dt="2021-03-26T12:36:27.382" v="265" actId="1076"/>
+        <pc:sldMkLst>
+          <pc:docMk/>
+          <pc:sldMk cId="1126970430" sldId="259"/>
+        </pc:sldMkLst>
+        <pc:spChg chg="del">
+          <ac:chgData name="Danilo Di Bella" userId="9e114f506f37626b" providerId="Windows Live" clId="Web-{7E3F0489-DB69-433C-A0ED-1F8FA7294309}" dt="2021-03-26T12:08:25.248" v="47"/>
+          <ac:spMkLst>
+            <pc:docMk/>
+            <pc:sldMk cId="1126970430" sldId="259"/>
+            <ac:spMk id="2" creationId="{03B2EE50-8E25-4CED-B40D-B2CD6E11B402}"/>
+          </ac:spMkLst>
+        </pc:spChg>
+        <pc:spChg chg="del">
+          <ac:chgData name="Danilo Di Bella" userId="9e114f506f37626b" providerId="Windows Live" clId="Web-{7E3F0489-DB69-433C-A0ED-1F8FA7294309}" dt="2021-03-26T12:06:16.385" v="16"/>
+          <ac:spMkLst>
+            <pc:docMk/>
+            <pc:sldMk cId="1126970430" sldId="259"/>
+            <ac:spMk id="3" creationId="{3A8F7AFB-C2C7-42CF-A43C-12265B3C7686}"/>
+          </ac:spMkLst>
+        </pc:spChg>
+        <pc:spChg chg="add mod">
+          <ac:chgData name="Danilo Di Bella" userId="9e114f506f37626b" providerId="Windows Live" clId="Web-{7E3F0489-DB69-433C-A0ED-1F8FA7294309}" dt="2021-03-26T12:29:37.399" v="189" actId="14100"/>
+          <ac:spMkLst>
+            <pc:docMk/>
+            <pc:sldMk cId="1126970430" sldId="259"/>
+            <ac:spMk id="6" creationId="{A88616A9-11B4-499D-A3B6-28835720D40D}"/>
           </ac:spMkLst>
         </pc:spChg>
         <pc:spChg chg="add del mod">
-          <ac:chgData name="Danilo Di Bella" userId="9e114f506f37626b" providerId="Windows Live" clId="Web-{7B6517EA-6752-4DB7-A918-956546F0DE3A}" dt="2021-03-25T15:50:12.238" v="131"/>
+          <ac:chgData name="Danilo Di Bella" userId="9e114f506f37626b" providerId="Windows Live" clId="Web-{7E3F0489-DB69-433C-A0ED-1F8FA7294309}" dt="2021-03-26T12:31:07.980" v="206"/>
           <ac:spMkLst>
             <pc:docMk/>
-            <pc:sldMk cId="3962583941" sldId="256"/>
-            <ac:spMk id="13" creationId="{F79BFC1D-DA08-4B9C-A024-4D4E43A9B620}"/>
+            <pc:sldMk cId="1126970430" sldId="259"/>
+            <ac:spMk id="8" creationId="{F5930DBF-E8CE-40A4-8D1A-9BB47AE0D3CD}"/>
+          </ac:spMkLst>
+        </pc:spChg>
+        <pc:spChg chg="add del mod">
+          <ac:chgData name="Danilo Di Bella" userId="9e114f506f37626b" providerId="Windows Live" clId="Web-{7E3F0489-DB69-433C-A0ED-1F8FA7294309}" dt="2021-03-26T12:24:06.420" v="159"/>
+          <ac:spMkLst>
+            <pc:docMk/>
+            <pc:sldMk cId="1126970430" sldId="259"/>
+            <ac:spMk id="10" creationId="{FC7E2C9B-588F-461E-878B-3774432331F0}"/>
+          </ac:spMkLst>
+        </pc:spChg>
+        <pc:spChg chg="add del mod">
+          <ac:chgData name="Danilo Di Bella" userId="9e114f506f37626b" providerId="Windows Live" clId="Web-{7E3F0489-DB69-433C-A0ED-1F8FA7294309}" dt="2021-03-26T12:32:09.404" v="218"/>
+          <ac:spMkLst>
+            <pc:docMk/>
+            <pc:sldMk cId="1126970430" sldId="259"/>
+            <ac:spMk id="11" creationId="{8590163E-1417-410E-A40D-A5BF6BF832BE}"/>
           </ac:spMkLst>
         </pc:spChg>
         <pc:spChg chg="add mod">
-          <ac:chgData name="Danilo Di Bella" userId="9e114f506f37626b" providerId="Windows Live" clId="Web-{7B6517EA-6752-4DB7-A918-956546F0DE3A}" dt="2021-03-25T15:50:31.957" v="141" actId="20577"/>
+          <ac:chgData name="Danilo Di Bella" userId="9e114f506f37626b" providerId="Windows Live" clId="Web-{7E3F0489-DB69-433C-A0ED-1F8FA7294309}" dt="2021-03-26T12:25:15.578" v="172" actId="20577"/>
           <ac:spMkLst>
             <pc:docMk/>
-            <pc:sldMk cId="3962583941" sldId="256"/>
-            <ac:spMk id="14" creationId="{4B6B9AA7-4FB9-4FFA-B713-C8080112D01D}"/>
+            <pc:sldMk cId="1126970430" sldId="259"/>
+            <ac:spMk id="12" creationId="{97AA852D-030E-4C95-91CA-1972073D650C}"/>
           </ac:spMkLst>
         </pc:spChg>
         <pc:spChg chg="add mod">
-          <ac:chgData name="Danilo Di Bella" userId="9e114f506f37626b" providerId="Windows Live" clId="Web-{7B6517EA-6752-4DB7-A918-956546F0DE3A}" dt="2021-03-25T15:52:32.849" v="159" actId="1076"/>
+          <ac:chgData name="Danilo Di Bella" userId="9e114f506f37626b" providerId="Windows Live" clId="Web-{7E3F0489-DB69-433C-A0ED-1F8FA7294309}" dt="2021-03-26T12:30:05.416" v="193" actId="1076"/>
           <ac:spMkLst>
             <pc:docMk/>
-            <pc:sldMk cId="3962583941" sldId="256"/>
-            <ac:spMk id="15" creationId="{4EC31879-5395-4A22-ABCF-0D51ED0169CC}"/>
+            <pc:sldMk cId="1126970430" sldId="259"/>
+            <ac:spMk id="13" creationId="{099CBA5B-6BCB-48B8-8670-863F1E975A6F}"/>
           </ac:spMkLst>
         </pc:spChg>
         <pc:spChg chg="add mod">
-          <ac:chgData name="Danilo Di Bella" userId="9e114f506f37626b" providerId="Windows Live" clId="Web-{7B6517EA-6752-4DB7-A918-956546F0DE3A}" dt="2021-03-25T15:56:17.602" v="191" actId="1076"/>
+          <ac:chgData name="Danilo Di Bella" userId="9e114f506f37626b" providerId="Windows Live" clId="Web-{7E3F0489-DB69-433C-A0ED-1F8FA7294309}" dt="2021-03-26T12:31:59.342" v="215" actId="14100"/>
           <ac:spMkLst>
             <pc:docMk/>
-            <pc:sldMk cId="3962583941" sldId="256"/>
-            <ac:spMk id="16" creationId="{C21FBAB8-9F65-4B58-AD46-C96CE6A2F4D5}"/>
-          </ac:spMkLst>
-        </pc:spChg>
-        <pc:picChg chg="add mod">
-          <ac:chgData name="Danilo Di Bella" userId="9e114f506f37626b" providerId="Windows Live" clId="Web-{7B6517EA-6752-4DB7-A918-956546F0DE3A}" dt="2021-03-25T15:51:32.958" v="147" actId="1076"/>
-          <ac:picMkLst>
-            <pc:docMk/>
-            <pc:sldMk cId="3962583941" sldId="256"/>
-            <ac:picMk id="4" creationId="{C89B2471-97BD-446A-B198-A7029D2F33C6}"/>
-          </ac:picMkLst>
-        </pc:picChg>
-        <pc:cxnChg chg="add del mod">
-          <ac:chgData name="Danilo Di Bella" userId="9e114f506f37626b" providerId="Windows Live" clId="Web-{7B6517EA-6752-4DB7-A918-956546F0DE3A}" dt="2021-03-25T15:50:45.082" v="142"/>
-          <ac:cxnSpMkLst>
-            <pc:docMk/>
-            <pc:sldMk cId="3962583941" sldId="256"/>
-            <ac:cxnSpMk id="7" creationId="{86032A21-3A72-4754-916C-B521374008CD}"/>
-          </ac:cxnSpMkLst>
-        </pc:cxnChg>
-        <pc:cxnChg chg="add del mod">
-          <ac:chgData name="Danilo Di Bella" userId="9e114f506f37626b" providerId="Windows Live" clId="Web-{7B6517EA-6752-4DB7-A918-956546F0DE3A}" dt="2021-03-25T15:47:57.455" v="104"/>
-          <ac:cxnSpMkLst>
-            <pc:docMk/>
-            <pc:sldMk cId="3962583941" sldId="256"/>
-            <ac:cxnSpMk id="9" creationId="{349BDFF1-EFA2-4C17-841E-1083E9F898D5}"/>
-          </ac:cxnSpMkLst>
-        </pc:cxnChg>
-        <pc:cxnChg chg="add del mod">
-          <ac:chgData name="Danilo Di Bella" userId="9e114f506f37626b" providerId="Windows Live" clId="Web-{7B6517EA-6752-4DB7-A918-956546F0DE3A}" dt="2021-03-25T15:47:58.830" v="105"/>
-          <ac:cxnSpMkLst>
-            <pc:docMk/>
-            <pc:sldMk cId="3962583941" sldId="256"/>
-            <ac:cxnSpMk id="10" creationId="{3346CC0F-2DB2-4E43-B587-9131D955D18B}"/>
-          </ac:cxnSpMkLst>
-        </pc:cxnChg>
-      </pc:sldChg>
-      <pc:sldChg chg="addSp delSp modSp new">
-        <pc:chgData name="Danilo Di Bella" userId="9e114f506f37626b" providerId="Windows Live" clId="Web-{7B6517EA-6752-4DB7-A918-956546F0DE3A}" dt="2021-03-25T16:37:47.307" v="441" actId="14100"/>
-        <pc:sldMkLst>
-          <pc:docMk/>
-          <pc:sldMk cId="3052254567" sldId="257"/>
-        </pc:sldMkLst>
-        <pc:spChg chg="add mod">
-          <ac:chgData name="Danilo Di Bella" userId="9e114f506f37626b" providerId="Windows Live" clId="Web-{7B6517EA-6752-4DB7-A918-956546F0DE3A}" dt="2021-03-25T15:58:32.479" v="211" actId="20577"/>
-          <ac:spMkLst>
-            <pc:docMk/>
-            <pc:sldMk cId="3052254567" sldId="257"/>
-            <ac:spMk id="3" creationId="{EAE6F831-9C3B-49B7-B6E9-F3871E27EBDC}"/>
+            <pc:sldMk cId="1126970430" sldId="259"/>
+            <ac:spMk id="14" creationId="{6BCAE7FE-EEE4-4414-8104-E237B312F3F7}"/>
           </ac:spMkLst>
         </pc:spChg>
         <pc:spChg chg="add del mod">
-          <ac:chgData name="Danilo Di Bella" userId="9e114f506f37626b" providerId="Windows Live" clId="Web-{7B6517EA-6752-4DB7-A918-956546F0DE3A}" dt="2021-03-25T16:09:14.362" v="271" actId="14100"/>
+          <ac:chgData name="Danilo Di Bella" userId="9e114f506f37626b" providerId="Windows Live" clId="Web-{7E3F0489-DB69-433C-A0ED-1F8FA7294309}" dt="2021-03-26T12:31:16.059" v="208"/>
           <ac:spMkLst>
             <pc:docMk/>
-            <pc:sldMk cId="3052254567" sldId="257"/>
-            <ac:spMk id="4" creationId="{8D1FEA9B-6164-4B4F-832E-D03F5436B3E9}"/>
+            <pc:sldMk cId="1126970430" sldId="259"/>
+            <ac:spMk id="15" creationId="{91FBC6A6-8200-49D5-91ED-3099A8797213}"/>
           </ac:spMkLst>
         </pc:spChg>
         <pc:spChg chg="add mod">
-          <ac:chgData name="Danilo Di Bella" userId="9e114f506f37626b" providerId="Windows Live" clId="Web-{7B6517EA-6752-4DB7-A918-956546F0DE3A}" dt="2021-03-25T16:09:20.925" v="272" actId="1076"/>
+          <ac:chgData name="Danilo Di Bella" userId="9e114f506f37626b" providerId="Windows Live" clId="Web-{7E3F0489-DB69-433C-A0ED-1F8FA7294309}" dt="2021-03-26T12:31:55.513" v="214" actId="14100"/>
           <ac:spMkLst>
             <pc:docMk/>
-            <pc:sldMk cId="3052254567" sldId="257"/>
-            <ac:spMk id="10" creationId="{7B3E8C79-FCD0-4181-B3A9-CC4ACC57113C}"/>
-          </ac:spMkLst>
-        </pc:spChg>
-        <pc:spChg chg="add del mod">
-          <ac:chgData name="Danilo Di Bella" userId="9e114f506f37626b" providerId="Windows Live" clId="Web-{7B6517EA-6752-4DB7-A918-956546F0DE3A}" dt="2021-03-25T16:13:33.210" v="293"/>
-          <ac:spMkLst>
-            <pc:docMk/>
-            <pc:sldMk cId="3052254567" sldId="257"/>
-            <ac:spMk id="12" creationId="{AA18C0E2-2899-4F35-AF49-D2EB6A511C45}"/>
+            <pc:sldMk cId="1126970430" sldId="259"/>
+            <ac:spMk id="16" creationId="{41BA3F03-217E-49B5-AFCB-B249A94E4AF8}"/>
           </ac:spMkLst>
         </pc:spChg>
         <pc:spChg chg="add mod">
-          <ac:chgData name="Danilo Di Bella" userId="9e114f506f37626b" providerId="Windows Live" clId="Web-{7B6517EA-6752-4DB7-A918-956546F0DE3A}" dt="2021-03-25T16:16:52.712" v="305" actId="20577"/>
+          <ac:chgData name="Danilo Di Bella" userId="9e114f506f37626b" providerId="Windows Live" clId="Web-{7E3F0489-DB69-433C-A0ED-1F8FA7294309}" dt="2021-03-26T12:34:04.236" v="230" actId="14100"/>
           <ac:spMkLst>
             <pc:docMk/>
-            <pc:sldMk cId="3052254567" sldId="257"/>
-            <ac:spMk id="13" creationId="{97E191FF-381A-4A12-AB65-DDB418155AA2}"/>
+            <pc:sldMk cId="1126970430" sldId="259"/>
+            <ac:spMk id="17" creationId="{62ACC52F-9DDA-4894-B18C-50007F4C4A43}"/>
           </ac:spMkLst>
         </pc:spChg>
         <pc:spChg chg="add mod">
-          <ac:chgData name="Danilo Di Bella" userId="9e114f506f37626b" providerId="Windows Live" clId="Web-{7B6517EA-6752-4DB7-A918-956546F0DE3A}" dt="2021-03-25T16:15:51.086" v="301" actId="14100"/>
+          <ac:chgData name="Danilo Di Bella" userId="9e114f506f37626b" providerId="Windows Live" clId="Web-{7E3F0489-DB69-433C-A0ED-1F8FA7294309}" dt="2021-03-26T12:34:15.612" v="231" actId="14100"/>
           <ac:spMkLst>
             <pc:docMk/>
-            <pc:sldMk cId="3052254567" sldId="257"/>
-            <ac:spMk id="14" creationId="{2815B1CC-570D-44AC-AC50-56235D89A55D}"/>
+            <pc:sldMk cId="1126970430" sldId="259"/>
+            <ac:spMk id="18" creationId="{701C979D-EEB2-4ECF-9389-F45A2DB6B1E3}"/>
           </ac:spMkLst>
         </pc:spChg>
         <pc:spChg chg="add mod">
-          <ac:chgData name="Danilo Di Bella" userId="9e114f506f37626b" providerId="Windows Live" clId="Web-{7B6517EA-6752-4DB7-A918-956546F0DE3A}" dt="2021-03-25T16:28:51.643" v="378" actId="14100"/>
+          <ac:chgData name="Danilo Di Bella" userId="9e114f506f37626b" providerId="Windows Live" clId="Web-{7E3F0489-DB69-433C-A0ED-1F8FA7294309}" dt="2021-03-26T12:32:51.609" v="228" actId="14100"/>
           <ac:spMkLst>
             <pc:docMk/>
-            <pc:sldMk cId="3052254567" sldId="257"/>
-            <ac:spMk id="15" creationId="{C3E03C23-5770-4978-8C0A-84DE8C4D5462}"/>
+            <pc:sldMk cId="1126970430" sldId="259"/>
+            <ac:spMk id="19" creationId="{1BC7091C-8E6D-4906-9566-B56500AB2C84}"/>
           </ac:spMkLst>
         </pc:spChg>
         <pc:spChg chg="add mod">
-          <ac:chgData name="Danilo Di Bella" userId="9e114f506f37626b" providerId="Windows Live" clId="Web-{7B6517EA-6752-4DB7-A918-956546F0DE3A}" dt="2021-03-25T16:27:56.565" v="364"/>
+          <ac:chgData name="Danilo Di Bella" userId="9e114f506f37626b" providerId="Windows Live" clId="Web-{7E3F0489-DB69-433C-A0ED-1F8FA7294309}" dt="2021-03-26T12:36:27.382" v="265" actId="1076"/>
           <ac:spMkLst>
             <pc:docMk/>
-            <pc:sldMk cId="3052254567" sldId="257"/>
-            <ac:spMk id="16" creationId="{38B259C2-AA95-431D-8D43-B37E769CCB30}"/>
+            <pc:sldMk cId="1126970430" sldId="259"/>
+            <ac:spMk id="20" creationId="{64CA8BA8-F395-4172-BBF6-576DE9421A1C}"/>
           </ac:spMkLst>
         </pc:spChg>
-        <pc:spChg chg="add mod">
-          <ac:chgData name="Danilo Di Bella" userId="9e114f506f37626b" providerId="Windows Live" clId="Web-{7B6517EA-6752-4DB7-A918-956546F0DE3A}" dt="2021-03-25T16:28:27.674" v="374" actId="20577"/>
-          <ac:spMkLst>
-            <pc:docMk/>
-            <pc:sldMk cId="3052254567" sldId="257"/>
-            <ac:spMk id="17" creationId="{1BDD02ED-37C2-4C13-A010-08691D960030}"/>
-          </ac:spMkLst>
-        </pc:spChg>
-        <pc:spChg chg="add mod">
-          <ac:chgData name="Danilo Di Bella" userId="9e114f506f37626b" providerId="Windows Live" clId="Web-{7B6517EA-6752-4DB7-A918-956546F0DE3A}" dt="2021-03-25T16:28:41.581" v="377" actId="20577"/>
-          <ac:spMkLst>
-            <pc:docMk/>
-            <pc:sldMk cId="3052254567" sldId="257"/>
-            <ac:spMk id="18" creationId="{F4E4F68D-4F28-4EEB-A85D-A0EB91B143AC}"/>
-          </ac:spMkLst>
-        </pc:spChg>
-        <pc:spChg chg="add mod">
-          <ac:chgData name="Danilo Di Bella" userId="9e114f506f37626b" providerId="Windows Live" clId="Web-{7B6517EA-6752-4DB7-A918-956546F0DE3A}" dt="2021-03-25T16:27:27.830" v="362" actId="14100"/>
-          <ac:spMkLst>
-            <pc:docMk/>
-            <pc:sldMk cId="3052254567" sldId="257"/>
-            <ac:spMk id="19" creationId="{AFC4CC89-8965-4196-9085-2D637E9140DD}"/>
-          </ac:spMkLst>
-        </pc:spChg>
-        <pc:spChg chg="add mod">
-          <ac:chgData name="Danilo Di Bella" userId="9e114f506f37626b" providerId="Windows Live" clId="Web-{7B6517EA-6752-4DB7-A918-956546F0DE3A}" dt="2021-03-25T16:37:47.307" v="441" actId="14100"/>
-          <ac:spMkLst>
-            <pc:docMk/>
-            <pc:sldMk cId="3052254567" sldId="257"/>
-            <ac:spMk id="20" creationId="{786398F6-5C9E-4139-8E8E-A397FD44675A}"/>
-          </ac:spMkLst>
-        </pc:spChg>
-        <pc:spChg chg="add mod">
-          <ac:chgData name="Danilo Di Bella" userId="9e114f506f37626b" providerId="Windows Live" clId="Web-{7B6517EA-6752-4DB7-A918-956546F0DE3A}" dt="2021-03-25T16:37:36.916" v="440" actId="20577"/>
-          <ac:spMkLst>
-            <pc:docMk/>
-            <pc:sldMk cId="3052254567" sldId="257"/>
-            <ac:spMk id="21" creationId="{AD1E22D8-A1C5-4E52-8DFF-31925FE2B681}"/>
-          </ac:spMkLst>
-        </pc:spChg>
-        <pc:picChg chg="add mod">
-          <ac:chgData name="Danilo Di Bella" userId="9e114f506f37626b" providerId="Windows Live" clId="Web-{7B6517EA-6752-4DB7-A918-956546F0DE3A}" dt="2021-03-25T15:59:07.433" v="215" actId="1076"/>
+        <pc:picChg chg="add mod ord">
+          <ac:chgData name="Danilo Di Bella" userId="9e114f506f37626b" providerId="Windows Live" clId="Web-{7E3F0489-DB69-433C-A0ED-1F8FA7294309}" dt="2021-03-26T12:22:57.246" v="147" actId="1076"/>
           <ac:picMkLst>
             <pc:docMk/>
-            <pc:sldMk cId="3052254567" sldId="257"/>
-            <ac:picMk id="2" creationId="{23B697F1-547E-4816-BC89-CF5A5B73F7B8}"/>
+            <pc:sldMk cId="1126970430" sldId="259"/>
+            <ac:picMk id="4" creationId="{649685C4-7D1E-484D-A08D-92AE8CA86360}"/>
           </ac:picMkLst>
         </pc:picChg>
         <pc:inkChg chg="add del">
-          <ac:chgData name="Danilo Di Bella" userId="9e114f506f37626b" providerId="Windows Live" clId="Web-{7B6517EA-6752-4DB7-A918-956546F0DE3A}" dt="2021-03-25T16:06:28.985" v="246"/>
+          <ac:chgData name="Danilo Di Bella" userId="9e114f506f37626b" providerId="Windows Live" clId="Web-{7E3F0489-DB69-433C-A0ED-1F8FA7294309}" dt="2021-03-26T12:35:49.318" v="250"/>
           <ac:inkMkLst>
             <pc:docMk/>
-            <pc:sldMk cId="3052254567" sldId="257"/>
-            <ac:inkMk id="6" creationId="{ED6021A4-88AA-4BF9-A603-C10BE12F4D28}"/>
+            <pc:sldMk cId="1126970430" sldId="259"/>
+            <ac:inkMk id="21" creationId="{681006CD-CC1E-4487-B481-6CBC2B584E12}"/>
+          </ac:inkMkLst>
+        </pc:inkChg>
+        <pc:inkChg chg="add">
+          <ac:chgData name="Danilo Di Bella" userId="9e114f506f37626b" providerId="Windows Live" clId="Web-{7E3F0489-DB69-433C-A0ED-1F8FA7294309}" dt="2021-03-26T12:35:56.959" v="251"/>
+          <ac:inkMkLst>
+            <pc:docMk/>
+            <pc:sldMk cId="1126970430" sldId="259"/>
+            <ac:inkMk id="22" creationId="{37D19A76-FAA4-42ED-BCC3-516E0A8B5299}"/>
+          </ac:inkMkLst>
+        </pc:inkChg>
+        <pc:inkChg chg="add">
+          <ac:chgData name="Danilo Di Bella" userId="9e114f506f37626b" providerId="Windows Live" clId="Web-{7E3F0489-DB69-433C-A0ED-1F8FA7294309}" dt="2021-03-26T12:35:58.162" v="252"/>
+          <ac:inkMkLst>
+            <pc:docMk/>
+            <pc:sldMk cId="1126970430" sldId="259"/>
+            <ac:inkMk id="23" creationId="{A645E237-F9A0-433C-92C2-AF31D32BEC06}"/>
+          </ac:inkMkLst>
+        </pc:inkChg>
+        <pc:inkChg chg="add">
+          <ac:chgData name="Danilo Di Bella" userId="9e114f506f37626b" providerId="Windows Live" clId="Web-{7E3F0489-DB69-433C-A0ED-1F8FA7294309}" dt="2021-03-26T12:35:59.334" v="253"/>
+          <ac:inkMkLst>
+            <pc:docMk/>
+            <pc:sldMk cId="1126970430" sldId="259"/>
+            <ac:inkMk id="24" creationId="{0FB54644-C92D-4F80-8202-F9CD80A51FEA}"/>
+          </ac:inkMkLst>
+        </pc:inkChg>
+        <pc:inkChg chg="add">
+          <ac:chgData name="Danilo Di Bella" userId="9e114f506f37626b" providerId="Windows Live" clId="Web-{7E3F0489-DB69-433C-A0ED-1F8FA7294309}" dt="2021-03-26T12:36:00.506" v="254"/>
+          <ac:inkMkLst>
+            <pc:docMk/>
+            <pc:sldMk cId="1126970430" sldId="259"/>
+            <ac:inkMk id="25" creationId="{DAB6FBF6-C975-4AB0-92CD-5BCB1A23C03A}"/>
+          </ac:inkMkLst>
+        </pc:inkChg>
+        <pc:inkChg chg="add">
+          <ac:chgData name="Danilo Di Bella" userId="9e114f506f37626b" providerId="Windows Live" clId="Web-{7E3F0489-DB69-433C-A0ED-1F8FA7294309}" dt="2021-03-26T12:36:06.240" v="255"/>
+          <ac:inkMkLst>
+            <pc:docMk/>
+            <pc:sldMk cId="1126970430" sldId="259"/>
+            <ac:inkMk id="26" creationId="{AF965E7E-933B-400B-8031-3B18E34A948F}"/>
+          </ac:inkMkLst>
+        </pc:inkChg>
+        <pc:inkChg chg="add">
+          <ac:chgData name="Danilo Di Bella" userId="9e114f506f37626b" providerId="Windows Live" clId="Web-{7E3F0489-DB69-433C-A0ED-1F8FA7294309}" dt="2021-03-26T12:36:12.131" v="256"/>
+          <ac:inkMkLst>
+            <pc:docMk/>
+            <pc:sldMk cId="1126970430" sldId="259"/>
+            <ac:inkMk id="27" creationId="{F8191F12-AE4C-4722-86FB-EEEAC990C3BF}"/>
+          </ac:inkMkLst>
+        </pc:inkChg>
+        <pc:inkChg chg="add">
+          <ac:chgData name="Danilo Di Bella" userId="9e114f506f37626b" providerId="Windows Live" clId="Web-{7E3F0489-DB69-433C-A0ED-1F8FA7294309}" dt="2021-03-26T12:36:12.990" v="257"/>
+          <ac:inkMkLst>
+            <pc:docMk/>
+            <pc:sldMk cId="1126970430" sldId="259"/>
+            <ac:inkMk id="28" creationId="{82B8E14E-F3D8-44B5-9145-0A9106BACD7E}"/>
+          </ac:inkMkLst>
+        </pc:inkChg>
+        <pc:inkChg chg="add">
+          <ac:chgData name="Danilo Di Bella" userId="9e114f506f37626b" providerId="Windows Live" clId="Web-{7E3F0489-DB69-433C-A0ED-1F8FA7294309}" dt="2021-03-26T12:36:12.990" v="258"/>
+          <ac:inkMkLst>
+            <pc:docMk/>
+            <pc:sldMk cId="1126970430" sldId="259"/>
+            <ac:inkMk id="29" creationId="{D66AFDA2-E836-4BC1-A595-AD9C75F901AC}"/>
           </ac:inkMkLst>
         </pc:inkChg>
         <pc:inkChg chg="add del">
-          <ac:chgData name="Danilo Di Bella" userId="9e114f506f37626b" providerId="Windows Live" clId="Web-{7B6517EA-6752-4DB7-A918-956546F0DE3A}" dt="2021-03-25T16:07:02.017" v="251"/>
+          <ac:chgData name="Danilo Di Bella" userId="9e114f506f37626b" providerId="Windows Live" clId="Web-{7E3F0489-DB69-433C-A0ED-1F8FA7294309}" dt="2021-03-26T12:36:19.788" v="264"/>
           <ac:inkMkLst>
             <pc:docMk/>
-            <pc:sldMk cId="3052254567" sldId="257"/>
-            <ac:inkMk id="7" creationId="{376B23F8-C59D-4709-BFD8-D137E70F812D}"/>
+            <pc:sldMk cId="1126970430" sldId="259"/>
+            <ac:inkMk id="30" creationId="{FA12ED29-B78F-4AA3-8A2D-57DDBE53DB44}"/>
           </ac:inkMkLst>
         </pc:inkChg>
         <pc:inkChg chg="add del">
-          <ac:chgData name="Danilo Di Bella" userId="9e114f506f37626b" providerId="Windows Live" clId="Web-{7B6517EA-6752-4DB7-A918-956546F0DE3A}" dt="2021-03-25T16:06:59.376" v="250"/>
+          <ac:chgData name="Danilo Di Bella" userId="9e114f506f37626b" providerId="Windows Live" clId="Web-{7E3F0489-DB69-433C-A0ED-1F8FA7294309}" dt="2021-03-26T12:36:18.834" v="263"/>
           <ac:inkMkLst>
             <pc:docMk/>
-            <pc:sldMk cId="3052254567" sldId="257"/>
-            <ac:inkMk id="8" creationId="{88FEAA67-204B-4687-835F-4B203387C98A}"/>
+            <pc:sldMk cId="1126970430" sldId="259"/>
+            <ac:inkMk id="31" creationId="{F16482CF-7D59-439F-83C6-61B7F2F9759A}"/>
           </ac:inkMkLst>
         </pc:inkChg>
         <pc:inkChg chg="add del">
-          <ac:chgData name="Danilo Di Bella" userId="9e114f506f37626b" providerId="Windows Live" clId="Web-{7B6517EA-6752-4DB7-A918-956546F0DE3A}" dt="2021-03-25T16:07:32.564" v="253"/>
+          <ac:chgData name="Danilo Di Bella" userId="9e114f506f37626b" providerId="Windows Live" clId="Web-{7E3F0489-DB69-433C-A0ED-1F8FA7294309}" dt="2021-03-26T12:36:18.834" v="262"/>
           <ac:inkMkLst>
             <pc:docMk/>
-            <pc:sldMk cId="3052254567" sldId="257"/>
-            <ac:inkMk id="9" creationId="{60C6819A-849B-4D5F-9D4F-1202061F3E23}"/>
+            <pc:sldMk cId="1126970430" sldId="259"/>
+            <ac:inkMk id="32" creationId="{8873B32E-E2DA-4AB3-A08C-6670CE15C74F}"/>
           </ac:inkMkLst>
         </pc:inkChg>
-        <pc:inkChg chg="add del">
-          <ac:chgData name="Danilo Di Bella" userId="9e114f506f37626b" providerId="Windows Live" clId="Web-{7B6517EA-6752-4DB7-A918-956546F0DE3A}" dt="2021-03-25T16:07:42.283" v="256"/>
-          <ac:inkMkLst>
-            <pc:docMk/>
-            <pc:sldMk cId="3052254567" sldId="257"/>
-            <ac:inkMk id="11" creationId="{CD58CCCD-7BBC-4006-B4FA-5359314A5D7E}"/>
-          </ac:inkMkLst>
-        </pc:inkChg>
-        <pc:cxnChg chg="add del mod">
-          <ac:chgData name="Danilo Di Bella" userId="9e114f506f37626b" providerId="Windows Live" clId="Web-{7B6517EA-6752-4DB7-A918-956546F0DE3A}" dt="2021-03-25T16:04:33.843" v="239"/>
-          <ac:cxnSpMkLst>
-            <pc:docMk/>
-            <pc:sldMk cId="3052254567" sldId="257"/>
-            <ac:cxnSpMk id="5" creationId="{E2D4114C-AE6F-4993-B278-D75473CA2C4F}"/>
-          </ac:cxnSpMkLst>
-        </pc:cxnChg>
       </pc:sldChg>
       <pc:sldChg chg="addSp delSp modSp new">
-        <pc:chgData name="Danilo Di Bella" userId="9e114f506f37626b" providerId="Windows Live" clId="Web-{7B6517EA-6752-4DB7-A918-956546F0DE3A}" dt="2021-03-25T16:47:53.955" v="497"/>
+        <pc:chgData name="Danilo Di Bella" userId="9e114f506f37626b" providerId="Windows Live" clId="Web-{7E3F0489-DB69-433C-A0ED-1F8FA7294309}" dt="2021-03-26T12:07:09.121" v="32" actId="1076"/>
         <pc:sldMkLst>
           <pc:docMk/>
-          <pc:sldMk cId="1680655221" sldId="258"/>
+          <pc:sldMk cId="3460840718" sldId="260"/>
         </pc:sldMkLst>
-        <pc:spChg chg="add mod">
-          <ac:chgData name="Danilo Di Bella" userId="9e114f506f37626b" providerId="Windows Live" clId="Web-{7B6517EA-6752-4DB7-A918-956546F0DE3A}" dt="2021-03-25T16:32:47.256" v="397" actId="20577"/>
+        <pc:spChg chg="mod">
+          <ac:chgData name="Danilo Di Bella" userId="9e114f506f37626b" providerId="Windows Live" clId="Web-{7E3F0489-DB69-433C-A0ED-1F8FA7294309}" dt="2021-03-26T12:06:59.199" v="30" actId="14100"/>
           <ac:spMkLst>
             <pc:docMk/>
-            <pc:sldMk cId="1680655221" sldId="258"/>
-            <ac:spMk id="3" creationId="{55433081-A4FA-4479-8A6C-8BB46C718271}"/>
+            <pc:sldMk cId="3460840718" sldId="260"/>
+            <ac:spMk id="2" creationId="{7760F2AC-E062-42C9-9378-AD139B6A1720}"/>
           </ac:spMkLst>
         </pc:spChg>
-        <pc:spChg chg="add mod">
-          <ac:chgData name="Danilo Di Bella" userId="9e114f506f37626b" providerId="Windows Live" clId="Web-{7B6517EA-6752-4DB7-A918-956546F0DE3A}" dt="2021-03-25T16:39:30.121" v="446" actId="1076"/>
+        <pc:spChg chg="del">
+          <ac:chgData name="Danilo Di Bella" userId="9e114f506f37626b" providerId="Windows Live" clId="Web-{7E3F0489-DB69-433C-A0ED-1F8FA7294309}" dt="2021-03-26T12:06:28.526" v="17"/>
           <ac:spMkLst>
             <pc:docMk/>
-            <pc:sldMk cId="1680655221" sldId="258"/>
-            <ac:spMk id="4" creationId="{9B66F51C-FF41-4692-8F41-E1FC830FE33F}"/>
+            <pc:sldMk cId="3460840718" sldId="260"/>
+            <ac:spMk id="3" creationId="{A0B1FE76-7F62-4F47-B4DD-3D27626E5A8A}"/>
           </ac:spMkLst>
         </pc:spChg>
-        <pc:spChg chg="add mod">
-          <ac:chgData name="Danilo Di Bella" userId="9e114f506f37626b" providerId="Windows Live" clId="Web-{7B6517EA-6752-4DB7-A918-956546F0DE3A}" dt="2021-03-25T16:45:18.547" v="473" actId="1076"/>
-          <ac:spMkLst>
-            <pc:docMk/>
-            <pc:sldMk cId="1680655221" sldId="258"/>
-            <ac:spMk id="5" creationId="{43828984-1214-4C56-8530-81BCBD98F448}"/>
-          </ac:spMkLst>
-        </pc:spChg>
-        <pc:spChg chg="add mod">
-          <ac:chgData name="Danilo Di Bella" userId="9e114f506f37626b" providerId="Windows Live" clId="Web-{7B6517EA-6752-4DB7-A918-956546F0DE3A}" dt="2021-03-25T16:44:35.203" v="470" actId="20577"/>
-          <ac:spMkLst>
-            <pc:docMk/>
-            <pc:sldMk cId="1680655221" sldId="258"/>
-            <ac:spMk id="6" creationId="{989FD465-7825-410A-B7C2-94A155FEB3BF}"/>
-          </ac:spMkLst>
-        </pc:spChg>
-        <pc:spChg chg="add del mod">
-          <ac:chgData name="Danilo Di Bella" userId="9e114f506f37626b" providerId="Windows Live" clId="Web-{7B6517EA-6752-4DB7-A918-956546F0DE3A}" dt="2021-03-25T16:47:53.955" v="497"/>
-          <ac:spMkLst>
-            <pc:docMk/>
-            <pc:sldMk cId="1680655221" sldId="258"/>
-            <ac:spMk id="7" creationId="{C4E6E83A-30B2-4A46-8E82-29092CF9E4B5}"/>
-          </ac:spMkLst>
-        </pc:spChg>
-        <pc:spChg chg="add del mod">
-          <ac:chgData name="Danilo Di Bella" userId="9e114f506f37626b" providerId="Windows Live" clId="Web-{7B6517EA-6752-4DB7-A918-956546F0DE3A}" dt="2021-03-25T16:47:45.377" v="495"/>
-          <ac:spMkLst>
-            <pc:docMk/>
-            <pc:sldMk cId="1680655221" sldId="258"/>
-            <ac:spMk id="8" creationId="{5BDBC848-8EE9-4023-A929-917D40526BB3}"/>
-          </ac:spMkLst>
-        </pc:spChg>
-        <pc:spChg chg="add del mod">
-          <ac:chgData name="Danilo Di Bella" userId="9e114f506f37626b" providerId="Windows Live" clId="Web-{7B6517EA-6752-4DB7-A918-956546F0DE3A}" dt="2021-03-25T16:47:40.596" v="493"/>
-          <ac:spMkLst>
-            <pc:docMk/>
-            <pc:sldMk cId="1680655221" sldId="258"/>
-            <ac:spMk id="9" creationId="{F6A270FA-7D43-479C-9C07-37C285DE28BD}"/>
-          </ac:spMkLst>
-        </pc:spChg>
-        <pc:picChg chg="add mod">
-          <ac:chgData name="Danilo Di Bella" userId="9e114f506f37626b" providerId="Windows Live" clId="Web-{7B6517EA-6752-4DB7-A918-956546F0DE3A}" dt="2021-03-25T16:33:15.225" v="400" actId="14100"/>
+        <pc:picChg chg="add mod ord">
+          <ac:chgData name="Danilo Di Bella" userId="9e114f506f37626b" providerId="Windows Live" clId="Web-{7E3F0489-DB69-433C-A0ED-1F8FA7294309}" dt="2021-03-26T12:07:09.121" v="32" actId="1076"/>
           <ac:picMkLst>
             <pc:docMk/>
-            <pc:sldMk cId="1680655221" sldId="258"/>
-            <ac:picMk id="2" creationId="{DD85C2CA-4136-4AB9-840F-EAD257E534EC}"/>
+            <pc:sldMk cId="3460840718" sldId="260"/>
+            <ac:picMk id="4" creationId="{1B53D0D3-3DA4-4BCC-A594-0EAE205649D4}"/>
           </ac:picMkLst>
         </pc:picChg>
+      </pc:sldChg>
+      <pc:sldChg chg="add del">
+        <pc:chgData name="Danilo Di Bella" userId="9e114f506f37626b" providerId="Windows Live" clId="Web-{7E3F0489-DB69-433C-A0ED-1F8FA7294309}" dt="2021-03-26T12:04:39.554" v="15"/>
+        <pc:sldMkLst>
+          <pc:docMk/>
+          <pc:sldMk cId="2026796414" sldId="261"/>
+        </pc:sldMkLst>
+      </pc:sldChg>
+      <pc:sldChg chg="add">
+        <pc:chgData name="Danilo Di Bella" userId="9e114f506f37626b" providerId="Windows Live" clId="Web-{7E3F0489-DB69-433C-A0ED-1F8FA7294309}" dt="2021-03-26T12:04:34.428" v="14"/>
+        <pc:sldMkLst>
+          <pc:docMk/>
+          <pc:sldMk cId="2666752581" sldId="262"/>
+        </pc:sldMkLst>
       </pc:sldChg>
     </pc:docChg>
   </pc:docChgLst>
   <pc:docChgLst>
-    <pc:chgData name="Danilo Di Bella" userId="9e114f506f37626b" providerId="Windows Live" clId="Web-{2AC968B8-7ED4-4FA6-BA9D-3B126EA4AF8C}"/>
-    <pc:docChg chg="addSld modSld sldOrd">
-      <pc:chgData name="Danilo Di Bella" userId="9e114f506f37626b" providerId="Windows Live" clId="Web-{2AC968B8-7ED4-4FA6-BA9D-3B126EA4AF8C}" dt="2021-03-25T16:56:37.841" v="22" actId="20577"/>
+    <pc:chgData name="Danilo Di Bella" userId="9e114f506f37626b" providerId="Windows Live" clId="Web-{7EAC5A23-6A03-4854-8D38-A8468CD545CA}"/>
+    <pc:docChg chg="delSld modSld">
+      <pc:chgData name="Danilo Di Bella" userId="9e114f506f37626b" providerId="Windows Live" clId="Web-{7EAC5A23-6A03-4854-8D38-A8468CD545CA}" dt="2021-03-26T15:02:18.315" v="279" actId="20577"/>
       <pc:docMkLst>
         <pc:docMk/>
       </pc:docMkLst>
-      <pc:sldChg chg="modSp new ord">
-        <pc:chgData name="Danilo Di Bella" userId="9e114f506f37626b" providerId="Windows Live" clId="Web-{2AC968B8-7ED4-4FA6-BA9D-3B126EA4AF8C}" dt="2021-03-25T16:56:37.841" v="22" actId="20577"/>
+      <pc:sldChg chg="del">
+        <pc:chgData name="Danilo Di Bella" userId="9e114f506f37626b" providerId="Windows Live" clId="Web-{7EAC5A23-6A03-4854-8D38-A8468CD545CA}" dt="2021-03-26T14:46:51.107" v="99"/>
         <pc:sldMkLst>
           <pc:docMk/>
-          <pc:sldMk cId="2529106115" sldId="259"/>
+          <pc:sldMk cId="2089278109" sldId="258"/>
         </pc:sldMkLst>
-        <pc:spChg chg="mod">
-          <ac:chgData name="Danilo Di Bella" userId="9e114f506f37626b" providerId="Windows Live" clId="Web-{2AC968B8-7ED4-4FA6-BA9D-3B126EA4AF8C}" dt="2021-03-25T16:56:24.169" v="19" actId="20577"/>
+      </pc:sldChg>
+      <pc:sldChg chg="addSp delSp modSp">
+        <pc:chgData name="Danilo Di Bella" userId="9e114f506f37626b" providerId="Windows Live" clId="Web-{7EAC5A23-6A03-4854-8D38-A8468CD545CA}" dt="2021-03-26T15:02:18.315" v="279" actId="20577"/>
+        <pc:sldMkLst>
+          <pc:docMk/>
+          <pc:sldMk cId="1126970430" sldId="259"/>
+        </pc:sldMkLst>
+        <pc:spChg chg="add mod">
+          <ac:chgData name="Danilo Di Bella" userId="9e114f506f37626b" providerId="Windows Live" clId="Web-{7EAC5A23-6A03-4854-8D38-A8468CD545CA}" dt="2021-03-26T14:38:25.721" v="37" actId="14100"/>
           <ac:spMkLst>
             <pc:docMk/>
-            <pc:sldMk cId="2529106115" sldId="259"/>
-            <ac:spMk id="2" creationId="{0E84E358-33D7-4E84-82B4-4D31B161DE8F}"/>
+            <pc:sldMk cId="1126970430" sldId="259"/>
+            <ac:spMk id="2" creationId="{15EC9674-B273-4BE1-B7F6-262AC53EAE13}"/>
+          </ac:spMkLst>
+        </pc:spChg>
+        <pc:spChg chg="add mod">
+          <ac:chgData name="Danilo Di Bella" userId="9e114f506f37626b" providerId="Windows Live" clId="Web-{7EAC5A23-6A03-4854-8D38-A8468CD545CA}" dt="2021-03-26T14:33:59.075" v="29" actId="20577"/>
+          <ac:spMkLst>
+            <pc:docMk/>
+            <pc:sldMk cId="1126970430" sldId="259"/>
+            <ac:spMk id="3" creationId="{F7D3B942-F288-450E-80F1-2BE4EFF98D07}"/>
+          </ac:spMkLst>
+        </pc:spChg>
+        <pc:spChg chg="add mod">
+          <ac:chgData name="Danilo Di Bella" userId="9e114f506f37626b" providerId="Windows Live" clId="Web-{7EAC5A23-6A03-4854-8D38-A8468CD545CA}" dt="2021-03-26T14:37:08.672" v="35" actId="14100"/>
+          <ac:spMkLst>
+            <pc:docMk/>
+            <pc:sldMk cId="1126970430" sldId="259"/>
+            <ac:spMk id="5" creationId="{3DC3F509-F68B-429C-B6AC-CD99E593A54B}"/>
           </ac:spMkLst>
         </pc:spChg>
         <pc:spChg chg="mod">
-          <ac:chgData name="Danilo Di Bella" userId="9e114f506f37626b" providerId="Windows Live" clId="Web-{2AC968B8-7ED4-4FA6-BA9D-3B126EA4AF8C}" dt="2021-03-25T16:56:37.841" v="22" actId="20577"/>
+          <ac:chgData name="Danilo Di Bella" userId="9e114f506f37626b" providerId="Windows Live" clId="Web-{7EAC5A23-6A03-4854-8D38-A8468CD545CA}" dt="2021-03-26T14:55:27.775" v="189" actId="14100"/>
           <ac:spMkLst>
             <pc:docMk/>
-            <pc:sldMk cId="2529106115" sldId="259"/>
-            <ac:spMk id="3" creationId="{A6D7A47F-183C-4B42-A979-7B4C3355FDDE}"/>
+            <pc:sldMk cId="1126970430" sldId="259"/>
+            <ac:spMk id="6" creationId="{A88616A9-11B4-499D-A3B6-28835720D40D}"/>
+          </ac:spMkLst>
+        </pc:spChg>
+        <pc:spChg chg="add del">
+          <ac:chgData name="Danilo Di Bella" userId="9e114f506f37626b" providerId="Windows Live" clId="Web-{7EAC5A23-6A03-4854-8D38-A8468CD545CA}" dt="2021-03-26T14:38:35.424" v="39"/>
+          <ac:spMkLst>
+            <pc:docMk/>
+            <pc:sldMk cId="1126970430" sldId="259"/>
+            <ac:spMk id="7" creationId="{2AD6DCC3-F0C2-49D9-84CE-5C842FA13A2E}"/>
+          </ac:spMkLst>
+        </pc:spChg>
+        <pc:spChg chg="add mod">
+          <ac:chgData name="Danilo Di Bella" userId="9e114f506f37626b" providerId="Windows Live" clId="Web-{7EAC5A23-6A03-4854-8D38-A8468CD545CA}" dt="2021-03-26T14:41:40.897" v="79" actId="1076"/>
+          <ac:spMkLst>
+            <pc:docMk/>
+            <pc:sldMk cId="1126970430" sldId="259"/>
+            <ac:spMk id="8" creationId="{EED4A056-C7B9-4D01-A75D-23ABDC84148F}"/>
+          </ac:spMkLst>
+        </pc:spChg>
+        <pc:spChg chg="add mod">
+          <ac:chgData name="Danilo Di Bella" userId="9e114f506f37626b" providerId="Windows Live" clId="Web-{7EAC5A23-6A03-4854-8D38-A8468CD545CA}" dt="2021-03-26T14:46:30.279" v="98" actId="1076"/>
+          <ac:spMkLst>
+            <pc:docMk/>
+            <pc:sldMk cId="1126970430" sldId="259"/>
+            <ac:spMk id="9" creationId="{8D225BED-F58E-43AC-9A4A-BED93391C3B1}"/>
+          </ac:spMkLst>
+        </pc:spChg>
+        <pc:spChg chg="add mod">
+          <ac:chgData name="Danilo Di Bella" userId="9e114f506f37626b" providerId="Windows Live" clId="Web-{7EAC5A23-6A03-4854-8D38-A8468CD545CA}" dt="2021-03-26T15:02:04.159" v="278" actId="1076"/>
+          <ac:spMkLst>
+            <pc:docMk/>
+            <pc:sldMk cId="1126970430" sldId="259"/>
+            <ac:spMk id="10" creationId="{71E9DEF3-56F9-4761-8388-14ECABEC5F5F}"/>
+          </ac:spMkLst>
+        </pc:spChg>
+        <pc:spChg chg="mod">
+          <ac:chgData name="Danilo Di Bella" userId="9e114f506f37626b" providerId="Windows Live" clId="Web-{7EAC5A23-6A03-4854-8D38-A8468CD545CA}" dt="2021-03-26T15:02:18.315" v="279" actId="20577"/>
+          <ac:spMkLst>
+            <pc:docMk/>
+            <pc:sldMk cId="1126970430" sldId="259"/>
+            <ac:spMk id="13" creationId="{099CBA5B-6BCB-48B8-8670-863F1E975A6F}"/>
+          </ac:spMkLst>
+        </pc:spChg>
+        <pc:spChg chg="mod">
+          <ac:chgData name="Danilo Di Bella" userId="9e114f506f37626b" providerId="Windows Live" clId="Web-{7EAC5A23-6A03-4854-8D38-A8468CD545CA}" dt="2021-03-26T14:58:17.248" v="210" actId="14100"/>
+          <ac:spMkLst>
+            <pc:docMk/>
+            <pc:sldMk cId="1126970430" sldId="259"/>
+            <ac:spMk id="14" creationId="{6BCAE7FE-EEE4-4414-8104-E237B312F3F7}"/>
+          </ac:spMkLst>
+        </pc:spChg>
+        <pc:spChg chg="mod">
+          <ac:chgData name="Danilo Di Bella" userId="9e114f506f37626b" providerId="Windows Live" clId="Web-{7EAC5A23-6A03-4854-8D38-A8468CD545CA}" dt="2021-03-26T14:58:48.108" v="212" actId="14100"/>
+          <ac:spMkLst>
+            <pc:docMk/>
+            <pc:sldMk cId="1126970430" sldId="259"/>
+            <ac:spMk id="16" creationId="{41BA3F03-217E-49B5-AFCB-B249A94E4AF8}"/>
+          </ac:spMkLst>
+        </pc:spChg>
+        <pc:spChg chg="mod">
+          <ac:chgData name="Danilo Di Bella" userId="9e114f506f37626b" providerId="Windows Live" clId="Web-{7EAC5A23-6A03-4854-8D38-A8468CD545CA}" dt="2021-03-26T14:58:28.185" v="211" actId="14100"/>
+          <ac:spMkLst>
+            <pc:docMk/>
+            <pc:sldMk cId="1126970430" sldId="259"/>
+            <ac:spMk id="17" creationId="{62ACC52F-9DDA-4894-B18C-50007F4C4A43}"/>
+          </ac:spMkLst>
+        </pc:spChg>
+        <pc:spChg chg="mod">
+          <ac:chgData name="Danilo Di Bella" userId="9e114f506f37626b" providerId="Windows Live" clId="Web-{7EAC5A23-6A03-4854-8D38-A8468CD545CA}" dt="2021-03-26T14:57:46.481" v="206" actId="14100"/>
+          <ac:spMkLst>
+            <pc:docMk/>
+            <pc:sldMk cId="1126970430" sldId="259"/>
+            <ac:spMk id="18" creationId="{701C979D-EEB2-4ECF-9389-F45A2DB6B1E3}"/>
+          </ac:spMkLst>
+        </pc:spChg>
+        <pc:spChg chg="mod">
+          <ac:chgData name="Danilo Di Bella" userId="9e114f506f37626b" providerId="Windows Live" clId="Web-{7EAC5A23-6A03-4854-8D38-A8468CD545CA}" dt="2021-03-26T14:58:12.107" v="209" actId="14100"/>
+          <ac:spMkLst>
+            <pc:docMk/>
+            <pc:sldMk cId="1126970430" sldId="259"/>
+            <ac:spMk id="19" creationId="{1BC7091C-8E6D-4906-9566-B56500AB2C84}"/>
+          </ac:spMkLst>
+        </pc:spChg>
+        <pc:spChg chg="mod">
+          <ac:chgData name="Danilo Di Bella" userId="9e114f506f37626b" providerId="Windows Live" clId="Web-{7EAC5A23-6A03-4854-8D38-A8468CD545CA}" dt="2021-03-26T14:43:07.477" v="97" actId="20577"/>
+          <ac:spMkLst>
+            <pc:docMk/>
+            <pc:sldMk cId="1126970430" sldId="259"/>
+            <ac:spMk id="20" creationId="{64CA8BA8-F395-4172-BBF6-576DE9421A1C}"/>
+          </ac:spMkLst>
+        </pc:spChg>
+        <pc:spChg chg="add mod">
+          <ac:chgData name="Danilo Di Bella" userId="9e114f506f37626b" providerId="Windows Live" clId="Web-{7EAC5A23-6A03-4854-8D38-A8468CD545CA}" dt="2021-03-26T14:41:18.412" v="69"/>
+          <ac:spMkLst>
+            <pc:docMk/>
+            <pc:sldMk cId="1126970430" sldId="259"/>
+            <ac:spMk id="30" creationId="{2CB41B0E-6836-4D6E-BA94-81EA8134D933}"/>
+          </ac:spMkLst>
+        </pc:spChg>
+        <pc:spChg chg="add mod">
+          <ac:chgData name="Danilo Di Bella" userId="9e114f506f37626b" providerId="Windows Live" clId="Web-{7EAC5A23-6A03-4854-8D38-A8468CD545CA}" dt="2021-03-26T14:40:51.849" v="68"/>
+          <ac:spMkLst>
+            <pc:docMk/>
+            <pc:sldMk cId="1126970430" sldId="259"/>
+            <ac:spMk id="31" creationId="{7328A3E3-D174-404F-81B0-93E598B38604}"/>
+          </ac:spMkLst>
+        </pc:spChg>
+      </pc:sldChg>
+      <pc:sldChg chg="addSp modSp">
+        <pc:chgData name="Danilo Di Bella" userId="9e114f506f37626b" providerId="Windows Live" clId="Web-{7EAC5A23-6A03-4854-8D38-A8468CD545CA}" dt="2021-03-26T14:54:41.337" v="178" actId="20577"/>
+        <pc:sldMkLst>
+          <pc:docMk/>
+          <pc:sldMk cId="3460840718" sldId="260"/>
+        </pc:sldMkLst>
+        <pc:spChg chg="add mod">
+          <ac:chgData name="Danilo Di Bella" userId="9e114f506f37626b" providerId="Windows Live" clId="Web-{7EAC5A23-6A03-4854-8D38-A8468CD545CA}" dt="2021-03-26T14:49:06.376" v="137" actId="20577"/>
+          <ac:spMkLst>
+            <pc:docMk/>
+            <pc:sldMk cId="3460840718" sldId="260"/>
+            <ac:spMk id="3" creationId="{0C0F4C16-C908-4B4A-9E92-562185BF0478}"/>
+          </ac:spMkLst>
+        </pc:spChg>
+        <pc:spChg chg="add mod">
+          <ac:chgData name="Danilo Di Bella" userId="9e114f506f37626b" providerId="Windows Live" clId="Web-{7EAC5A23-6A03-4854-8D38-A8468CD545CA}" dt="2021-03-26T14:53:47.585" v="165"/>
+          <ac:spMkLst>
+            <pc:docMk/>
+            <pc:sldMk cId="3460840718" sldId="260"/>
+            <ac:spMk id="5" creationId="{4A580F98-C487-48DE-9112-C086B96C87A7}"/>
+          </ac:spMkLst>
+        </pc:spChg>
+        <pc:spChg chg="add mod">
+          <ac:chgData name="Danilo Di Bella" userId="9e114f506f37626b" providerId="Windows Live" clId="Web-{7EAC5A23-6A03-4854-8D38-A8468CD545CA}" dt="2021-03-26T14:53:53.664" v="166" actId="1076"/>
+          <ac:spMkLst>
+            <pc:docMk/>
+            <pc:sldMk cId="3460840718" sldId="260"/>
+            <ac:spMk id="6" creationId="{0E29DD6D-6D95-45B9-A386-6CF68330BDE7}"/>
+          </ac:spMkLst>
+        </pc:spChg>
+        <pc:spChg chg="add mod">
+          <ac:chgData name="Danilo Di Bella" userId="9e114f506f37626b" providerId="Windows Live" clId="Web-{7EAC5A23-6A03-4854-8D38-A8468CD545CA}" dt="2021-03-26T14:54:02.586" v="168" actId="1076"/>
+          <ac:spMkLst>
+            <pc:docMk/>
+            <pc:sldMk cId="3460840718" sldId="260"/>
+            <ac:spMk id="7" creationId="{CA95920F-17A0-4E06-90B8-94AA84DD80D1}"/>
+          </ac:spMkLst>
+        </pc:spChg>
+        <pc:spChg chg="add mod">
+          <ac:chgData name="Danilo Di Bella" userId="9e114f506f37626b" providerId="Windows Live" clId="Web-{7EAC5A23-6A03-4854-8D38-A8468CD545CA}" dt="2021-03-26T14:54:08.539" v="169" actId="14100"/>
+          <ac:spMkLst>
+            <pc:docMk/>
+            <pc:sldMk cId="3460840718" sldId="260"/>
+            <ac:spMk id="8" creationId="{61D15B1D-A572-44A3-8C4A-410FCC2D0DC1}"/>
+          </ac:spMkLst>
+        </pc:spChg>
+        <pc:spChg chg="add mod">
+          <ac:chgData name="Danilo Di Bella" userId="9e114f506f37626b" providerId="Windows Live" clId="Web-{7EAC5A23-6A03-4854-8D38-A8468CD545CA}" dt="2021-03-26T14:54:41.337" v="178" actId="20577"/>
+          <ac:spMkLst>
+            <pc:docMk/>
+            <pc:sldMk cId="3460840718" sldId="260"/>
+            <ac:spMk id="9" creationId="{E5955C81-FA66-4D45-A056-9FCBDE95E364}"/>
+          </ac:spMkLst>
+        </pc:spChg>
+      </pc:sldChg>
+      <pc:sldChg chg="modSp">
+        <pc:chgData name="Danilo Di Bella" userId="9e114f506f37626b" providerId="Windows Live" clId="Web-{7EAC5A23-6A03-4854-8D38-A8468CD545CA}" dt="2021-03-26T15:00:00.422" v="217" actId="1076"/>
+        <pc:sldMkLst>
+          <pc:docMk/>
+          <pc:sldMk cId="2666752581" sldId="262"/>
+        </pc:sldMkLst>
+        <pc:spChg chg="mod">
+          <ac:chgData name="Danilo Di Bella" userId="9e114f506f37626b" providerId="Windows Live" clId="Web-{7EAC5A23-6A03-4854-8D38-A8468CD545CA}" dt="2021-03-26T14:59:54.969" v="216"/>
+          <ac:spMkLst>
+            <pc:docMk/>
+            <pc:sldMk cId="2666752581" sldId="262"/>
+            <ac:spMk id="6" creationId="{AB92FE4D-FDC3-4D50-8000-B64B5BC6A79A}"/>
+          </ac:spMkLst>
+        </pc:spChg>
+        <pc:spChg chg="mod">
+          <ac:chgData name="Danilo Di Bella" userId="9e114f506f37626b" providerId="Windows Live" clId="Web-{7EAC5A23-6A03-4854-8D38-A8468CD545CA}" dt="2021-03-26T15:00:00.422" v="217" actId="1076"/>
+          <ac:spMkLst>
+            <pc:docMk/>
+            <pc:sldMk cId="2666752581" sldId="262"/>
+            <ac:spMk id="8" creationId="{DA564209-206D-41D5-9D90-00E036ABAB33}"/>
           </ac:spMkLst>
         </pc:spChg>
       </pc:sldChg>
     </pc:docChg>
   </pc:docChgLst>
 </pc:chgInfo>
+</file>
+
+<file path=ppt/ink/ink1.xml><?xml version="1.0" encoding="utf-8"?>
+<inkml:ink xmlns:inkml="http://www.w3.org/2003/InkML">
+  <inkml:definitions>
+    <inkml:context xml:id="ctx0">
+      <inkml:inkSource xml:id="inkSrc0">
+        <inkml:traceFormat>
+          <inkml:channel name="X" type="integer" min="-2.14748E9" max="2.14748E9" units="cm"/>
+          <inkml:channel name="Y" type="integer" min="-2.14748E9" max="2.14748E9" units="cm"/>
+          <inkml:channel name="F" type="integer" max="32767" units="dev"/>
+          <inkml:channel name="OA" type="integer" max="360" units="deg"/>
+          <inkml:channel name="OE" type="integer" max="90" units="deg"/>
+        </inkml:traceFormat>
+        <inkml:channelProperties>
+          <inkml:channelProperty channel="X" name="resolution" value="1000" units="1/cm"/>
+          <inkml:channelProperty channel="Y" name="resolution" value="1000" units="1/cm"/>
+          <inkml:channelProperty channel="F" name="resolution" value="0" units="1/dev"/>
+          <inkml:channelProperty channel="OA" name="resolution" value="1000" units="1/deg"/>
+          <inkml:channelProperty channel="OE" name="resolution" value="1000" units="1/deg"/>
+        </inkml:channelProperties>
+      </inkml:inkSource>
+      <inkml:timestamp xml:id="ts0" timeString="2021-03-26T14:30:26.742"/>
+    </inkml:context>
+    <inkml:brush xml:id="br0">
+      <inkml:brushProperty name="width" value="0.3" units="cm"/>
+      <inkml:brushProperty name="height" value="0.6" units="cm"/>
+      <inkml:brushProperty name="color" value="#E6E6E6"/>
+      <inkml:brushProperty name="tip" value="rectangle"/>
+      <inkml:brushProperty name="rasterOp" value="maskPen"/>
+    </inkml:brush>
+  </inkml:definitions>
+  <inkml:trace contextRef="#ctx0" brushRef="#br0">25125 10906 16383 0 0,'0'0'-16383'0'0</inkml:trace>
+</inkml:ink>
+</file>
+
+<file path=ppt/ink/ink2.xml><?xml version="1.0" encoding="utf-8"?>
+<inkml:ink xmlns:inkml="http://www.w3.org/2003/InkML">
+  <inkml:definitions>
+    <inkml:context xml:id="ctx0">
+      <inkml:inkSource xml:id="inkSrc0">
+        <inkml:traceFormat>
+          <inkml:channel name="X" type="integer" min="-2.14748E9" max="2.14748E9" units="cm"/>
+          <inkml:channel name="Y" type="integer" min="-2.14748E9" max="2.14748E9" units="cm"/>
+          <inkml:channel name="F" type="integer" max="32767" units="dev"/>
+          <inkml:channel name="OA" type="integer" max="360" units="deg"/>
+          <inkml:channel name="OE" type="integer" max="90" units="deg"/>
+        </inkml:traceFormat>
+        <inkml:channelProperties>
+          <inkml:channelProperty channel="X" name="resolution" value="1000" units="1/cm"/>
+          <inkml:channelProperty channel="Y" name="resolution" value="1000" units="1/cm"/>
+          <inkml:channelProperty channel="F" name="resolution" value="0" units="1/dev"/>
+          <inkml:channelProperty channel="OA" name="resolution" value="1000" units="1/deg"/>
+          <inkml:channelProperty channel="OE" name="resolution" value="1000" units="1/deg"/>
+        </inkml:channelProperties>
+      </inkml:inkSource>
+      <inkml:timestamp xml:id="ts0" timeString="2021-03-26T14:30:26.743"/>
+    </inkml:context>
+    <inkml:brush xml:id="br0">
+      <inkml:brushProperty name="width" value="0.3" units="cm"/>
+      <inkml:brushProperty name="height" value="0.6" units="cm"/>
+      <inkml:brushProperty name="color" value="#E6E6E6"/>
+      <inkml:brushProperty name="tip" value="rectangle"/>
+      <inkml:brushProperty name="rasterOp" value="maskPen"/>
+    </inkml:brush>
+  </inkml:definitions>
+  <inkml:trace contextRef="#ctx0" brushRef="#br0">23559 10589 16383 0 0,'0'0'-16383'0'0</inkml:trace>
+</inkml:ink>
+</file>
+
+<file path=ppt/ink/ink3.xml><?xml version="1.0" encoding="utf-8"?>
+<inkml:ink xmlns:inkml="http://www.w3.org/2003/InkML">
+  <inkml:definitions>
+    <inkml:context xml:id="ctx0">
+      <inkml:inkSource xml:id="inkSrc0">
+        <inkml:traceFormat>
+          <inkml:channel name="X" type="integer" min="-2.14748E9" max="2.14748E9" units="cm"/>
+          <inkml:channel name="Y" type="integer" min="-2.14748E9" max="2.14748E9" units="cm"/>
+          <inkml:channel name="F" type="integer" max="32767" units="dev"/>
+          <inkml:channel name="OA" type="integer" max="360" units="deg"/>
+          <inkml:channel name="OE" type="integer" max="90" units="deg"/>
+        </inkml:traceFormat>
+        <inkml:channelProperties>
+          <inkml:channelProperty channel="X" name="resolution" value="1000" units="1/cm"/>
+          <inkml:channelProperty channel="Y" name="resolution" value="1000" units="1/cm"/>
+          <inkml:channelProperty channel="F" name="resolution" value="0" units="1/dev"/>
+          <inkml:channelProperty channel="OA" name="resolution" value="1000" units="1/deg"/>
+          <inkml:channelProperty channel="OE" name="resolution" value="1000" units="1/deg"/>
+        </inkml:channelProperties>
+      </inkml:inkSource>
+      <inkml:timestamp xml:id="ts0" timeString="2021-03-26T14:30:26.744"/>
+    </inkml:context>
+    <inkml:brush xml:id="br0">
+      <inkml:brushProperty name="width" value="0.3" units="cm"/>
+      <inkml:brushProperty name="height" value="0.6" units="cm"/>
+      <inkml:brushProperty name="color" value="#E6E6E6"/>
+      <inkml:brushProperty name="tip" value="rectangle"/>
+      <inkml:brushProperty name="rasterOp" value="maskPen"/>
+    </inkml:brush>
+  </inkml:definitions>
+  <inkml:trace contextRef="#ctx0" brushRef="#br0">22818 10673 16383 0 0,'0'0'-16383'0'0</inkml:trace>
+</inkml:ink>
+</file>
+
+<file path=ppt/ink/ink4.xml><?xml version="1.0" encoding="utf-8"?>
+<inkml:ink xmlns:inkml="http://www.w3.org/2003/InkML">
+  <inkml:definitions>
+    <inkml:context xml:id="ctx0">
+      <inkml:inkSource xml:id="inkSrc0">
+        <inkml:traceFormat>
+          <inkml:channel name="X" type="integer" min="-2.14748E9" max="2.14748E9" units="cm"/>
+          <inkml:channel name="Y" type="integer" min="-2.14748E9" max="2.14748E9" units="cm"/>
+          <inkml:channel name="F" type="integer" max="32767" units="dev"/>
+          <inkml:channel name="OA" type="integer" max="360" units="deg"/>
+          <inkml:channel name="OE" type="integer" max="90" units="deg"/>
+        </inkml:traceFormat>
+        <inkml:channelProperties>
+          <inkml:channelProperty channel="X" name="resolution" value="1000" units="1/cm"/>
+          <inkml:channelProperty channel="Y" name="resolution" value="1000" units="1/cm"/>
+          <inkml:channelProperty channel="F" name="resolution" value="0" units="1/dev"/>
+          <inkml:channelProperty channel="OA" name="resolution" value="1000" units="1/deg"/>
+          <inkml:channelProperty channel="OE" name="resolution" value="1000" units="1/deg"/>
+        </inkml:channelProperties>
+      </inkml:inkSource>
+      <inkml:timestamp xml:id="ts0" timeString="2021-03-26T14:30:26.745"/>
+    </inkml:context>
+    <inkml:brush xml:id="br0">
+      <inkml:brushProperty name="width" value="0.3" units="cm"/>
+      <inkml:brushProperty name="height" value="0.6" units="cm"/>
+      <inkml:brushProperty name="color" value="#E6E6E6"/>
+      <inkml:brushProperty name="tip" value="rectangle"/>
+      <inkml:brushProperty name="rasterOp" value="maskPen"/>
+    </inkml:brush>
+  </inkml:definitions>
+  <inkml:trace contextRef="#ctx0" brushRef="#br0">26691 9192 16383 0 0,'0'0'-16383'0'0</inkml:trace>
+</inkml:ink>
+</file>
+
+<file path=ppt/ink/ink5.xml><?xml version="1.0" encoding="utf-8"?>
+<inkml:ink xmlns:inkml="http://www.w3.org/2003/InkML">
+  <inkml:definitions>
+    <inkml:context xml:id="ctx0">
+      <inkml:inkSource xml:id="inkSrc0">
+        <inkml:traceFormat>
+          <inkml:channel name="X" type="integer" min="-2.14748E9" max="2.14748E9" units="cm"/>
+          <inkml:channel name="Y" type="integer" min="-2.14748E9" max="2.14748E9" units="cm"/>
+          <inkml:channel name="F" type="integer" max="32767" units="dev"/>
+          <inkml:channel name="OA" type="integer" max="360" units="deg"/>
+          <inkml:channel name="OE" type="integer" max="90" units="deg"/>
+        </inkml:traceFormat>
+        <inkml:channelProperties>
+          <inkml:channelProperty channel="X" name="resolution" value="1000" units="1/cm"/>
+          <inkml:channelProperty channel="Y" name="resolution" value="1000" units="1/cm"/>
+          <inkml:channelProperty channel="F" name="resolution" value="0" units="1/dev"/>
+          <inkml:channelProperty channel="OA" name="resolution" value="1000" units="1/deg"/>
+          <inkml:channelProperty channel="OE" name="resolution" value="1000" units="1/deg"/>
+        </inkml:channelProperties>
+      </inkml:inkSource>
+      <inkml:timestamp xml:id="ts0" timeString="2021-03-26T14:30:26.746"/>
+    </inkml:context>
+    <inkml:brush xml:id="br0">
+      <inkml:brushProperty name="width" value="0.3" units="cm"/>
+      <inkml:brushProperty name="height" value="0.6" units="cm"/>
+      <inkml:brushProperty name="color" value="#E6E6E6"/>
+      <inkml:brushProperty name="tip" value="rectangle"/>
+      <inkml:brushProperty name="rasterOp" value="maskPen"/>
+    </inkml:brush>
+  </inkml:definitions>
+  <inkml:trace contextRef="#ctx0" brushRef="#br0">22204 10589 16383 0 0,'0'0'-16383'0'0</inkml:trace>
+</inkml:ink>
+</file>
+
+<file path=ppt/ink/ink6.xml><?xml version="1.0" encoding="utf-8"?>
+<inkml:ink xmlns:inkml="http://www.w3.org/2003/InkML">
+  <inkml:definitions>
+    <inkml:context xml:id="ctx0">
+      <inkml:inkSource xml:id="inkSrc0">
+        <inkml:traceFormat>
+          <inkml:channel name="X" type="integer" min="-2.14748E9" max="2.14748E9" units="cm"/>
+          <inkml:channel name="Y" type="integer" min="-2.14748E9" max="2.14748E9" units="cm"/>
+          <inkml:channel name="F" type="integer" max="32767" units="dev"/>
+          <inkml:channel name="OA" type="integer" max="360" units="deg"/>
+          <inkml:channel name="OE" type="integer" max="90" units="deg"/>
+        </inkml:traceFormat>
+        <inkml:channelProperties>
+          <inkml:channelProperty channel="X" name="resolution" value="1000" units="1/cm"/>
+          <inkml:channelProperty channel="Y" name="resolution" value="1000" units="1/cm"/>
+          <inkml:channelProperty channel="F" name="resolution" value="0" units="1/dev"/>
+          <inkml:channelProperty channel="OA" name="resolution" value="1000" units="1/deg"/>
+          <inkml:channelProperty channel="OE" name="resolution" value="1000" units="1/deg"/>
+        </inkml:channelProperties>
+      </inkml:inkSource>
+      <inkml:timestamp xml:id="ts0" timeString="2021-03-26T14:30:26.747"/>
+    </inkml:context>
+    <inkml:brush xml:id="br0">
+      <inkml:brushProperty name="width" value="0.3" units="cm"/>
+      <inkml:brushProperty name="height" value="0.6" units="cm"/>
+      <inkml:brushProperty name="color" value="#E6E6E6"/>
+      <inkml:brushProperty name="tip" value="rectangle"/>
+      <inkml:brushProperty name="rasterOp" value="maskPen"/>
+    </inkml:brush>
+  </inkml:definitions>
+  <inkml:trace contextRef="#ctx0" brushRef="#br0">18944 10229 16383 0 0,'0'0'-16383'0'0</inkml:trace>
+</inkml:ink>
+</file>
+
+<file path=ppt/ink/ink7.xml><?xml version="1.0" encoding="utf-8"?>
+<inkml:ink xmlns:inkml="http://www.w3.org/2003/InkML">
+  <inkml:definitions>
+    <inkml:context xml:id="ctx0">
+      <inkml:inkSource xml:id="inkSrc0">
+        <inkml:traceFormat>
+          <inkml:channel name="X" type="integer" min="-2.14748E9" max="2.14748E9" units="cm"/>
+          <inkml:channel name="Y" type="integer" min="-2.14748E9" max="2.14748E9" units="cm"/>
+          <inkml:channel name="F" type="integer" max="32767" units="dev"/>
+          <inkml:channel name="OA" type="integer" max="360" units="deg"/>
+          <inkml:channel name="OE" type="integer" max="90" units="deg"/>
+        </inkml:traceFormat>
+        <inkml:channelProperties>
+          <inkml:channelProperty channel="X" name="resolution" value="1000" units="1/cm"/>
+          <inkml:channelProperty channel="Y" name="resolution" value="1000" units="1/cm"/>
+          <inkml:channelProperty channel="F" name="resolution" value="0" units="1/dev"/>
+          <inkml:channelProperty channel="OA" name="resolution" value="1000" units="1/deg"/>
+          <inkml:channelProperty channel="OE" name="resolution" value="1000" units="1/deg"/>
+        </inkml:channelProperties>
+      </inkml:inkSource>
+      <inkml:timestamp xml:id="ts0" timeString="2021-03-26T14:30:26.748"/>
+    </inkml:context>
+    <inkml:brush xml:id="br0">
+      <inkml:brushProperty name="width" value="0.3" units="cm"/>
+      <inkml:brushProperty name="height" value="0.6" units="cm"/>
+      <inkml:brushProperty name="color" value="#E6E6E6"/>
+      <inkml:brushProperty name="tip" value="rectangle"/>
+      <inkml:brushProperty name="rasterOp" value="maskPen"/>
+    </inkml:brush>
+  </inkml:definitions>
+  <inkml:trace contextRef="#ctx0" brushRef="#br0">20193 10271 16383 0 0,'4'5'0'0'0,"7"1"0"0"0,5 4 0 0 0,9 5 0 0 0,5 4 0 0 0,-2 0-16383 0 0</inkml:trace>
+</inkml:ink>
+</file>
+
+<file path=ppt/ink/ink8.xml><?xml version="1.0" encoding="utf-8"?>
+<inkml:ink xmlns:inkml="http://www.w3.org/2003/InkML">
+  <inkml:definitions>
+    <inkml:context xml:id="ctx0">
+      <inkml:inkSource xml:id="inkSrc0">
+        <inkml:traceFormat>
+          <inkml:channel name="X" type="integer" min="-2.14748E9" max="2.14748E9" units="cm"/>
+          <inkml:channel name="Y" type="integer" min="-2.14748E9" max="2.14748E9" units="cm"/>
+          <inkml:channel name="F" type="integer" max="32767" units="dev"/>
+          <inkml:channel name="OA" type="integer" max="360" units="deg"/>
+          <inkml:channel name="OE" type="integer" max="90" units="deg"/>
+        </inkml:traceFormat>
+        <inkml:channelProperties>
+          <inkml:channelProperty channel="X" name="resolution" value="1000" units="1/cm"/>
+          <inkml:channelProperty channel="Y" name="resolution" value="1000" units="1/cm"/>
+          <inkml:channelProperty channel="F" name="resolution" value="0" units="1/dev"/>
+          <inkml:channelProperty channel="OA" name="resolution" value="1000" units="1/deg"/>
+          <inkml:channelProperty channel="OE" name="resolution" value="1000" units="1/deg"/>
+        </inkml:channelProperties>
+      </inkml:inkSource>
+      <inkml:timestamp xml:id="ts0" timeString="2021-03-26T14:30:26.749"/>
+    </inkml:context>
+    <inkml:brush xml:id="br0">
+      <inkml:brushProperty name="width" value="0.3" units="cm"/>
+      <inkml:brushProperty name="height" value="0.6" units="cm"/>
+      <inkml:brushProperty name="color" value="#E6E6E6"/>
+      <inkml:brushProperty name="tip" value="rectangle"/>
+      <inkml:brushProperty name="rasterOp" value="maskPen"/>
+    </inkml:brush>
+  </inkml:definitions>
+  <inkml:trace contextRef="#ctx0" brushRef="#br0">22670 10483 16383 0 0,'0'0'-16383'0'0</inkml:trace>
+</inkml:ink>
 </file>
 
 <file path=ppt/slideLayouts/slideLayout1.xml><?xml version="1.0" encoding="utf-8"?>
@@ -682,7 +1187,7 @@
           <a:p>
             <a:fld id="{F64A8E5F-40E5-4553-9F3C-699F1A5B8145}" type="datetimeFigureOut">
               <a:rPr lang="de-DE" smtClean="0"/>
-              <a:t>25.03.2021</a:t>
+              <a:t>26.03.2021</a:t>
             </a:fld>
             <a:endParaRPr lang="de-DE"/>
           </a:p>
@@ -852,7 +1357,7 @@
           <a:p>
             <a:fld id="{F64A8E5F-40E5-4553-9F3C-699F1A5B8145}" type="datetimeFigureOut">
               <a:rPr lang="de-DE" smtClean="0"/>
-              <a:t>25.03.2021</a:t>
+              <a:t>26.03.2021</a:t>
             </a:fld>
             <a:endParaRPr lang="de-DE"/>
           </a:p>
@@ -1032,7 +1537,7 @@
           <a:p>
             <a:fld id="{F64A8E5F-40E5-4553-9F3C-699F1A5B8145}" type="datetimeFigureOut">
               <a:rPr lang="de-DE" smtClean="0"/>
-              <a:t>25.03.2021</a:t>
+              <a:t>26.03.2021</a:t>
             </a:fld>
             <a:endParaRPr lang="de-DE"/>
           </a:p>
@@ -1202,7 +1707,7 @@
           <a:p>
             <a:fld id="{F64A8E5F-40E5-4553-9F3C-699F1A5B8145}" type="datetimeFigureOut">
               <a:rPr lang="de-DE" smtClean="0"/>
-              <a:t>25.03.2021</a:t>
+              <a:t>26.03.2021</a:t>
             </a:fld>
             <a:endParaRPr lang="de-DE"/>
           </a:p>
@@ -1448,7 +1953,7 @@
           <a:p>
             <a:fld id="{F64A8E5F-40E5-4553-9F3C-699F1A5B8145}" type="datetimeFigureOut">
               <a:rPr lang="de-DE" smtClean="0"/>
-              <a:t>25.03.2021</a:t>
+              <a:t>26.03.2021</a:t>
             </a:fld>
             <a:endParaRPr lang="de-DE"/>
           </a:p>
@@ -1680,7 +2185,7 @@
           <a:p>
             <a:fld id="{F64A8E5F-40E5-4553-9F3C-699F1A5B8145}" type="datetimeFigureOut">
               <a:rPr lang="de-DE" smtClean="0"/>
-              <a:t>25.03.2021</a:t>
+              <a:t>26.03.2021</a:t>
             </a:fld>
             <a:endParaRPr lang="de-DE"/>
           </a:p>
@@ -2047,7 +2552,7 @@
           <a:p>
             <a:fld id="{F64A8E5F-40E5-4553-9F3C-699F1A5B8145}" type="datetimeFigureOut">
               <a:rPr lang="de-DE" smtClean="0"/>
-              <a:t>25.03.2021</a:t>
+              <a:t>26.03.2021</a:t>
             </a:fld>
             <a:endParaRPr lang="de-DE"/>
           </a:p>
@@ -2165,7 +2670,7 @@
           <a:p>
             <a:fld id="{F64A8E5F-40E5-4553-9F3C-699F1A5B8145}" type="datetimeFigureOut">
               <a:rPr lang="de-DE" smtClean="0"/>
-              <a:t>25.03.2021</a:t>
+              <a:t>26.03.2021</a:t>
             </a:fld>
             <a:endParaRPr lang="de-DE"/>
           </a:p>
@@ -2260,7 +2765,7 @@
           <a:p>
             <a:fld id="{F64A8E5F-40E5-4553-9F3C-699F1A5B8145}" type="datetimeFigureOut">
               <a:rPr lang="de-DE" smtClean="0"/>
-              <a:t>25.03.2021</a:t>
+              <a:t>26.03.2021</a:t>
             </a:fld>
             <a:endParaRPr lang="de-DE"/>
           </a:p>
@@ -2537,7 +3042,7 @@
           <a:p>
             <a:fld id="{F64A8E5F-40E5-4553-9F3C-699F1A5B8145}" type="datetimeFigureOut">
               <a:rPr lang="de-DE" smtClean="0"/>
-              <a:t>25.03.2021</a:t>
+              <a:t>26.03.2021</a:t>
             </a:fld>
             <a:endParaRPr lang="de-DE"/>
           </a:p>
@@ -2790,7 +3295,7 @@
           <a:p>
             <a:fld id="{F64A8E5F-40E5-4553-9F3C-699F1A5B8145}" type="datetimeFigureOut">
               <a:rPr lang="de-DE" smtClean="0"/>
-              <a:t>25.03.2021</a:t>
+              <a:t>26.03.2021</a:t>
             </a:fld>
             <a:endParaRPr lang="de-DE"/>
           </a:p>
@@ -3003,7 +3508,7 @@
           <a:p>
             <a:fld id="{F64A8E5F-40E5-4553-9F3C-699F1A5B8145}" type="datetimeFigureOut">
               <a:rPr lang="de-DE" smtClean="0"/>
-              <a:t>25.03.2021</a:t>
+              <a:t>26.03.2021</a:t>
             </a:fld>
             <a:endParaRPr lang="de-DE"/>
           </a:p>
@@ -3477,7 +3982,7 @@
     </p:spTree>
     <p:extLst>
       <p:ext uri="{BB962C8B-B14F-4D97-AF65-F5344CB8AC3E}">
-        <p14:creationId xmlns:p14="http://schemas.microsoft.com/office/powerpoint/2010/main" val="2529106115"/>
+        <p14:creationId xmlns:p14="http://schemas.microsoft.com/office/powerpoint/2010/main" val="4233640869"/>
       </p:ext>
     </p:extLst>
   </p:cSld>
@@ -3590,17 +4095,20 @@
         </p:nvSpPr>
         <p:spPr>
           <a:xfrm>
-            <a:off x="8124825" y="1714500"/>
-            <a:ext cx="3438525" cy="504825"/>
+            <a:off x="8677275" y="1714500"/>
+            <a:ext cx="257175" cy="504825"/>
           </a:xfrm>
           <a:prstGeom prst="rect">
             <a:avLst/>
           </a:prstGeom>
-          <a:noFill/>
+          <a:solidFill>
+            <a:schemeClr val="tx1">
+              <a:lumMod val="85000"/>
+              <a:lumOff val="15000"/>
+            </a:schemeClr>
+          </a:solidFill>
           <a:ln w="57150">
-            <a:solidFill>
-              <a:schemeClr val="tx1"/>
-            </a:solidFill>
+            <a:noFill/>
             <a:extLst>
               <a:ext uri="{C807C97D-BFC1-408E-A445-0C87EB9F89A2}">
                 <ask:lineSketchStyleProps xmlns:ask="http://schemas.microsoft.com/office/drawing/2018/sketchyshapes">
@@ -3651,7 +4159,7 @@
         </p:nvSpPr>
         <p:spPr>
           <a:xfrm>
-            <a:off x="9915525" y="1381125"/>
+            <a:off x="8286750" y="1343025"/>
             <a:ext cx="2743200" cy="369332"/>
           </a:xfrm>
           <a:prstGeom prst="rect">
@@ -4033,7 +4541,7 @@
     </p:spTree>
     <p:extLst>
       <p:ext uri="{BB962C8B-B14F-4D97-AF65-F5344CB8AC3E}">
-        <p14:creationId xmlns:p14="http://schemas.microsoft.com/office/powerpoint/2010/main" val="3962583941"/>
+        <p14:creationId xmlns:p14="http://schemas.microsoft.com/office/powerpoint/2010/main" val="2666752581"/>
       </p:ext>
     </p:extLst>
   </p:cSld>
@@ -4062,17 +4570,19 @@
       </p:grpSpPr>
       <p:pic>
         <p:nvPicPr>
-          <p:cNvPr id="2" name="Immagine 2" descr="Immagine che contiene testo&#10;&#10;Descrizione generata automaticamente">
+          <p:cNvPr id="4" name="Immagine 4" descr="Immagine che contiene testo&#10;&#10;Descrizione generata automaticamente">
             <a:extLst>
               <a:ext uri="{FF2B5EF4-FFF2-40B4-BE49-F238E27FC236}">
-                <a16:creationId xmlns:a16="http://schemas.microsoft.com/office/drawing/2014/main" id="{23B697F1-547E-4816-BC89-CF5A5B73F7B8}"/>
+                <a16:creationId xmlns:a16="http://schemas.microsoft.com/office/drawing/2014/main" id="{649685C4-7D1E-484D-A08D-92AE8CA86360}"/>
               </a:ext>
             </a:extLst>
           </p:cNvPr>
           <p:cNvPicPr>
-            <a:picLocks noChangeAspect="1"/>
+            <a:picLocks noGrp="1" noChangeAspect="1"/>
           </p:cNvPicPr>
-          <p:nvPr/>
+          <p:nvPr>
+            <p:ph idx="1"/>
+          </p:nvPr>
         </p:nvPicPr>
         <p:blipFill>
           <a:blip r:embed="rId2"/>
@@ -4082,62 +4592,17 @@
         </p:blipFill>
         <p:spPr>
           <a:xfrm>
-            <a:off x="838200" y="1071600"/>
-            <a:ext cx="10525125" cy="5267249"/>
+            <a:off x="898829" y="1130300"/>
+            <a:ext cx="10394342" cy="5056188"/>
           </a:xfrm>
-          <a:prstGeom prst="rect">
-            <a:avLst/>
-          </a:prstGeom>
         </p:spPr>
       </p:pic>
       <p:sp>
         <p:nvSpPr>
-          <p:cNvPr id="3" name="CasellaDiTesto 2">
+          <p:cNvPr id="6" name="Rettangolo 5">
             <a:extLst>
               <a:ext uri="{FF2B5EF4-FFF2-40B4-BE49-F238E27FC236}">
-                <a16:creationId xmlns:a16="http://schemas.microsoft.com/office/drawing/2014/main" id="{EAE6F831-9C3B-49B7-B6E9-F3871E27EBDC}"/>
-              </a:ext>
-            </a:extLst>
-          </p:cNvPr>
-          <p:cNvSpPr txBox="1"/>
-          <p:nvPr/>
-        </p:nvSpPr>
-        <p:spPr>
-          <a:xfrm>
-            <a:off x="4629150" y="276225"/>
-            <a:ext cx="2743200" cy="400110"/>
-          </a:xfrm>
-          <a:prstGeom prst="rect">
-            <a:avLst/>
-          </a:prstGeom>
-          <a:noFill/>
-        </p:spPr>
-        <p:txBody>
-          <a:bodyPr rot="0" spcFirstLastPara="0" vertOverflow="overflow" horzOverflow="overflow" vert="horz" wrap="square" lIns="91440" tIns="45720" rIns="91440" bIns="45720" numCol="1" spcCol="0" rtlCol="0" fromWordArt="0" anchor="t" anchorCtr="0" forceAA="0" compatLnSpc="1">
-            <a:prstTxWarp prst="textNoShape">
-              <a:avLst/>
-            </a:prstTxWarp>
-            <a:spAutoFit/>
-          </a:bodyPr>
-          <a:lstStyle/>
-          <a:p>
-            <a:pPr lvl="2" algn="l"/>
-            <a:r>
-              <a:rPr lang="it-IT" sz="2000" b="1" dirty="0" err="1"/>
-              <a:t>Section</a:t>
-            </a:r>
-            <a:endParaRPr lang="it-IT" sz="2000" dirty="0" err="1">
-              <a:cs typeface="Calibri"/>
-            </a:endParaRPr>
-          </a:p>
-        </p:txBody>
-      </p:sp>
-      <p:sp>
-        <p:nvSpPr>
-          <p:cNvPr id="4" name="Rettangolo 3">
-            <a:extLst>
-              <a:ext uri="{FF2B5EF4-FFF2-40B4-BE49-F238E27FC236}">
-                <a16:creationId xmlns:a16="http://schemas.microsoft.com/office/drawing/2014/main" id="{8D1FEA9B-6164-4B4F-832E-D03F5436B3E9}"/>
+                <a16:creationId xmlns:a16="http://schemas.microsoft.com/office/drawing/2014/main" id="{A88616A9-11B4-499D-A3B6-28835720D40D}"/>
               </a:ext>
             </a:extLst>
           </p:cNvPr>
@@ -4145,18 +4610,18 @@
           <p:nvPr/>
         </p:nvSpPr>
         <p:spPr>
-          <a:xfrm>
-            <a:off x="1247775" y="1400175"/>
-            <a:ext cx="9620250" cy="4924425"/>
+          <a:xfrm rot="5400000">
+            <a:off x="5862638" y="-4176713"/>
+            <a:ext cx="428625" cy="10363200"/>
           </a:xfrm>
           <a:prstGeom prst="rect">
             <a:avLst/>
           </a:prstGeom>
-          <a:noFill/>
-          <a:ln w="57150">
-            <a:solidFill>
-              <a:srgbClr val="FF0000"/>
-            </a:solidFill>
+          <a:solidFill>
+            <a:srgbClr val="FFC000"/>
+          </a:solidFill>
+          <a:ln>
+            <a:noFill/>
           </a:ln>
         </p:spPr>
         <p:style>
@@ -4180,16 +4645,16 @@
           <a:lstStyle/>
           <a:p>
             <a:pPr algn="ctr"/>
-            <a:endParaRPr lang="it-IT" sz="3200"/>
-          </a:p>
-        </p:txBody>
-      </p:sp>
-      <p:sp>
-        <p:nvSpPr>
-          <p:cNvPr id="10" name="CasellaDiTesto 9">
+            <a:endParaRPr lang="it-IT"/>
+          </a:p>
+        </p:txBody>
+      </p:sp>
+      <p:sp>
+        <p:nvSpPr>
+          <p:cNvPr id="12" name="CasellaDiTesto 11">
             <a:extLst>
               <a:ext uri="{FF2B5EF4-FFF2-40B4-BE49-F238E27FC236}">
-                <a16:creationId xmlns:a16="http://schemas.microsoft.com/office/drawing/2014/main" id="{7B3E8C79-FCD0-4181-B3A9-CC4ACC57113C}"/>
+                <a16:creationId xmlns:a16="http://schemas.microsoft.com/office/drawing/2014/main" id="{97AA852D-030E-4C95-91CA-1972073D650C}"/>
               </a:ext>
             </a:extLst>
           </p:cNvPr>
@@ -4198,8 +4663,8 @@
         </p:nvSpPr>
         <p:spPr>
           <a:xfrm>
-            <a:off x="10810875" y="2971800"/>
-            <a:ext cx="1695450" cy="369332"/>
+            <a:off x="5153025" y="133350"/>
+            <a:ext cx="2743200" cy="400110"/>
           </a:xfrm>
           <a:prstGeom prst="rect">
             <a:avLst/>
@@ -4215,23 +4680,14 @@
           </a:bodyPr>
           <a:lstStyle/>
           <a:p>
-            <a:r>
-              <a:rPr lang="it-IT" dirty="0" err="1">
-                <a:solidFill>
-                  <a:srgbClr val="FF0000"/>
-                </a:solidFill>
-              </a:rPr>
-              <a:t>Margin</a:t>
-            </a:r>
-            <a:r>
-              <a:rPr lang="it-IT" dirty="0">
-                <a:solidFill>
-                  <a:srgbClr val="FF0000"/>
-                </a:solidFill>
-              </a:rPr>
-              <a:t>: 20px</a:t>
-            </a:r>
-            <a:endParaRPr lang="it-IT" dirty="0"/>
+            <a:pPr lvl="2"/>
+            <a:r>
+              <a:rPr lang="it-IT" sz="2000" b="1" dirty="0" err="1"/>
+              <a:t>Section</a:t>
+            </a:r>
+            <a:endParaRPr lang="it-IT" sz="2000" dirty="0" err="1">
+              <a:cs typeface="Calibri" panose="020F0502020204030204"/>
+            </a:endParaRPr>
           </a:p>
         </p:txBody>
       </p:sp>
@@ -4240,7 +4696,7 @@
           <p:cNvPr id="13" name="CasellaDiTesto 12">
             <a:extLst>
               <a:ext uri="{FF2B5EF4-FFF2-40B4-BE49-F238E27FC236}">
-                <a16:creationId xmlns:a16="http://schemas.microsoft.com/office/drawing/2014/main" id="{97E191FF-381A-4A12-AB65-DDB418155AA2}"/>
+                <a16:creationId xmlns:a16="http://schemas.microsoft.com/office/drawing/2014/main" id="{099CBA5B-6BCB-48B8-8670-863F1E975A6F}"/>
               </a:ext>
             </a:extLst>
           </p:cNvPr>
@@ -4249,13 +4705,16 @@
         </p:nvSpPr>
         <p:spPr>
           <a:xfrm>
-            <a:off x="7810500" y="2514600"/>
+            <a:off x="9229725" y="409575"/>
             <a:ext cx="2743200" cy="369332"/>
           </a:xfrm>
           <a:prstGeom prst="rect">
             <a:avLst/>
           </a:prstGeom>
           <a:noFill/>
+          <a:ln>
+            <a:noFill/>
+          </a:ln>
         </p:spPr>
         <p:txBody>
           <a:bodyPr rot="0" spcFirstLastPara="0" vertOverflow="overflow" horzOverflow="overflow" vert="horz" wrap="square" lIns="91440" tIns="45720" rIns="91440" bIns="45720" numCol="1" spcCol="0" rtlCol="0" fromWordArt="0" anchor="t" anchorCtr="0" forceAA="0" compatLnSpc="1">
@@ -4267,20 +4726,28 @@
           <a:lstStyle/>
           <a:p>
             <a:r>
-              <a:rPr lang="it-IT" dirty="0" err="1">
-                <a:solidFill>
-                  <a:srgbClr val="0070C0"/>
-                </a:solidFill>
-              </a:rPr>
+              <a:rPr lang="it-IT" dirty="0" err="1"/>
               <a:t>Margin</a:t>
             </a:r>
             <a:r>
-              <a:rPr lang="it-IT" dirty="0">
-                <a:solidFill>
-                  <a:srgbClr val="0070C0"/>
-                </a:solidFill>
-              </a:rPr>
-              <a:t>: 18px</a:t>
+              <a:rPr lang="it-IT" dirty="0"/>
+              <a:t> </a:t>
+            </a:r>
+            <a:r>
+              <a:rPr lang="it-IT" dirty="0" err="1"/>
+              <a:t>section</a:t>
+            </a:r>
+            <a:r>
+              <a:rPr lang="it-IT" dirty="0"/>
+              <a:t>: </a:t>
+            </a:r>
+            <a:r>
+              <a:rPr lang="it-IT" b="1" dirty="0"/>
+              <a:t>20</a:t>
+            </a:r>
+            <a:r>
+              <a:rPr lang="it-IT" dirty="0"/>
+              <a:t>px</a:t>
             </a:r>
           </a:p>
         </p:txBody>
@@ -4290,7 +4757,7 @@
           <p:cNvPr id="14" name="Rettangolo 13">
             <a:extLst>
               <a:ext uri="{FF2B5EF4-FFF2-40B4-BE49-F238E27FC236}">
-                <a16:creationId xmlns:a16="http://schemas.microsoft.com/office/drawing/2014/main" id="{2815B1CC-570D-44AC-AC50-56235D89A55D}"/>
+                <a16:creationId xmlns:a16="http://schemas.microsoft.com/office/drawing/2014/main" id="{6BCAE7FE-EEE4-4414-8104-E237B312F3F7}"/>
               </a:ext>
             </a:extLst>
           </p:cNvPr>
@@ -4299,17 +4766,17 @@
         </p:nvSpPr>
         <p:spPr>
           <a:xfrm>
-            <a:off x="4667250" y="2428875"/>
-            <a:ext cx="3143250" cy="542925"/>
+            <a:off x="1533525" y="2590800"/>
+            <a:ext cx="647700" cy="3600450"/>
           </a:xfrm>
           <a:prstGeom prst="rect">
             <a:avLst/>
           </a:prstGeom>
-          <a:noFill/>
-          <a:ln w="28575">
-            <a:solidFill>
-              <a:srgbClr val="4472C4"/>
-            </a:solidFill>
+          <a:solidFill>
+            <a:srgbClr val="92D050"/>
+          </a:solidFill>
+          <a:ln>
+            <a:noFill/>
           </a:ln>
         </p:spPr>
         <p:style>
@@ -4339,10 +4806,10 @@
       </p:sp>
       <p:sp>
         <p:nvSpPr>
-          <p:cNvPr id="15" name="Rettangolo 14">
+          <p:cNvPr id="16" name="Rettangolo 15">
             <a:extLst>
               <a:ext uri="{FF2B5EF4-FFF2-40B4-BE49-F238E27FC236}">
-                <a16:creationId xmlns:a16="http://schemas.microsoft.com/office/drawing/2014/main" id="{C3E03C23-5770-4978-8C0A-84DE8C4D5462}"/>
+                <a16:creationId xmlns:a16="http://schemas.microsoft.com/office/drawing/2014/main" id="{41BA3F03-217E-49B5-AFCB-B249A94E4AF8}"/>
               </a:ext>
             </a:extLst>
           </p:cNvPr>
@@ -4351,19 +4818,17 @@
         </p:nvSpPr>
         <p:spPr>
           <a:xfrm>
-            <a:off x="2124075" y="3543300"/>
-            <a:ext cx="8105775" cy="390525"/>
+            <a:off x="895349" y="1133474"/>
+            <a:ext cx="638175" cy="5057775"/>
           </a:xfrm>
           <a:prstGeom prst="rect">
             <a:avLst/>
           </a:prstGeom>
           <a:solidFill>
-            <a:srgbClr val="92D050"/>
+            <a:srgbClr val="FFC000"/>
           </a:solidFill>
           <a:ln>
-            <a:solidFill>
-              <a:srgbClr val="92D050"/>
-            </a:solidFill>
+            <a:noFill/>
           </a:ln>
         </p:spPr>
         <p:style>
@@ -4387,38 +4852,16 @@
           <a:lstStyle/>
           <a:p>
             <a:pPr algn="ctr"/>
-            <a:r>
-              <a:rPr lang="it-IT" dirty="0" err="1">
-                <a:solidFill>
-                  <a:schemeClr val="bg1"/>
-                </a:solidFill>
-                <a:cs typeface="Calibri"/>
-              </a:rPr>
-              <a:t>Margin</a:t>
-            </a:r>
-            <a:r>
-              <a:rPr lang="it-IT" dirty="0">
-                <a:solidFill>
-                  <a:schemeClr val="bg1"/>
-                </a:solidFill>
-                <a:cs typeface="Calibri"/>
-              </a:rPr>
-              <a:t>-top: 40px</a:t>
-            </a:r>
-            <a:endParaRPr lang="it-IT" dirty="0">
-              <a:solidFill>
-                <a:schemeClr val="bg1"/>
-              </a:solidFill>
-            </a:endParaRPr>
-          </a:p>
-        </p:txBody>
-      </p:sp>
-      <p:sp>
-        <p:nvSpPr>
-          <p:cNvPr id="16" name="Rettangolo 15">
+            <a:endParaRPr lang="it-IT"/>
+          </a:p>
+        </p:txBody>
+      </p:sp>
+      <p:sp>
+        <p:nvSpPr>
+          <p:cNvPr id="17" name="Rettangolo 16">
             <a:extLst>
               <a:ext uri="{FF2B5EF4-FFF2-40B4-BE49-F238E27FC236}">
-                <a16:creationId xmlns:a16="http://schemas.microsoft.com/office/drawing/2014/main" id="{38B259C2-AA95-431D-8D43-B37E769CCB30}"/>
+                <a16:creationId xmlns:a16="http://schemas.microsoft.com/office/drawing/2014/main" id="{62ACC52F-9DDA-4894-B18C-50007F4C4A43}"/>
               </a:ext>
             </a:extLst>
           </p:cNvPr>
@@ -4427,8 +4870,8 @@
         </p:nvSpPr>
         <p:spPr>
           <a:xfrm>
-            <a:off x="4352925" y="3971925"/>
-            <a:ext cx="400050" cy="2085975"/>
+            <a:off x="10601324" y="1133474"/>
+            <a:ext cx="657225" cy="5057775"/>
           </a:xfrm>
           <a:prstGeom prst="rect">
             <a:avLst/>
@@ -4436,6 +4879,9 @@
           <a:solidFill>
             <a:srgbClr val="FFC000"/>
           </a:solidFill>
+          <a:ln>
+            <a:noFill/>
+          </a:ln>
         </p:spPr>
         <p:style>
           <a:lnRef idx="2">
@@ -4464,10 +4910,10 @@
       </p:sp>
       <p:sp>
         <p:nvSpPr>
-          <p:cNvPr id="17" name="Rettangolo 16">
+          <p:cNvPr id="18" name="Rettangolo 17">
             <a:extLst>
               <a:ext uri="{FF2B5EF4-FFF2-40B4-BE49-F238E27FC236}">
-                <a16:creationId xmlns:a16="http://schemas.microsoft.com/office/drawing/2014/main" id="{1BDD02ED-37C2-4C13-A010-08691D960030}"/>
+                <a16:creationId xmlns:a16="http://schemas.microsoft.com/office/drawing/2014/main" id="{701C979D-EEB2-4ECF-9389-F45A2DB6B1E3}"/>
               </a:ext>
             </a:extLst>
           </p:cNvPr>
@@ -4476,8 +4922,576 @@
         </p:nvSpPr>
         <p:spPr>
           <a:xfrm>
-            <a:off x="4752975" y="3971925"/>
-            <a:ext cx="5476875" cy="381000"/>
+            <a:off x="10134599" y="2552700"/>
+            <a:ext cx="466725" cy="3638550"/>
+          </a:xfrm>
+          <a:prstGeom prst="rect">
+            <a:avLst/>
+          </a:prstGeom>
+          <a:solidFill>
+            <a:srgbClr val="92D050"/>
+          </a:solidFill>
+          <a:ln>
+            <a:noFill/>
+          </a:ln>
+        </p:spPr>
+        <p:style>
+          <a:lnRef idx="2">
+            <a:schemeClr val="accent1">
+              <a:shade val="50000"/>
+            </a:schemeClr>
+          </a:lnRef>
+          <a:fillRef idx="1">
+            <a:schemeClr val="accent1"/>
+          </a:fillRef>
+          <a:effectRef idx="0">
+            <a:schemeClr val="accent1"/>
+          </a:effectRef>
+          <a:fontRef idx="minor">
+            <a:schemeClr val="lt1"/>
+          </a:fontRef>
+        </p:style>
+        <p:txBody>
+          <a:bodyPr rtlCol="0" anchor="ctr"/>
+          <a:lstStyle/>
+          <a:p>
+            <a:pPr algn="ctr"/>
+            <a:endParaRPr lang="it-IT"/>
+          </a:p>
+        </p:txBody>
+      </p:sp>
+      <p:sp>
+        <p:nvSpPr>
+          <p:cNvPr id="19" name="Rettangolo 18">
+            <a:extLst>
+              <a:ext uri="{FF2B5EF4-FFF2-40B4-BE49-F238E27FC236}">
+                <a16:creationId xmlns:a16="http://schemas.microsoft.com/office/drawing/2014/main" id="{1BC7091C-8E6D-4906-9566-B56500AB2C84}"/>
+              </a:ext>
+            </a:extLst>
+          </p:cNvPr>
+          <p:cNvSpPr/>
+          <p:nvPr/>
+        </p:nvSpPr>
+        <p:spPr>
+          <a:xfrm rot="5400000">
+            <a:off x="5853111" y="-2157412"/>
+            <a:ext cx="438150" cy="9067800"/>
+          </a:xfrm>
+          <a:prstGeom prst="rect">
+            <a:avLst/>
+          </a:prstGeom>
+          <a:solidFill>
+            <a:srgbClr val="92D050"/>
+          </a:solidFill>
+          <a:ln>
+            <a:noFill/>
+          </a:ln>
+        </p:spPr>
+        <p:style>
+          <a:lnRef idx="2">
+            <a:schemeClr val="accent1">
+              <a:shade val="50000"/>
+            </a:schemeClr>
+          </a:lnRef>
+          <a:fillRef idx="1">
+            <a:schemeClr val="accent1"/>
+          </a:fillRef>
+          <a:effectRef idx="0">
+            <a:schemeClr val="accent1"/>
+          </a:effectRef>
+          <a:fontRef idx="minor">
+            <a:schemeClr val="lt1"/>
+          </a:fontRef>
+        </p:style>
+        <p:txBody>
+          <a:bodyPr rtlCol="0" anchor="ctr"/>
+          <a:lstStyle/>
+          <a:p>
+            <a:pPr algn="ctr"/>
+            <a:endParaRPr lang="it-IT"/>
+          </a:p>
+        </p:txBody>
+      </p:sp>
+      <p:sp>
+        <p:nvSpPr>
+          <p:cNvPr id="20" name="CasellaDiTesto 19">
+            <a:extLst>
+              <a:ext uri="{FF2B5EF4-FFF2-40B4-BE49-F238E27FC236}">
+                <a16:creationId xmlns:a16="http://schemas.microsoft.com/office/drawing/2014/main" id="{64CA8BA8-F395-4172-BBF6-576DE9421A1C}"/>
+              </a:ext>
+            </a:extLst>
+          </p:cNvPr>
+          <p:cNvSpPr txBox="1"/>
+          <p:nvPr/>
+        </p:nvSpPr>
+        <p:spPr>
+          <a:xfrm>
+            <a:off x="6886575" y="2171700"/>
+            <a:ext cx="2743200" cy="369332"/>
+          </a:xfrm>
+          <a:prstGeom prst="rect">
+            <a:avLst/>
+          </a:prstGeom>
+          <a:noFill/>
+        </p:spPr>
+        <p:txBody>
+          <a:bodyPr rot="0" spcFirstLastPara="0" vertOverflow="overflow" horzOverflow="overflow" vert="horz" wrap="square" lIns="91440" tIns="45720" rIns="91440" bIns="45720" numCol="1" spcCol="0" rtlCol="0" fromWordArt="0" anchor="t" anchorCtr="0" forceAA="0" compatLnSpc="1">
+            <a:prstTxWarp prst="textNoShape">
+              <a:avLst/>
+            </a:prstTxWarp>
+            <a:spAutoFit/>
+          </a:bodyPr>
+          <a:lstStyle/>
+          <a:p>
+            <a:r>
+              <a:rPr lang="it-IT" b="1" dirty="0" err="1">
+                <a:solidFill>
+                  <a:schemeClr val="bg1"/>
+                </a:solidFill>
+              </a:rPr>
+              <a:t>Padding</a:t>
+            </a:r>
+            <a:r>
+              <a:rPr lang="it-IT" b="1" dirty="0">
+                <a:solidFill>
+                  <a:schemeClr val="bg1"/>
+                </a:solidFill>
+              </a:rPr>
+              <a:t>: 18px</a:t>
+            </a:r>
+            <a:endParaRPr lang="it-IT">
+              <a:solidFill>
+                <a:schemeClr val="bg1"/>
+              </a:solidFill>
+              <a:cs typeface="Calibri"/>
+            </a:endParaRPr>
+          </a:p>
+        </p:txBody>
+      </p:sp>
+      <mc:AlternateContent xmlns:mc="http://schemas.openxmlformats.org/markup-compatibility/2006" xmlns:p14="http://schemas.microsoft.com/office/powerpoint/2010/main">
+        <mc:Choice Requires="p14">
+          <p:contentPart p14:bwMode="auto" r:id="rId3">
+            <p14:nvContentPartPr>
+              <p14:cNvPr id="22" name="Input penna 21">
+                <a:extLst>
+                  <a:ext uri="{FF2B5EF4-FFF2-40B4-BE49-F238E27FC236}">
+                    <a16:creationId xmlns:a16="http://schemas.microsoft.com/office/drawing/2014/main" id="{37D19A76-FAA4-42ED-BCC3-516E0A8B5299}"/>
+                  </a:ext>
+                </a:extLst>
+              </p14:cNvPr>
+              <p14:cNvContentPartPr/>
+              <p14:nvPr/>
+            </p14:nvContentPartPr>
+            <p14:xfrm>
+              <a:off x="9805987" y="4776787"/>
+              <a:ext cx="9525" cy="9525"/>
+            </p14:xfrm>
+          </p:contentPart>
+        </mc:Choice>
+        <mc:Fallback xmlns="">
+          <p:pic>
+            <p:nvPicPr>
+              <p:cNvPr id="22" name="Input penna 21">
+                <a:extLst>
+                  <a:ext uri="{FF2B5EF4-FFF2-40B4-BE49-F238E27FC236}">
+                    <a16:creationId xmlns:a16="http://schemas.microsoft.com/office/drawing/2014/main" id="{37D19A76-FAA4-42ED-BCC3-516E0A8B5299}"/>
+                  </a:ext>
+                </a:extLst>
+              </p:cNvPr>
+              <p:cNvPicPr/>
+              <p:nvPr/>
+            </p:nvPicPr>
+            <p:blipFill>
+              <a:blip r:embed="rId4"/>
+              <a:stretch>
+                <a:fillRect/>
+              </a:stretch>
+            </p:blipFill>
+            <p:spPr>
+              <a:xfrm>
+                <a:off x="8386762" y="1919287"/>
+                <a:ext cx="2857500" cy="5715000"/>
+              </a:xfrm>
+              <a:prstGeom prst="rect">
+                <a:avLst/>
+              </a:prstGeom>
+            </p:spPr>
+          </p:pic>
+        </mc:Fallback>
+      </mc:AlternateContent>
+      <mc:AlternateContent xmlns:mc="http://schemas.openxmlformats.org/markup-compatibility/2006" xmlns:p14="http://schemas.microsoft.com/office/powerpoint/2010/main">
+        <mc:Choice Requires="p14">
+          <p:contentPart p14:bwMode="auto" r:id="rId5">
+            <p14:nvContentPartPr>
+              <p14:cNvPr id="23" name="Input penna 22">
+                <a:extLst>
+                  <a:ext uri="{FF2B5EF4-FFF2-40B4-BE49-F238E27FC236}">
+                    <a16:creationId xmlns:a16="http://schemas.microsoft.com/office/drawing/2014/main" id="{A645E237-F9A0-433C-92C2-AF31D32BEC06}"/>
+                  </a:ext>
+                </a:extLst>
+              </p14:cNvPr>
+              <p14:cNvContentPartPr/>
+              <p14:nvPr/>
+            </p14:nvContentPartPr>
+            <p14:xfrm>
+              <a:off x="9101137" y="4633912"/>
+              <a:ext cx="9525" cy="9525"/>
+            </p14:xfrm>
+          </p:contentPart>
+        </mc:Choice>
+        <mc:Fallback xmlns="">
+          <p:pic>
+            <p:nvPicPr>
+              <p:cNvPr id="23" name="Input penna 22">
+                <a:extLst>
+                  <a:ext uri="{FF2B5EF4-FFF2-40B4-BE49-F238E27FC236}">
+                    <a16:creationId xmlns:a16="http://schemas.microsoft.com/office/drawing/2014/main" id="{A645E237-F9A0-433C-92C2-AF31D32BEC06}"/>
+                  </a:ext>
+                </a:extLst>
+              </p:cNvPr>
+              <p:cNvPicPr/>
+              <p:nvPr/>
+            </p:nvPicPr>
+            <p:blipFill>
+              <a:blip r:embed="rId4"/>
+              <a:stretch>
+                <a:fillRect/>
+              </a:stretch>
+            </p:blipFill>
+            <p:spPr>
+              <a:xfrm>
+                <a:off x="7681912" y="1785937"/>
+                <a:ext cx="2857500" cy="5715000"/>
+              </a:xfrm>
+              <a:prstGeom prst="rect">
+                <a:avLst/>
+              </a:prstGeom>
+            </p:spPr>
+          </p:pic>
+        </mc:Fallback>
+      </mc:AlternateContent>
+      <mc:AlternateContent xmlns:mc="http://schemas.openxmlformats.org/markup-compatibility/2006" xmlns:p14="http://schemas.microsoft.com/office/powerpoint/2010/main">
+        <mc:Choice Requires="p14">
+          <p:contentPart p14:bwMode="auto" r:id="rId6">
+            <p14:nvContentPartPr>
+              <p14:cNvPr id="24" name="Input penna 23">
+                <a:extLst>
+                  <a:ext uri="{FF2B5EF4-FFF2-40B4-BE49-F238E27FC236}">
+                    <a16:creationId xmlns:a16="http://schemas.microsoft.com/office/drawing/2014/main" id="{0FB54644-C92D-4F80-8202-F9CD80A51FEA}"/>
+                  </a:ext>
+                </a:extLst>
+              </p14:cNvPr>
+              <p14:cNvContentPartPr/>
+              <p14:nvPr/>
+            </p14:nvContentPartPr>
+            <p14:xfrm>
+              <a:off x="8767762" y="4672012"/>
+              <a:ext cx="9525" cy="9525"/>
+            </p14:xfrm>
+          </p:contentPart>
+        </mc:Choice>
+        <mc:Fallback xmlns="">
+          <p:pic>
+            <p:nvPicPr>
+              <p:cNvPr id="24" name="Input penna 23">
+                <a:extLst>
+                  <a:ext uri="{FF2B5EF4-FFF2-40B4-BE49-F238E27FC236}">
+                    <a16:creationId xmlns:a16="http://schemas.microsoft.com/office/drawing/2014/main" id="{0FB54644-C92D-4F80-8202-F9CD80A51FEA}"/>
+                  </a:ext>
+                </a:extLst>
+              </p:cNvPr>
+              <p:cNvPicPr/>
+              <p:nvPr/>
+            </p:nvPicPr>
+            <p:blipFill>
+              <a:blip r:embed="rId4"/>
+              <a:stretch>
+                <a:fillRect/>
+              </a:stretch>
+            </p:blipFill>
+            <p:spPr>
+              <a:xfrm>
+                <a:off x="7348537" y="1814512"/>
+                <a:ext cx="2857500" cy="5715000"/>
+              </a:xfrm>
+              <a:prstGeom prst="rect">
+                <a:avLst/>
+              </a:prstGeom>
+            </p:spPr>
+          </p:pic>
+        </mc:Fallback>
+      </mc:AlternateContent>
+      <mc:AlternateContent xmlns:mc="http://schemas.openxmlformats.org/markup-compatibility/2006" xmlns:p14="http://schemas.microsoft.com/office/powerpoint/2010/main">
+        <mc:Choice Requires="p14">
+          <p:contentPart p14:bwMode="auto" r:id="rId7">
+            <p14:nvContentPartPr>
+              <p14:cNvPr id="25" name="Input penna 24">
+                <a:extLst>
+                  <a:ext uri="{FF2B5EF4-FFF2-40B4-BE49-F238E27FC236}">
+                    <a16:creationId xmlns:a16="http://schemas.microsoft.com/office/drawing/2014/main" id="{DAB6FBF6-C975-4AB0-92CD-5BCB1A23C03A}"/>
+                  </a:ext>
+                </a:extLst>
+              </p14:cNvPr>
+              <p14:cNvContentPartPr/>
+              <p14:nvPr/>
+            </p14:nvContentPartPr>
+            <p14:xfrm>
+              <a:off x="10510837" y="4005262"/>
+              <a:ext cx="9525" cy="9525"/>
+            </p14:xfrm>
+          </p:contentPart>
+        </mc:Choice>
+        <mc:Fallback xmlns="">
+          <p:pic>
+            <p:nvPicPr>
+              <p:cNvPr id="25" name="Input penna 24">
+                <a:extLst>
+                  <a:ext uri="{FF2B5EF4-FFF2-40B4-BE49-F238E27FC236}">
+                    <a16:creationId xmlns:a16="http://schemas.microsoft.com/office/drawing/2014/main" id="{DAB6FBF6-C975-4AB0-92CD-5BCB1A23C03A}"/>
+                  </a:ext>
+                </a:extLst>
+              </p:cNvPr>
+              <p:cNvPicPr/>
+              <p:nvPr/>
+            </p:nvPicPr>
+            <p:blipFill>
+              <a:blip r:embed="rId4"/>
+              <a:stretch>
+                <a:fillRect/>
+              </a:stretch>
+            </p:blipFill>
+            <p:spPr>
+              <a:xfrm>
+                <a:off x="9082087" y="1157287"/>
+                <a:ext cx="2857500" cy="5715000"/>
+              </a:xfrm>
+              <a:prstGeom prst="rect">
+                <a:avLst/>
+              </a:prstGeom>
+            </p:spPr>
+          </p:pic>
+        </mc:Fallback>
+      </mc:AlternateContent>
+      <mc:AlternateContent xmlns:mc="http://schemas.openxmlformats.org/markup-compatibility/2006" xmlns:p14="http://schemas.microsoft.com/office/powerpoint/2010/main">
+        <mc:Choice Requires="p14">
+          <p:contentPart p14:bwMode="auto" r:id="rId8">
+            <p14:nvContentPartPr>
+              <p14:cNvPr id="26" name="Input penna 25">
+                <a:extLst>
+                  <a:ext uri="{FF2B5EF4-FFF2-40B4-BE49-F238E27FC236}">
+                    <a16:creationId xmlns:a16="http://schemas.microsoft.com/office/drawing/2014/main" id="{AF965E7E-933B-400B-8031-3B18E34A948F}"/>
+                  </a:ext>
+                </a:extLst>
+              </p14:cNvPr>
+              <p14:cNvContentPartPr/>
+              <p14:nvPr/>
+            </p14:nvContentPartPr>
+            <p14:xfrm>
+              <a:off x="8491538" y="4633912"/>
+              <a:ext cx="9525" cy="9525"/>
+            </p14:xfrm>
+          </p:contentPart>
+        </mc:Choice>
+        <mc:Fallback xmlns="">
+          <p:pic>
+            <p:nvPicPr>
+              <p:cNvPr id="26" name="Input penna 25">
+                <a:extLst>
+                  <a:ext uri="{FF2B5EF4-FFF2-40B4-BE49-F238E27FC236}">
+                    <a16:creationId xmlns:a16="http://schemas.microsoft.com/office/drawing/2014/main" id="{AF965E7E-933B-400B-8031-3B18E34A948F}"/>
+                  </a:ext>
+                </a:extLst>
+              </p:cNvPr>
+              <p:cNvPicPr/>
+              <p:nvPr/>
+            </p:nvPicPr>
+            <p:blipFill>
+              <a:blip r:embed="rId4"/>
+              <a:stretch>
+                <a:fillRect/>
+              </a:stretch>
+            </p:blipFill>
+            <p:spPr>
+              <a:xfrm>
+                <a:off x="7072313" y="1785937"/>
+                <a:ext cx="2857500" cy="5715000"/>
+              </a:xfrm>
+              <a:prstGeom prst="rect">
+                <a:avLst/>
+              </a:prstGeom>
+            </p:spPr>
+          </p:pic>
+        </mc:Fallback>
+      </mc:AlternateContent>
+      <mc:AlternateContent xmlns:mc="http://schemas.openxmlformats.org/markup-compatibility/2006" xmlns:p14="http://schemas.microsoft.com/office/powerpoint/2010/main">
+        <mc:Choice Requires="p14">
+          <p:contentPart p14:bwMode="auto" r:id="rId9">
+            <p14:nvContentPartPr>
+              <p14:cNvPr id="27" name="Input penna 26">
+                <a:extLst>
+                  <a:ext uri="{FF2B5EF4-FFF2-40B4-BE49-F238E27FC236}">
+                    <a16:creationId xmlns:a16="http://schemas.microsoft.com/office/drawing/2014/main" id="{F8191F12-AE4C-4722-86FB-EEEAC990C3BF}"/>
+                  </a:ext>
+                </a:extLst>
+              </p14:cNvPr>
+              <p14:cNvContentPartPr/>
+              <p14:nvPr/>
+            </p14:nvContentPartPr>
+            <p14:xfrm>
+              <a:off x="7024687" y="4471987"/>
+              <a:ext cx="9525" cy="9525"/>
+            </p14:xfrm>
+          </p:contentPart>
+        </mc:Choice>
+        <mc:Fallback xmlns="">
+          <p:pic>
+            <p:nvPicPr>
+              <p:cNvPr id="27" name="Input penna 26">
+                <a:extLst>
+                  <a:ext uri="{FF2B5EF4-FFF2-40B4-BE49-F238E27FC236}">
+                    <a16:creationId xmlns:a16="http://schemas.microsoft.com/office/drawing/2014/main" id="{F8191F12-AE4C-4722-86FB-EEEAC990C3BF}"/>
+                  </a:ext>
+                </a:extLst>
+              </p:cNvPr>
+              <p:cNvPicPr/>
+              <p:nvPr/>
+            </p:nvPicPr>
+            <p:blipFill>
+              <a:blip r:embed="rId4"/>
+              <a:stretch>
+                <a:fillRect/>
+              </a:stretch>
+            </p:blipFill>
+            <p:spPr>
+              <a:xfrm>
+                <a:off x="5595937" y="1624012"/>
+                <a:ext cx="2857500" cy="5715000"/>
+              </a:xfrm>
+              <a:prstGeom prst="rect">
+                <a:avLst/>
+              </a:prstGeom>
+            </p:spPr>
+          </p:pic>
+        </mc:Fallback>
+      </mc:AlternateContent>
+      <mc:AlternateContent xmlns:mc="http://schemas.openxmlformats.org/markup-compatibility/2006" xmlns:p14="http://schemas.microsoft.com/office/powerpoint/2010/main">
+        <mc:Choice Requires="p14">
+          <p:contentPart p14:bwMode="auto" r:id="rId10">
+            <p14:nvContentPartPr>
+              <p14:cNvPr id="28" name="Input penna 27">
+                <a:extLst>
+                  <a:ext uri="{FF2B5EF4-FFF2-40B4-BE49-F238E27FC236}">
+                    <a16:creationId xmlns:a16="http://schemas.microsoft.com/office/drawing/2014/main" id="{82B8E14E-F3D8-44B5-9145-0A9106BACD7E}"/>
+                  </a:ext>
+                </a:extLst>
+              </p14:cNvPr>
+              <p14:cNvContentPartPr/>
+              <p14:nvPr/>
+            </p14:nvContentPartPr>
+            <p14:xfrm>
+              <a:off x="7586662" y="4491037"/>
+              <a:ext cx="38100" cy="28575"/>
+            </p14:xfrm>
+          </p:contentPart>
+        </mc:Choice>
+        <mc:Fallback xmlns="">
+          <p:pic>
+            <p:nvPicPr>
+              <p:cNvPr id="28" name="Input penna 27">
+                <a:extLst>
+                  <a:ext uri="{FF2B5EF4-FFF2-40B4-BE49-F238E27FC236}">
+                    <a16:creationId xmlns:a16="http://schemas.microsoft.com/office/drawing/2014/main" id="{82B8E14E-F3D8-44B5-9145-0A9106BACD7E}"/>
+                  </a:ext>
+                </a:extLst>
+              </p:cNvPr>
+              <p:cNvPicPr/>
+              <p:nvPr/>
+            </p:nvPicPr>
+            <p:blipFill>
+              <a:blip r:embed="rId11"/>
+              <a:stretch>
+                <a:fillRect/>
+              </a:stretch>
+            </p:blipFill>
+            <p:spPr>
+              <a:xfrm>
+                <a:off x="7536966" y="4376737"/>
+                <a:ext cx="137160" cy="256794"/>
+              </a:xfrm>
+              <a:prstGeom prst="rect">
+                <a:avLst/>
+              </a:prstGeom>
+            </p:spPr>
+          </p:pic>
+        </mc:Fallback>
+      </mc:AlternateContent>
+      <mc:AlternateContent xmlns:mc="http://schemas.openxmlformats.org/markup-compatibility/2006" xmlns:p14="http://schemas.microsoft.com/office/powerpoint/2010/main">
+        <mc:Choice Requires="p14">
+          <p:contentPart p14:bwMode="auto" r:id="rId12">
+            <p14:nvContentPartPr>
+              <p14:cNvPr id="29" name="Input penna 28">
+                <a:extLst>
+                  <a:ext uri="{FF2B5EF4-FFF2-40B4-BE49-F238E27FC236}">
+                    <a16:creationId xmlns:a16="http://schemas.microsoft.com/office/drawing/2014/main" id="{D66AFDA2-E836-4BC1-A595-AD9C75F901AC}"/>
+                  </a:ext>
+                </a:extLst>
+              </p14:cNvPr>
+              <p14:cNvContentPartPr/>
+              <p14:nvPr/>
+            </p14:nvContentPartPr>
+            <p14:xfrm>
+              <a:off x="8701087" y="4586287"/>
+              <a:ext cx="9525" cy="9525"/>
+            </p14:xfrm>
+          </p:contentPart>
+        </mc:Choice>
+        <mc:Fallback xmlns="">
+          <p:pic>
+            <p:nvPicPr>
+              <p:cNvPr id="29" name="Input penna 28">
+                <a:extLst>
+                  <a:ext uri="{FF2B5EF4-FFF2-40B4-BE49-F238E27FC236}">
+                    <a16:creationId xmlns:a16="http://schemas.microsoft.com/office/drawing/2014/main" id="{D66AFDA2-E836-4BC1-A595-AD9C75F901AC}"/>
+                  </a:ext>
+                </a:extLst>
+              </p:cNvPr>
+              <p:cNvPicPr/>
+              <p:nvPr/>
+            </p:nvPicPr>
+            <p:blipFill>
+              <a:blip r:embed="rId4"/>
+              <a:stretch>
+                <a:fillRect/>
+              </a:stretch>
+            </p:blipFill>
+            <p:spPr>
+              <a:xfrm>
+                <a:off x="7281862" y="1738312"/>
+                <a:ext cx="2857500" cy="5715000"/>
+              </a:xfrm>
+              <a:prstGeom prst="rect">
+                <a:avLst/>
+              </a:prstGeom>
+            </p:spPr>
+          </p:pic>
+        </mc:Fallback>
+      </mc:AlternateContent>
+      <p:sp>
+        <p:nvSpPr>
+          <p:cNvPr id="2" name="Rettangolo 1">
+            <a:extLst>
+              <a:ext uri="{FF2B5EF4-FFF2-40B4-BE49-F238E27FC236}">
+                <a16:creationId xmlns:a16="http://schemas.microsoft.com/office/drawing/2014/main" id="{15EC9674-B273-4BE1-B7F6-262AC53EAE13}"/>
+              </a:ext>
+            </a:extLst>
+          </p:cNvPr>
+          <p:cNvSpPr/>
+          <p:nvPr/>
+        </p:nvSpPr>
+        <p:spPr>
+          <a:xfrm>
+            <a:off x="2181225" y="2809875"/>
+            <a:ext cx="7953375" cy="428625"/>
           </a:xfrm>
           <a:prstGeom prst="rect">
             <a:avLst/>
@@ -4504,40 +5518,16 @@
           <a:lstStyle/>
           <a:p>
             <a:pPr algn="ctr"/>
-            <a:r>
-              <a:rPr lang="it-IT" dirty="0" err="1">
-                <a:cs typeface="Calibri"/>
-              </a:rPr>
-              <a:t>Margin</a:t>
-            </a:r>
-            <a:r>
-              <a:rPr lang="it-IT" dirty="0">
-                <a:cs typeface="Calibri"/>
-              </a:rPr>
-              <a:t>-top e </a:t>
-            </a:r>
-            <a:r>
-              <a:rPr lang="it-IT" dirty="0" err="1">
-                <a:cs typeface="Calibri"/>
-              </a:rPr>
-              <a:t>margin-right</a:t>
-            </a:r>
-            <a:r>
-              <a:rPr lang="it-IT" dirty="0">
-                <a:cs typeface="Calibri"/>
-              </a:rPr>
-              <a:t>: 50px</a:t>
-            </a:r>
             <a:endParaRPr lang="it-IT" dirty="0"/>
           </a:p>
         </p:txBody>
       </p:sp>
       <p:sp>
         <p:nvSpPr>
-          <p:cNvPr id="18" name="CasellaDiTesto 17">
+          <p:cNvPr id="3" name="CasellaDiTesto 2">
             <a:extLst>
               <a:ext uri="{FF2B5EF4-FFF2-40B4-BE49-F238E27FC236}">
-                <a16:creationId xmlns:a16="http://schemas.microsoft.com/office/drawing/2014/main" id="{F4E4F68D-4F28-4EEB-A85D-A0EB91B143AC}"/>
+                <a16:creationId xmlns:a16="http://schemas.microsoft.com/office/drawing/2014/main" id="{F7D3B942-F288-450E-80F1-2BE4EFF98D07}"/>
               </a:ext>
             </a:extLst>
           </p:cNvPr>
@@ -4546,7 +5536,7 @@
         </p:nvSpPr>
         <p:spPr>
           <a:xfrm>
-            <a:off x="4686300" y="5400675"/>
+            <a:off x="2181225" y="2867025"/>
             <a:ext cx="2743200" cy="369332"/>
           </a:xfrm>
           <a:prstGeom prst="rect">
@@ -4564,30 +5554,30 @@
           <a:lstStyle/>
           <a:p>
             <a:r>
-              <a:rPr lang="it-IT" b="1" dirty="0" err="1">
+              <a:rPr lang="it-IT" dirty="0" err="1">
                 <a:solidFill>
-                  <a:srgbClr val="FFC000"/>
+                  <a:schemeClr val="bg1"/>
                 </a:solidFill>
               </a:rPr>
-              <a:t>Margin-left</a:t>
-            </a:r>
-            <a:r>
-              <a:rPr lang="it-IT" b="1" dirty="0">
+              <a:t>Margin</a:t>
+            </a:r>
+            <a:r>
+              <a:rPr lang="it-IT" dirty="0">
                 <a:solidFill>
-                  <a:srgbClr val="FFC000"/>
+                  <a:schemeClr val="bg1"/>
                 </a:solidFill>
               </a:rPr>
-              <a:t>: 75px</a:t>
-            </a:r>
-          </a:p>
-        </p:txBody>
-      </p:sp>
-      <p:sp>
-        <p:nvSpPr>
-          <p:cNvPr id="19" name="Rettangolo 18">
+              <a:t>-top: 40px</a:t>
+            </a:r>
+          </a:p>
+        </p:txBody>
+      </p:sp>
+      <p:sp>
+        <p:nvSpPr>
+          <p:cNvPr id="5" name="Rettangolo 4">
             <a:extLst>
               <a:ext uri="{FF2B5EF4-FFF2-40B4-BE49-F238E27FC236}">
-                <a16:creationId xmlns:a16="http://schemas.microsoft.com/office/drawing/2014/main" id="{AFC4CC89-8965-4196-9085-2D637E9140DD}"/>
+                <a16:creationId xmlns:a16="http://schemas.microsoft.com/office/drawing/2014/main" id="{3DC3F509-F68B-429C-B6AC-CD99E593A54B}"/>
               </a:ext>
             </a:extLst>
           </p:cNvPr>
@@ -4596,12 +5586,15 @@
         </p:nvSpPr>
         <p:spPr>
           <a:xfrm>
-            <a:off x="9744075" y="4343400"/>
-            <a:ext cx="485775" cy="1714500"/>
+            <a:off x="4352925" y="3238500"/>
+            <a:ext cx="485775" cy="2085975"/>
           </a:xfrm>
           <a:prstGeom prst="rect">
             <a:avLst/>
           </a:prstGeom>
+          <a:solidFill>
+            <a:srgbClr val="D15ACF"/>
+          </a:solidFill>
         </p:spPr>
         <p:style>
           <a:lnRef idx="2">
@@ -4630,10 +5623,10 @@
       </p:sp>
       <p:sp>
         <p:nvSpPr>
-          <p:cNvPr id="20" name="Rettangolo 19">
+          <p:cNvPr id="30" name="Rettangolo 29">
             <a:extLst>
               <a:ext uri="{FF2B5EF4-FFF2-40B4-BE49-F238E27FC236}">
-                <a16:creationId xmlns:a16="http://schemas.microsoft.com/office/drawing/2014/main" id="{786398F6-5C9E-4139-8E8E-A397FD44675A}"/>
+                <a16:creationId xmlns:a16="http://schemas.microsoft.com/office/drawing/2014/main" id="{2CB41B0E-6836-4D6E-BA94-81EA8134D933}"/>
               </a:ext>
             </a:extLst>
           </p:cNvPr>
@@ -4642,18 +5635,15 @@
         </p:nvSpPr>
         <p:spPr>
           <a:xfrm>
-            <a:off x="2047875" y="3381375"/>
-            <a:ext cx="8220075" cy="2819400"/>
+            <a:off x="9801224" y="3238499"/>
+            <a:ext cx="333375" cy="2085975"/>
           </a:xfrm>
           <a:prstGeom prst="rect">
             <a:avLst/>
           </a:prstGeom>
-          <a:noFill/>
-          <a:ln w="28575">
-            <a:solidFill>
-              <a:srgbClr val="8F2F84"/>
-            </a:solidFill>
-          </a:ln>
+          <a:solidFill>
+            <a:srgbClr val="FFFF00"/>
+          </a:solidFill>
         </p:spPr>
         <p:style>
           <a:lnRef idx="2">
@@ -4682,10 +5672,61 @@
       </p:sp>
       <p:sp>
         <p:nvSpPr>
-          <p:cNvPr id="21" name="CasellaDiTesto 20">
+          <p:cNvPr id="31" name="Rettangolo 30">
             <a:extLst>
               <a:ext uri="{FF2B5EF4-FFF2-40B4-BE49-F238E27FC236}">
-                <a16:creationId xmlns:a16="http://schemas.microsoft.com/office/drawing/2014/main" id="{AD1E22D8-A1C5-4E52-8DFF-31925FE2B681}"/>
+                <a16:creationId xmlns:a16="http://schemas.microsoft.com/office/drawing/2014/main" id="{7328A3E3-D174-404F-81B0-93E598B38604}"/>
+              </a:ext>
+            </a:extLst>
+          </p:cNvPr>
+          <p:cNvSpPr/>
+          <p:nvPr/>
+        </p:nvSpPr>
+        <p:spPr>
+          <a:xfrm rot="5400000">
+            <a:off x="7158036" y="919162"/>
+            <a:ext cx="342900" cy="4962525"/>
+          </a:xfrm>
+          <a:prstGeom prst="rect">
+            <a:avLst/>
+          </a:prstGeom>
+          <a:solidFill>
+            <a:srgbClr val="FFFF00"/>
+          </a:solidFill>
+        </p:spPr>
+        <p:style>
+          <a:lnRef idx="2">
+            <a:schemeClr val="accent1">
+              <a:shade val="50000"/>
+            </a:schemeClr>
+          </a:lnRef>
+          <a:fillRef idx="1">
+            <a:schemeClr val="accent1"/>
+          </a:fillRef>
+          <a:effectRef idx="0">
+            <a:schemeClr val="accent1"/>
+          </a:effectRef>
+          <a:fontRef idx="minor">
+            <a:schemeClr val="lt1"/>
+          </a:fontRef>
+        </p:style>
+        <p:txBody>
+          <a:bodyPr lIns="91440" tIns="45720" rIns="91440" bIns="45720" rtlCol="0" anchor="ctr"/>
+          <a:lstStyle/>
+          <a:p>
+            <a:pPr algn="ctr"/>
+            <a:endParaRPr lang="it-IT" dirty="0">
+              <a:cs typeface="Calibri"/>
+            </a:endParaRPr>
+          </a:p>
+        </p:txBody>
+      </p:sp>
+      <p:sp>
+        <p:nvSpPr>
+          <p:cNvPr id="8" name="CasellaDiTesto 7">
+            <a:extLst>
+              <a:ext uri="{FF2B5EF4-FFF2-40B4-BE49-F238E27FC236}">
+                <a16:creationId xmlns:a16="http://schemas.microsoft.com/office/drawing/2014/main" id="{EED4A056-C7B9-4D01-A75D-23ABDC84148F}"/>
               </a:ext>
             </a:extLst>
           </p:cNvPr>
@@ -4694,7 +5735,65 @@
         </p:nvSpPr>
         <p:spPr>
           <a:xfrm>
-            <a:off x="1524000" y="2886075"/>
+            <a:off x="6743700" y="3200400"/>
+            <a:ext cx="3333750" cy="369332"/>
+          </a:xfrm>
+          <a:prstGeom prst="rect">
+            <a:avLst/>
+          </a:prstGeom>
+          <a:noFill/>
+        </p:spPr>
+        <p:txBody>
+          <a:bodyPr rot="0" spcFirstLastPara="0" vertOverflow="overflow" horzOverflow="overflow" vert="horz" wrap="square" lIns="91440" tIns="45720" rIns="91440" bIns="45720" numCol="1" spcCol="0" rtlCol="0" fromWordArt="0" anchor="t" anchorCtr="0" forceAA="0" compatLnSpc="1">
+            <a:prstTxWarp prst="textNoShape">
+              <a:avLst/>
+            </a:prstTxWarp>
+            <a:spAutoFit/>
+          </a:bodyPr>
+          <a:lstStyle/>
+          <a:p>
+            <a:r>
+              <a:rPr lang="it-IT" dirty="0" err="1"/>
+              <a:t>Margin</a:t>
+            </a:r>
+            <a:r>
+              <a:rPr lang="it-IT" dirty="0"/>
+              <a:t>-top e </a:t>
+            </a:r>
+            <a:r>
+              <a:rPr lang="it-IT" dirty="0" err="1"/>
+              <a:t>margin</a:t>
+            </a:r>
+            <a:r>
+              <a:rPr lang="it-IT" dirty="0"/>
+              <a:t> </a:t>
+            </a:r>
+            <a:r>
+              <a:rPr lang="it-IT" dirty="0" err="1"/>
+              <a:t>right</a:t>
+            </a:r>
+            <a:r>
+              <a:rPr lang="it-IT" dirty="0"/>
+              <a:t>: 50px</a:t>
+            </a:r>
+          </a:p>
+        </p:txBody>
+      </p:sp>
+      <p:sp>
+        <p:nvSpPr>
+          <p:cNvPr id="9" name="CasellaDiTesto 8">
+            <a:extLst>
+              <a:ext uri="{FF2B5EF4-FFF2-40B4-BE49-F238E27FC236}">
+                <a16:creationId xmlns:a16="http://schemas.microsoft.com/office/drawing/2014/main" id="{8D225BED-F58E-43AC-9A4A-BED93391C3B1}"/>
+              </a:ext>
+            </a:extLst>
+          </p:cNvPr>
+          <p:cNvSpPr txBox="1"/>
+          <p:nvPr/>
+        </p:nvSpPr>
+        <p:spPr>
+          <a:xfrm>
+            <a:off x="4857750" y="4953000"/>
             <a:ext cx="2743200" cy="369332"/>
           </a:xfrm>
           <a:prstGeom prst="rect">
@@ -4711,14 +5810,67 @@
           </a:bodyPr>
           <a:lstStyle/>
           <a:p>
-            <a:pPr algn="l"/>
+            <a:r>
+              <a:rPr lang="it-IT" dirty="0" err="1">
+                <a:solidFill>
+                  <a:srgbClr val="D15ACF"/>
+                </a:solidFill>
+              </a:rPr>
+              <a:t>Margin-left</a:t>
+            </a:r>
             <a:r>
               <a:rPr lang="it-IT" dirty="0">
                 <a:solidFill>
-                  <a:srgbClr val="8F2F84"/>
+                  <a:srgbClr val="D15ACF"/>
                 </a:solidFill>
               </a:rPr>
-              <a:t>Padding:18px</a:t>
+              <a:t>: 75px</a:t>
+            </a:r>
+          </a:p>
+        </p:txBody>
+      </p:sp>
+      <p:sp>
+        <p:nvSpPr>
+          <p:cNvPr id="10" name="CasellaDiTesto 9">
+            <a:extLst>
+              <a:ext uri="{FF2B5EF4-FFF2-40B4-BE49-F238E27FC236}">
+                <a16:creationId xmlns:a16="http://schemas.microsoft.com/office/drawing/2014/main" id="{71E9DEF3-56F9-4761-8388-14ECABEC5F5F}"/>
+              </a:ext>
+            </a:extLst>
+          </p:cNvPr>
+          <p:cNvSpPr txBox="1"/>
+          <p:nvPr/>
+        </p:nvSpPr>
+        <p:spPr>
+          <a:xfrm>
+            <a:off x="4991100" y="6305550"/>
+            <a:ext cx="8115300" cy="369332"/>
+          </a:xfrm>
+          <a:prstGeom prst="rect">
+            <a:avLst/>
+          </a:prstGeom>
+          <a:noFill/>
+        </p:spPr>
+        <p:txBody>
+          <a:bodyPr rot="0" spcFirstLastPara="0" vertOverflow="overflow" horzOverflow="overflow" vert="horz" wrap="square" lIns="91440" tIns="45720" rIns="91440" bIns="45720" numCol="1" spcCol="0" rtlCol="0" fromWordArt="0" anchor="t" anchorCtr="0" forceAA="0" compatLnSpc="1">
+            <a:prstTxWarp prst="textNoShape">
+              <a:avLst/>
+            </a:prstTxWarp>
+            <a:spAutoFit/>
+          </a:bodyPr>
+          <a:lstStyle/>
+          <a:p>
+            <a:r>
+              <a:rPr lang="it-IT" dirty="0"/>
+              <a:t>E' presente anche un </a:t>
+            </a:r>
+            <a:r>
+              <a:rPr lang="it-IT" dirty="0" err="1"/>
+              <a:t>margin</a:t>
+            </a:r>
+            <a:r>
+              <a:rPr lang="it-IT" dirty="0"/>
+              <a:t> botton di 50px (presente nella prossima slide)</a:t>
             </a:r>
           </a:p>
         </p:txBody>
@@ -4726,7 +5878,7 @@
     </p:spTree>
     <p:extLst>
       <p:ext uri="{BB962C8B-B14F-4D97-AF65-F5344CB8AC3E}">
-        <p14:creationId xmlns:p14="http://schemas.microsoft.com/office/powerpoint/2010/main" val="3052254567"/>
+        <p14:creationId xmlns:p14="http://schemas.microsoft.com/office/powerpoint/2010/main" val="1126970430"/>
       </p:ext>
     </p:extLst>
   </p:cSld>
@@ -4753,19 +5905,62 @@
           <a:chExt cx="0" cy="0"/>
         </a:xfrm>
       </p:grpSpPr>
+      <p:sp>
+        <p:nvSpPr>
+          <p:cNvPr id="2" name="Titolo 1">
+            <a:extLst>
+              <a:ext uri="{FF2B5EF4-FFF2-40B4-BE49-F238E27FC236}">
+                <a16:creationId xmlns:a16="http://schemas.microsoft.com/office/drawing/2014/main" id="{7760F2AC-E062-42C9-9378-AD139B6A1720}"/>
+              </a:ext>
+            </a:extLst>
+          </p:cNvPr>
+          <p:cNvSpPr>
+            <a:spLocks noGrp="1"/>
+          </p:cNvSpPr>
+          <p:nvPr>
+            <p:ph type="title"/>
+          </p:nvPr>
+        </p:nvSpPr>
+        <p:spPr>
+          <a:xfrm>
+            <a:off x="4439432" y="83288"/>
+            <a:ext cx="3636724" cy="657509"/>
+          </a:xfrm>
+        </p:spPr>
+        <p:txBody>
+          <a:bodyPr>
+            <a:normAutofit/>
+          </a:bodyPr>
+          <a:lstStyle/>
+          <a:p>
+            <a:pPr algn="ctr"/>
+            <a:r>
+              <a:rPr lang="it-IT" sz="2800" b="1" dirty="0" err="1">
+                <a:cs typeface="Calibri Light"/>
+              </a:rPr>
+              <a:t>Footer</a:t>
+            </a:r>
+            <a:endParaRPr lang="it-IT" sz="2800" b="1">
+              <a:cs typeface="Calibri Light"/>
+            </a:endParaRPr>
+          </a:p>
+        </p:txBody>
+      </p:sp>
       <p:pic>
         <p:nvPicPr>
-          <p:cNvPr id="2" name="Immagine 2" descr="Immagine che contiene testo&#10;&#10;Descrizione generata automaticamente">
+          <p:cNvPr id="4" name="Immagine 4" descr="Immagine che contiene testo&#10;&#10;Descrizione generata automaticamente">
             <a:extLst>
               <a:ext uri="{FF2B5EF4-FFF2-40B4-BE49-F238E27FC236}">
-                <a16:creationId xmlns:a16="http://schemas.microsoft.com/office/drawing/2014/main" id="{DD85C2CA-4136-4AB9-840F-EAD257E534EC}"/>
+                <a16:creationId xmlns:a16="http://schemas.microsoft.com/office/drawing/2014/main" id="{1B53D0D3-3DA4-4BCC-A594-0EAE205649D4}"/>
               </a:ext>
             </a:extLst>
           </p:cNvPr>
           <p:cNvPicPr>
-            <a:picLocks noChangeAspect="1"/>
+            <a:picLocks noGrp="1" noChangeAspect="1"/>
           </p:cNvPicPr>
-          <p:nvPr/>
+          <p:nvPr>
+            <p:ph idx="1"/>
+          </p:nvPr>
         </p:nvPicPr>
         <p:blipFill>
           <a:blip r:embed="rId2"/>
@@ -4775,62 +5970,17 @@
         </p:blipFill>
         <p:spPr>
           <a:xfrm>
-            <a:off x="1200150" y="1086394"/>
-            <a:ext cx="10382250" cy="5047161"/>
+            <a:off x="419100" y="1017959"/>
+            <a:ext cx="11344275" cy="4680794"/>
           </a:xfrm>
-          <a:prstGeom prst="rect">
-            <a:avLst/>
-          </a:prstGeom>
         </p:spPr>
       </p:pic>
       <p:sp>
         <p:nvSpPr>
-          <p:cNvPr id="3" name="CasellaDiTesto 2">
+          <p:cNvPr id="3" name="Rettangolo 2">
             <a:extLst>
               <a:ext uri="{FF2B5EF4-FFF2-40B4-BE49-F238E27FC236}">
-                <a16:creationId xmlns:a16="http://schemas.microsoft.com/office/drawing/2014/main" id="{55433081-A4FA-4479-8A6C-8BB46C718271}"/>
-              </a:ext>
-            </a:extLst>
-          </p:cNvPr>
-          <p:cNvSpPr txBox="1"/>
-          <p:nvPr/>
-        </p:nvSpPr>
-        <p:spPr>
-          <a:xfrm>
-            <a:off x="4867275" y="257175"/>
-            <a:ext cx="2743200" cy="400110"/>
-          </a:xfrm>
-          <a:prstGeom prst="rect">
-            <a:avLst/>
-          </a:prstGeom>
-          <a:noFill/>
-        </p:spPr>
-        <p:txBody>
-          <a:bodyPr rot="0" spcFirstLastPara="0" vertOverflow="overflow" horzOverflow="overflow" vert="horz" wrap="square" lIns="91440" tIns="45720" rIns="91440" bIns="45720" numCol="1" spcCol="0" rtlCol="0" fromWordArt="0" anchor="t" anchorCtr="0" forceAA="0" compatLnSpc="1">
-            <a:prstTxWarp prst="textNoShape">
-              <a:avLst/>
-            </a:prstTxWarp>
-            <a:spAutoFit/>
-          </a:bodyPr>
-          <a:lstStyle/>
-          <a:p>
-            <a:pPr lvl="2" algn="l"/>
-            <a:r>
-              <a:rPr lang="it-IT" sz="2000" b="1" dirty="0" err="1"/>
-              <a:t>Footer</a:t>
-            </a:r>
-            <a:endParaRPr lang="it-IT" sz="2000" b="1">
-              <a:cs typeface="Calibri"/>
-            </a:endParaRPr>
-          </a:p>
-        </p:txBody>
-      </p:sp>
-      <p:sp>
-        <p:nvSpPr>
-          <p:cNvPr id="4" name="Rettangolo 3">
-            <a:extLst>
-              <a:ext uri="{FF2B5EF4-FFF2-40B4-BE49-F238E27FC236}">
-                <a16:creationId xmlns:a16="http://schemas.microsoft.com/office/drawing/2014/main" id="{9B66F51C-FF41-4692-8F41-E1FC830FE33F}"/>
+                <a16:creationId xmlns:a16="http://schemas.microsoft.com/office/drawing/2014/main" id="{0C0F4C16-C908-4B4A-9E92-562185BF0478}"/>
               </a:ext>
             </a:extLst>
           </p:cNvPr>
@@ -4839,18 +5989,18 @@
         </p:nvSpPr>
         <p:spPr>
           <a:xfrm>
-            <a:off x="1362075" y="4581525"/>
-            <a:ext cx="10048875" cy="419100"/>
+            <a:off x="714375" y="3924300"/>
+            <a:ext cx="10963275" cy="523875"/>
           </a:xfrm>
           <a:prstGeom prst="rect">
             <a:avLst/>
           </a:prstGeom>
           <a:solidFill>
-            <a:srgbClr val="00B0F0"/>
+            <a:srgbClr val="FFC000"/>
           </a:solidFill>
           <a:ln>
             <a:solidFill>
-              <a:srgbClr val="FF0000"/>
+              <a:srgbClr val="4472C4"/>
             </a:solidFill>
           </a:ln>
         </p:spPr>
@@ -4879,14 +6029,27 @@
               <a:rPr lang="it-IT" dirty="0" err="1">
                 <a:cs typeface="Calibri"/>
               </a:rPr>
-              <a:t>Margin</a:t>
+              <a:t>Section</a:t>
             </a:r>
             <a:r>
               <a:rPr lang="it-IT" dirty="0">
                 <a:cs typeface="Calibri"/>
               </a:rPr>
-              <a:t>-bottom: 50px</a:t>
-            </a:r>
+              <a:t>: </a:t>
+            </a:r>
+            <a:r>
+              <a:rPr lang="it-IT" dirty="0" err="1">
+                <a:cs typeface="Calibri"/>
+              </a:rPr>
+              <a:t>Margin</a:t>
+            </a:r>
+            <a:r>
+              <a:rPr lang="it-IT" dirty="0">
+                <a:cs typeface="Calibri"/>
+              </a:rPr>
+              <a:t>-botton: 50px</a:t>
+            </a:r>
+            <a:endParaRPr lang="it-IT" dirty="0"/>
           </a:p>
         </p:txBody>
       </p:sp>
@@ -4895,7 +6058,7 @@
           <p:cNvPr id="5" name="Rettangolo 4">
             <a:extLst>
               <a:ext uri="{FF2B5EF4-FFF2-40B4-BE49-F238E27FC236}">
-                <a16:creationId xmlns:a16="http://schemas.microsoft.com/office/drawing/2014/main" id="{43828984-1214-4C56-8530-81BCBD98F448}"/>
+                <a16:creationId xmlns:a16="http://schemas.microsoft.com/office/drawing/2014/main" id="{4A580F98-C487-48DE-9112-C086B96C87A7}"/>
               </a:ext>
             </a:extLst>
           </p:cNvPr>
@@ -4904,17 +6067,14 @@
         </p:nvSpPr>
         <p:spPr>
           <a:xfrm>
-            <a:off x="4714875" y="5210175"/>
-            <a:ext cx="3476625" cy="800100"/>
+            <a:off x="3495675" y="4457700"/>
+            <a:ext cx="447675" cy="1238250"/>
           </a:xfrm>
           <a:prstGeom prst="rect">
             <a:avLst/>
           </a:prstGeom>
-          <a:noFill/>
-          <a:ln w="57150">
-            <a:solidFill>
-              <a:srgbClr val="FF0000"/>
-            </a:solidFill>
+          <a:ln>
+            <a:noFill/>
           </a:ln>
         </p:spPr>
         <p:style>
@@ -4944,10 +6104,157 @@
       </p:sp>
       <p:sp>
         <p:nvSpPr>
-          <p:cNvPr id="6" name="CasellaDiTesto 5">
+          <p:cNvPr id="6" name="Rettangolo 5">
             <a:extLst>
               <a:ext uri="{FF2B5EF4-FFF2-40B4-BE49-F238E27FC236}">
-                <a16:creationId xmlns:a16="http://schemas.microsoft.com/office/drawing/2014/main" id="{989FD465-7825-410A-B7C2-94A155FEB3BF}"/>
+                <a16:creationId xmlns:a16="http://schemas.microsoft.com/office/drawing/2014/main" id="{0E29DD6D-6D95-45B9-A386-6CF68330BDE7}"/>
+              </a:ext>
+            </a:extLst>
+          </p:cNvPr>
+          <p:cNvSpPr/>
+          <p:nvPr/>
+        </p:nvSpPr>
+        <p:spPr>
+          <a:xfrm>
+            <a:off x="8458200" y="4457700"/>
+            <a:ext cx="447675" cy="1238250"/>
+          </a:xfrm>
+          <a:prstGeom prst="rect">
+            <a:avLst/>
+          </a:prstGeom>
+          <a:ln>
+            <a:noFill/>
+          </a:ln>
+        </p:spPr>
+        <p:style>
+          <a:lnRef idx="2">
+            <a:schemeClr val="accent1">
+              <a:shade val="50000"/>
+            </a:schemeClr>
+          </a:lnRef>
+          <a:fillRef idx="1">
+            <a:schemeClr val="accent1"/>
+          </a:fillRef>
+          <a:effectRef idx="0">
+            <a:schemeClr val="accent1"/>
+          </a:effectRef>
+          <a:fontRef idx="minor">
+            <a:schemeClr val="lt1"/>
+          </a:fontRef>
+        </p:style>
+        <p:txBody>
+          <a:bodyPr rtlCol="0" anchor="ctr"/>
+          <a:lstStyle/>
+          <a:p>
+            <a:pPr algn="ctr"/>
+            <a:endParaRPr lang="it-IT"/>
+          </a:p>
+        </p:txBody>
+      </p:sp>
+      <p:sp>
+        <p:nvSpPr>
+          <p:cNvPr id="7" name="Rettangolo 6">
+            <a:extLst>
+              <a:ext uri="{FF2B5EF4-FFF2-40B4-BE49-F238E27FC236}">
+                <a16:creationId xmlns:a16="http://schemas.microsoft.com/office/drawing/2014/main" id="{CA95920F-17A0-4E06-90B8-94AA84DD80D1}"/>
+              </a:ext>
+            </a:extLst>
+          </p:cNvPr>
+          <p:cNvSpPr/>
+          <p:nvPr/>
+        </p:nvSpPr>
+        <p:spPr>
+          <a:xfrm rot="5400000">
+            <a:off x="6005512" y="3205163"/>
+            <a:ext cx="381000" cy="4591050"/>
+          </a:xfrm>
+          <a:prstGeom prst="rect">
+            <a:avLst/>
+          </a:prstGeom>
+          <a:ln>
+            <a:noFill/>
+          </a:ln>
+        </p:spPr>
+        <p:style>
+          <a:lnRef idx="2">
+            <a:schemeClr val="accent1">
+              <a:shade val="50000"/>
+            </a:schemeClr>
+          </a:lnRef>
+          <a:fillRef idx="1">
+            <a:schemeClr val="accent1"/>
+          </a:fillRef>
+          <a:effectRef idx="0">
+            <a:schemeClr val="accent1"/>
+          </a:effectRef>
+          <a:fontRef idx="minor">
+            <a:schemeClr val="lt1"/>
+          </a:fontRef>
+        </p:style>
+        <p:txBody>
+          <a:bodyPr rtlCol="0" anchor="ctr"/>
+          <a:lstStyle/>
+          <a:p>
+            <a:pPr algn="ctr"/>
+            <a:endParaRPr lang="it-IT"/>
+          </a:p>
+        </p:txBody>
+      </p:sp>
+      <p:sp>
+        <p:nvSpPr>
+          <p:cNvPr id="8" name="Rettangolo 7">
+            <a:extLst>
+              <a:ext uri="{FF2B5EF4-FFF2-40B4-BE49-F238E27FC236}">
+                <a16:creationId xmlns:a16="http://schemas.microsoft.com/office/drawing/2014/main" id="{61D15B1D-A572-44A3-8C4A-410FCC2D0DC1}"/>
+              </a:ext>
+            </a:extLst>
+          </p:cNvPr>
+          <p:cNvSpPr/>
+          <p:nvPr/>
+        </p:nvSpPr>
+        <p:spPr>
+          <a:xfrm rot="5400000">
+            <a:off x="6072188" y="2319337"/>
+            <a:ext cx="352425" cy="4619625"/>
+          </a:xfrm>
+          <a:prstGeom prst="rect">
+            <a:avLst/>
+          </a:prstGeom>
+          <a:ln>
+            <a:noFill/>
+          </a:ln>
+        </p:spPr>
+        <p:style>
+          <a:lnRef idx="2">
+            <a:schemeClr val="accent1">
+              <a:shade val="50000"/>
+            </a:schemeClr>
+          </a:lnRef>
+          <a:fillRef idx="1">
+            <a:schemeClr val="accent1"/>
+          </a:fillRef>
+          <a:effectRef idx="0">
+            <a:schemeClr val="accent1"/>
+          </a:effectRef>
+          <a:fontRef idx="minor">
+            <a:schemeClr val="lt1"/>
+          </a:fontRef>
+        </p:style>
+        <p:txBody>
+          <a:bodyPr rtlCol="0" anchor="ctr"/>
+          <a:lstStyle/>
+          <a:p>
+            <a:pPr algn="ctr"/>
+            <a:endParaRPr lang="it-IT"/>
+          </a:p>
+        </p:txBody>
+      </p:sp>
+      <p:sp>
+        <p:nvSpPr>
+          <p:cNvPr id="9" name="CasellaDiTesto 8">
+            <a:extLst>
+              <a:ext uri="{FF2B5EF4-FFF2-40B4-BE49-F238E27FC236}">
+                <a16:creationId xmlns:a16="http://schemas.microsoft.com/office/drawing/2014/main" id="{E5955C81-FA66-4D45-A056-9FCBDE95E364}"/>
               </a:ext>
             </a:extLst>
           </p:cNvPr>
@@ -4956,7 +6263,7 @@
         </p:nvSpPr>
         <p:spPr>
           <a:xfrm>
-            <a:off x="8191500" y="5381625"/>
+            <a:off x="6000750" y="5781675"/>
             <a:ext cx="2743200" cy="369332"/>
           </a:xfrm>
           <a:prstGeom prst="rect">
@@ -4974,29 +6281,20 @@
           <a:lstStyle/>
           <a:p>
             <a:r>
-              <a:rPr lang="it-IT" dirty="0" err="1">
-                <a:solidFill>
-                  <a:srgbClr val="FF0000"/>
-                </a:solidFill>
-              </a:rPr>
+              <a:rPr lang="it-IT" dirty="0" err="1"/>
               <a:t>Padding</a:t>
             </a:r>
             <a:r>
-              <a:rPr lang="it-IT" dirty="0">
-                <a:solidFill>
-                  <a:srgbClr val="FF0000"/>
-                </a:solidFill>
-              </a:rPr>
+              <a:rPr lang="it-IT" dirty="0"/>
               <a:t>: 50px</a:t>
             </a:r>
-            <a:endParaRPr lang="it-IT" dirty="0"/>
           </a:p>
         </p:txBody>
       </p:sp>
     </p:spTree>
     <p:extLst>
       <p:ext uri="{BB962C8B-B14F-4D97-AF65-F5344CB8AC3E}">
-        <p14:creationId xmlns:p14="http://schemas.microsoft.com/office/powerpoint/2010/main" val="1680655221"/>
+        <p14:creationId xmlns:p14="http://schemas.microsoft.com/office/powerpoint/2010/main" val="3460840718"/>
       </p:ext>
     </p:extLst>
   </p:cSld>

--- a/mhw1.pptx
+++ b/mhw1.pptx
@@ -7,8 +7,9 @@
   <p:sldIdLst>
     <p:sldId id="257" r:id="rId2"/>
     <p:sldId id="262" r:id="rId3"/>
-    <p:sldId id="259" r:id="rId4"/>
-    <p:sldId id="260" r:id="rId5"/>
+    <p:sldId id="263" r:id="rId4"/>
+    <p:sldId id="259" r:id="rId5"/>
+    <p:sldId id="260" r:id="rId6"/>
   </p:sldIdLst>
   <p:sldSz cx="12192000" cy="6858000"/>
   <p:notesSz cx="6858000" cy="9144000"/>
@@ -118,8 +119,10 @@
 <file path=ppt/revisionInfo.xml><?xml version="1.0" encoding="utf-8"?>
 <p1510:revInfo xmlns:a="http://schemas.openxmlformats.org/drawingml/2006/main" xmlns:r="http://schemas.openxmlformats.org/officeDocument/2006/relationships" xmlns:p1510="http://schemas.microsoft.com/office/powerpoint/2015/10/main">
   <p1510:revLst>
+    <p1510:client id="{61D6F9F9-63E0-410D-91A7-34CCFC45BF90}" v="1281" dt="2021-03-26T15:32:15.113"/>
     <p1510:client id="{7E3F0489-DB69-433C-A0ED-1F8FA7294309}" v="340" dt="2021-03-26T12:36:27.382"/>
     <p1510:client id="{7EAC5A23-6A03-4854-8D38-A8468CD545CA}" v="403" dt="2021-03-26T15:02:19.269"/>
+    <p1510:client id="{E2456A45-6478-4900-8E71-AC09AB882454}" v="1179" dt="2021-03-26T16:14:00.106"/>
   </p1510:revLst>
 </p1510:revInfo>
 </file>
@@ -541,6 +544,93 @@
           <pc:docMk/>
           <pc:sldMk cId="2666752581" sldId="262"/>
         </pc:sldMkLst>
+      </pc:sldChg>
+    </pc:docChg>
+  </pc:docChgLst>
+  <pc:docChgLst>
+    <pc:chgData name="Danilo Di Bella" userId="9e114f506f37626b" providerId="Windows Live" clId="Web-{E2456A45-6478-4900-8E71-AC09AB882454}"/>
+    <pc:docChg chg="modSld">
+      <pc:chgData name="Danilo Di Bella" userId="9e114f506f37626b" providerId="Windows Live" clId="Web-{E2456A45-6478-4900-8E71-AC09AB882454}" dt="2021-03-26T16:14:00.106" v="594" actId="1076"/>
+      <pc:docMkLst>
+        <pc:docMk/>
+      </pc:docMkLst>
+      <pc:sldChg chg="modSp">
+        <pc:chgData name="Danilo Di Bella" userId="9e114f506f37626b" providerId="Windows Live" clId="Web-{E2456A45-6478-4900-8E71-AC09AB882454}" dt="2021-03-26T16:04:51.559" v="102" actId="20577"/>
+        <pc:sldMkLst>
+          <pc:docMk/>
+          <pc:sldMk cId="3460840718" sldId="260"/>
+        </pc:sldMkLst>
+        <pc:spChg chg="mod">
+          <ac:chgData name="Danilo Di Bella" userId="9e114f506f37626b" providerId="Windows Live" clId="Web-{E2456A45-6478-4900-8E71-AC09AB882454}" dt="2021-03-26T16:04:51.559" v="102" actId="20577"/>
+          <ac:spMkLst>
+            <pc:docMk/>
+            <pc:sldMk cId="3460840718" sldId="260"/>
+            <ac:spMk id="2" creationId="{7760F2AC-E062-42C9-9378-AD139B6A1720}"/>
+          </ac:spMkLst>
+        </pc:spChg>
+        <pc:spChg chg="mod">
+          <ac:chgData name="Danilo Di Bella" userId="9e114f506f37626b" providerId="Windows Live" clId="Web-{E2456A45-6478-4900-8E71-AC09AB882454}" dt="2021-03-26T16:03:28.242" v="20"/>
+          <ac:spMkLst>
+            <pc:docMk/>
+            <pc:sldMk cId="3460840718" sldId="260"/>
+            <ac:spMk id="3" creationId="{0C0F4C16-C908-4B4A-9E92-562185BF0478}"/>
+          </ac:spMkLst>
+        </pc:spChg>
+        <pc:spChg chg="mod">
+          <ac:chgData name="Danilo Di Bella" userId="9e114f506f37626b" providerId="Windows Live" clId="Web-{E2456A45-6478-4900-8E71-AC09AB882454}" dt="2021-03-26T16:03:09.413" v="17"/>
+          <ac:spMkLst>
+            <pc:docMk/>
+            <pc:sldMk cId="3460840718" sldId="260"/>
+            <ac:spMk id="5" creationId="{4A580F98-C487-48DE-9112-C086B96C87A7}"/>
+          </ac:spMkLst>
+        </pc:spChg>
+        <pc:spChg chg="mod">
+          <ac:chgData name="Danilo Di Bella" userId="9e114f506f37626b" providerId="Windows Live" clId="Web-{E2456A45-6478-4900-8E71-AC09AB882454}" dt="2021-03-26T16:03:20.148" v="18" actId="14100"/>
+          <ac:spMkLst>
+            <pc:docMk/>
+            <pc:sldMk cId="3460840718" sldId="260"/>
+            <ac:spMk id="6" creationId="{0E29DD6D-6D95-45B9-A386-6CF68330BDE7}"/>
+          </ac:spMkLst>
+        </pc:spChg>
+        <pc:spChg chg="mod">
+          <ac:chgData name="Danilo Di Bella" userId="9e114f506f37626b" providerId="Windows Live" clId="Web-{E2456A45-6478-4900-8E71-AC09AB882454}" dt="2021-03-26T16:03:07.569" v="16"/>
+          <ac:spMkLst>
+            <pc:docMk/>
+            <pc:sldMk cId="3460840718" sldId="260"/>
+            <ac:spMk id="7" creationId="{CA95920F-17A0-4E06-90B8-94AA84DD80D1}"/>
+          </ac:spMkLst>
+        </pc:spChg>
+        <pc:spChg chg="mod">
+          <ac:chgData name="Danilo Di Bella" userId="9e114f506f37626b" providerId="Windows Live" clId="Web-{E2456A45-6478-4900-8E71-AC09AB882454}" dt="2021-03-26T16:03:23.976" v="19"/>
+          <ac:spMkLst>
+            <pc:docMk/>
+            <pc:sldMk cId="3460840718" sldId="260"/>
+            <ac:spMk id="8" creationId="{61D15B1D-A572-44A3-8C4A-410FCC2D0DC1}"/>
+          </ac:spMkLst>
+        </pc:spChg>
+      </pc:sldChg>
+      <pc:sldChg chg="delSp modSp">
+        <pc:chgData name="Danilo Di Bella" userId="9e114f506f37626b" providerId="Windows Live" clId="Web-{E2456A45-6478-4900-8E71-AC09AB882454}" dt="2021-03-26T16:14:00.106" v="594" actId="1076"/>
+        <pc:sldMkLst>
+          <pc:docMk/>
+          <pc:sldMk cId="3205390296" sldId="263"/>
+        </pc:sldMkLst>
+        <pc:spChg chg="mod">
+          <ac:chgData name="Danilo Di Bella" userId="9e114f506f37626b" providerId="Windows Live" clId="Web-{E2456A45-6478-4900-8E71-AC09AB882454}" dt="2021-03-26T16:14:00.106" v="594" actId="1076"/>
+          <ac:spMkLst>
+            <pc:docMk/>
+            <pc:sldMk cId="3205390296" sldId="263"/>
+            <ac:spMk id="2" creationId="{3DF39015-AD16-415A-AA21-BE98367041E8}"/>
+          </ac:spMkLst>
+        </pc:spChg>
+        <pc:spChg chg="del">
+          <ac:chgData name="Danilo Di Bella" userId="9e114f506f37626b" providerId="Windows Live" clId="Web-{E2456A45-6478-4900-8E71-AC09AB882454}" dt="2021-03-26T16:05:40.109" v="144"/>
+          <ac:spMkLst>
+            <pc:docMk/>
+            <pc:sldMk cId="3205390296" sldId="263"/>
+            <ac:spMk id="3" creationId="{0FEF8D40-322A-46F2-9C38-146FCCE85BE5}"/>
+          </ac:spMkLst>
+        </pc:spChg>
       </pc:sldChg>
     </pc:docChg>
   </pc:docChgLst>
@@ -776,6 +866,132 @@
             <pc:docMk/>
             <pc:sldMk cId="2666752581" sldId="262"/>
             <ac:spMk id="8" creationId="{DA564209-206D-41D5-9D90-00E036ABAB33}"/>
+          </ac:spMkLst>
+        </pc:spChg>
+      </pc:sldChg>
+    </pc:docChg>
+  </pc:docChgLst>
+  <pc:docChgLst>
+    <pc:chgData name="Danilo Di Bella" userId="9e114f506f37626b" providerId="Windows Live" clId="Web-{61D6F9F9-63E0-410D-91A7-34CCFC45BF90}"/>
+    <pc:docChg chg="addSld modSld">
+      <pc:chgData name="Danilo Di Bella" userId="9e114f506f37626b" providerId="Windows Live" clId="Web-{61D6F9F9-63E0-410D-91A7-34CCFC45BF90}" dt="2021-03-26T15:32:15.113" v="648" actId="20577"/>
+      <pc:docMkLst>
+        <pc:docMk/>
+      </pc:docMkLst>
+      <pc:sldChg chg="delSp modSp">
+        <pc:chgData name="Danilo Di Bella" userId="9e114f506f37626b" providerId="Windows Live" clId="Web-{61D6F9F9-63E0-410D-91A7-34CCFC45BF90}" dt="2021-03-26T15:28:42.218" v="497"/>
+        <pc:sldMkLst>
+          <pc:docMk/>
+          <pc:sldMk cId="1126970430" sldId="259"/>
+        </pc:sldMkLst>
+        <pc:spChg chg="del mod">
+          <ac:chgData name="Danilo Di Bella" userId="9e114f506f37626b" providerId="Windows Live" clId="Web-{61D6F9F9-63E0-410D-91A7-34CCFC45BF90}" dt="2021-03-26T15:28:42.218" v="497"/>
+          <ac:spMkLst>
+            <pc:docMk/>
+            <pc:sldMk cId="1126970430" sldId="259"/>
+            <ac:spMk id="10" creationId="{71E9DEF3-56F9-4761-8388-14ECABEC5F5F}"/>
+          </ac:spMkLst>
+        </pc:spChg>
+        <pc:spChg chg="del mod">
+          <ac:chgData name="Danilo Di Bella" userId="9e114f506f37626b" providerId="Windows Live" clId="Web-{61D6F9F9-63E0-410D-91A7-34CCFC45BF90}" dt="2021-03-26T15:28:25.077" v="493"/>
+          <ac:spMkLst>
+            <pc:docMk/>
+            <pc:sldMk cId="1126970430" sldId="259"/>
+            <ac:spMk id="12" creationId="{97AA852D-030E-4C95-91CA-1972073D650C}"/>
+          </ac:spMkLst>
+        </pc:spChg>
+        <pc:spChg chg="mod">
+          <ac:chgData name="Danilo Di Bella" userId="9e114f506f37626b" providerId="Windows Live" clId="Web-{61D6F9F9-63E0-410D-91A7-34CCFC45BF90}" dt="2021-03-26T15:23:30.634" v="259" actId="1076"/>
+          <ac:spMkLst>
+            <pc:docMk/>
+            <pc:sldMk cId="1126970430" sldId="259"/>
+            <ac:spMk id="13" creationId="{099CBA5B-6BCB-48B8-8670-863F1E975A6F}"/>
+          </ac:spMkLst>
+        </pc:spChg>
+      </pc:sldChg>
+      <pc:sldChg chg="addSp delSp modSp">
+        <pc:chgData name="Danilo Di Bella" userId="9e114f506f37626b" providerId="Windows Live" clId="Web-{61D6F9F9-63E0-410D-91A7-34CCFC45BF90}" dt="2021-03-26T15:23:05.587" v="258" actId="20577"/>
+        <pc:sldMkLst>
+          <pc:docMk/>
+          <pc:sldMk cId="2666752581" sldId="262"/>
+        </pc:sldMkLst>
+        <pc:spChg chg="mod">
+          <ac:chgData name="Danilo Di Bella" userId="9e114f506f37626b" providerId="Windows Live" clId="Web-{61D6F9F9-63E0-410D-91A7-34CCFC45BF90}" dt="2021-03-26T15:14:16.640" v="16" actId="1076"/>
+          <ac:spMkLst>
+            <pc:docMk/>
+            <pc:sldMk cId="2666752581" sldId="262"/>
+            <ac:spMk id="2" creationId="{8F56F816-569D-4DA6-A1F4-596E780DFD36}"/>
+          </ac:spMkLst>
+        </pc:spChg>
+        <pc:spChg chg="mod">
+          <ac:chgData name="Danilo Di Bella" userId="9e114f506f37626b" providerId="Windows Live" clId="Web-{61D6F9F9-63E0-410D-91A7-34CCFC45BF90}" dt="2021-03-26T15:22:46.087" v="256" actId="1076"/>
+          <ac:spMkLst>
+            <pc:docMk/>
+            <pc:sldMk cId="2666752581" sldId="262"/>
+            <ac:spMk id="5" creationId="{6801C707-A156-47CA-96DE-E97F9F3654F1}"/>
+          </ac:spMkLst>
+        </pc:spChg>
+        <pc:spChg chg="add del mod">
+          <ac:chgData name="Danilo Di Bella" userId="9e114f506f37626b" providerId="Windows Live" clId="Web-{61D6F9F9-63E0-410D-91A7-34CCFC45BF90}" dt="2021-03-26T15:17:55.394" v="84"/>
+          <ac:spMkLst>
+            <pc:docMk/>
+            <pc:sldMk cId="2666752581" sldId="262"/>
+            <ac:spMk id="7" creationId="{A940B138-F7B4-4E5E-AFDE-EC51D27C44CC}"/>
+          </ac:spMkLst>
+        </pc:spChg>
+        <pc:spChg chg="mod">
+          <ac:chgData name="Danilo Di Bella" userId="9e114f506f37626b" providerId="Windows Live" clId="Web-{61D6F9F9-63E0-410D-91A7-34CCFC45BF90}" dt="2021-03-26T15:19:20.364" v="115" actId="20577"/>
+          <ac:spMkLst>
+            <pc:docMk/>
+            <pc:sldMk cId="2666752581" sldId="262"/>
+            <ac:spMk id="8" creationId="{DA564209-206D-41D5-9D90-00E036ABAB33}"/>
+          </ac:spMkLst>
+        </pc:spChg>
+        <pc:spChg chg="add mod">
+          <ac:chgData name="Danilo Di Bella" userId="9e114f506f37626b" providerId="Windows Live" clId="Web-{61D6F9F9-63E0-410D-91A7-34CCFC45BF90}" dt="2021-03-26T15:18:56.067" v="97"/>
+          <ac:spMkLst>
+            <pc:docMk/>
+            <pc:sldMk cId="2666752581" sldId="262"/>
+            <ac:spMk id="9" creationId="{6F86C64D-AEF7-417B-8B3E-A3ECB03C88D4}"/>
+          </ac:spMkLst>
+        </pc:spChg>
+        <pc:spChg chg="mod">
+          <ac:chgData name="Danilo Di Bella" userId="9e114f506f37626b" providerId="Windows Live" clId="Web-{61D6F9F9-63E0-410D-91A7-34CCFC45BF90}" dt="2021-03-26T15:23:05.587" v="258" actId="20577"/>
+          <ac:spMkLst>
+            <pc:docMk/>
+            <pc:sldMk cId="2666752581" sldId="262"/>
+            <ac:spMk id="16" creationId="{C21FBAB8-9F65-4B58-AD46-C96CE6A2F4D5}"/>
+          </ac:spMkLst>
+        </pc:spChg>
+        <pc:picChg chg="mod">
+          <ac:chgData name="Danilo Di Bella" userId="9e114f506f37626b" providerId="Windows Live" clId="Web-{61D6F9F9-63E0-410D-91A7-34CCFC45BF90}" dt="2021-03-26T15:14:09.265" v="15" actId="1076"/>
+          <ac:picMkLst>
+            <pc:docMk/>
+            <pc:sldMk cId="2666752581" sldId="262"/>
+            <ac:picMk id="4" creationId="{C89B2471-97BD-446A-B198-A7029D2F33C6}"/>
+          </ac:picMkLst>
+        </pc:picChg>
+      </pc:sldChg>
+      <pc:sldChg chg="addSp modSp new">
+        <pc:chgData name="Danilo Di Bella" userId="9e114f506f37626b" providerId="Windows Live" clId="Web-{61D6F9F9-63E0-410D-91A7-34CCFC45BF90}" dt="2021-03-26T15:32:15.113" v="648" actId="20577"/>
+        <pc:sldMkLst>
+          <pc:docMk/>
+          <pc:sldMk cId="3205390296" sldId="263"/>
+        </pc:sldMkLst>
+        <pc:spChg chg="add mod">
+          <ac:chgData name="Danilo Di Bella" userId="9e114f506f37626b" providerId="Windows Live" clId="Web-{61D6F9F9-63E0-410D-91A7-34CCFC45BF90}" dt="2021-03-26T15:32:15.113" v="648" actId="20577"/>
+          <ac:spMkLst>
+            <pc:docMk/>
+            <pc:sldMk cId="3205390296" sldId="263"/>
+            <ac:spMk id="2" creationId="{3DF39015-AD16-415A-AA21-BE98367041E8}"/>
+          </ac:spMkLst>
+        </pc:spChg>
+        <pc:spChg chg="add mod">
+          <ac:chgData name="Danilo Di Bella" userId="9e114f506f37626b" providerId="Windows Live" clId="Web-{61D6F9F9-63E0-410D-91A7-34CCFC45BF90}" dt="2021-03-26T15:28:47.609" v="499" actId="1076"/>
+          <ac:spMkLst>
+            <pc:docMk/>
+            <pc:sldMk cId="3205390296" sldId="263"/>
+            <ac:spMk id="3" creationId="{0FEF8D40-322A-46F2-9C38-146FCCE85BE5}"/>
           </ac:spMkLst>
         </pc:spChg>
       </pc:sldChg>
@@ -1229,7 +1445,7 @@
           <a:p>
             <a:fld id="{66CD45B7-DFE2-4393-8D37-380FC36BF3AA}" type="slidenum">
               <a:rPr lang="de-DE" smtClean="0"/>
-              <a:t>‹N›</a:t>
+              <a:t>‹#›</a:t>
             </a:fld>
             <a:endParaRPr lang="de-DE"/>
           </a:p>
@@ -1399,7 +1615,7 @@
           <a:p>
             <a:fld id="{66CD45B7-DFE2-4393-8D37-380FC36BF3AA}" type="slidenum">
               <a:rPr lang="de-DE" smtClean="0"/>
-              <a:t>‹N›</a:t>
+              <a:t>‹#›</a:t>
             </a:fld>
             <a:endParaRPr lang="de-DE"/>
           </a:p>
@@ -1579,7 +1795,7 @@
           <a:p>
             <a:fld id="{66CD45B7-DFE2-4393-8D37-380FC36BF3AA}" type="slidenum">
               <a:rPr lang="de-DE" smtClean="0"/>
-              <a:t>‹N›</a:t>
+              <a:t>‹#›</a:t>
             </a:fld>
             <a:endParaRPr lang="de-DE"/>
           </a:p>
@@ -1749,7 +1965,7 @@
           <a:p>
             <a:fld id="{66CD45B7-DFE2-4393-8D37-380FC36BF3AA}" type="slidenum">
               <a:rPr lang="de-DE" smtClean="0"/>
-              <a:t>‹N›</a:t>
+              <a:t>‹#›</a:t>
             </a:fld>
             <a:endParaRPr lang="de-DE"/>
           </a:p>
@@ -1995,7 +2211,7 @@
           <a:p>
             <a:fld id="{66CD45B7-DFE2-4393-8D37-380FC36BF3AA}" type="slidenum">
               <a:rPr lang="de-DE" smtClean="0"/>
-              <a:t>‹N›</a:t>
+              <a:t>‹#›</a:t>
             </a:fld>
             <a:endParaRPr lang="de-DE"/>
           </a:p>
@@ -2227,7 +2443,7 @@
           <a:p>
             <a:fld id="{66CD45B7-DFE2-4393-8D37-380FC36BF3AA}" type="slidenum">
               <a:rPr lang="de-DE" smtClean="0"/>
-              <a:t>‹N›</a:t>
+              <a:t>‹#›</a:t>
             </a:fld>
             <a:endParaRPr lang="de-DE"/>
           </a:p>
@@ -2594,7 +2810,7 @@
           <a:p>
             <a:fld id="{66CD45B7-DFE2-4393-8D37-380FC36BF3AA}" type="slidenum">
               <a:rPr lang="de-DE" smtClean="0"/>
-              <a:t>‹N›</a:t>
+              <a:t>‹#›</a:t>
             </a:fld>
             <a:endParaRPr lang="de-DE"/>
           </a:p>
@@ -2712,7 +2928,7 @@
           <a:p>
             <a:fld id="{66CD45B7-DFE2-4393-8D37-380FC36BF3AA}" type="slidenum">
               <a:rPr lang="de-DE" smtClean="0"/>
-              <a:t>‹N›</a:t>
+              <a:t>‹#›</a:t>
             </a:fld>
             <a:endParaRPr lang="de-DE"/>
           </a:p>
@@ -2807,7 +3023,7 @@
           <a:p>
             <a:fld id="{66CD45B7-DFE2-4393-8D37-380FC36BF3AA}" type="slidenum">
               <a:rPr lang="de-DE" smtClean="0"/>
-              <a:t>‹N›</a:t>
+              <a:t>‹#›</a:t>
             </a:fld>
             <a:endParaRPr lang="de-DE"/>
           </a:p>
@@ -3084,7 +3300,7 @@
           <a:p>
             <a:fld id="{66CD45B7-DFE2-4393-8D37-380FC36BF3AA}" type="slidenum">
               <a:rPr lang="de-DE" smtClean="0"/>
-              <a:t>‹N›</a:t>
+              <a:t>‹#›</a:t>
             </a:fld>
             <a:endParaRPr lang="de-DE"/>
           </a:p>
@@ -3337,7 +3553,7 @@
           <a:p>
             <a:fld id="{66CD45B7-DFE2-4393-8D37-380FC36BF3AA}" type="slidenum">
               <a:rPr lang="de-DE" smtClean="0"/>
-              <a:t>‹N›</a:t>
+              <a:t>‹#›</a:t>
             </a:fld>
             <a:endParaRPr lang="de-DE"/>
           </a:p>
@@ -3586,7 +3802,7 @@
           <a:p>
             <a:fld id="{66CD45B7-DFE2-4393-8D37-380FC36BF3AA}" type="slidenum">
               <a:rPr lang="de-DE" smtClean="0"/>
-              <a:t>‹N›</a:t>
+              <a:t>‹#›</a:t>
             </a:fld>
             <a:endParaRPr lang="de-DE"/>
           </a:p>
@@ -3937,12 +4153,12 @@
           <a:lstStyle/>
           <a:p>
             <a:r>
-              <a:rPr lang="it-IT" sz="7200" b="1" dirty="0">
+              <a:rPr lang="it-IT" sz="7200" b="1">
                 <a:cs typeface="Calibri Light"/>
               </a:rPr>
               <a:t>DI BELLA DANILO</a:t>
             </a:r>
-            <a:endParaRPr lang="it-IT" sz="7200" b="1" dirty="0"/>
+            <a:endParaRPr lang="it-IT" sz="7200" b="1"/>
           </a:p>
         </p:txBody>
       </p:sp>
@@ -3970,12 +4186,12 @@
           <a:lstStyle/>
           <a:p>
             <a:r>
-              <a:rPr lang="it-IT" sz="5400" b="1" dirty="0">
+              <a:rPr lang="it-IT" sz="5400" b="1">
                 <a:cs typeface="Calibri"/>
               </a:rPr>
               <a:t>O46002060</a:t>
             </a:r>
-            <a:endParaRPr lang="it-IT" sz="5400" b="1" dirty="0"/>
+            <a:endParaRPr lang="it-IT" sz="5400" b="1"/>
           </a:p>
         </p:txBody>
       </p:sp>
@@ -4031,7 +4247,7 @@
         </p:blipFill>
         <p:spPr>
           <a:xfrm>
-            <a:off x="1333500" y="1716204"/>
+            <a:off x="1333500" y="1706679"/>
             <a:ext cx="10277475" cy="4006617"/>
           </a:xfrm>
           <a:prstGeom prst="rect">
@@ -4053,8 +4269,8 @@
         </p:nvSpPr>
         <p:spPr>
           <a:xfrm>
-            <a:off x="4724400" y="285750"/>
-            <a:ext cx="2743200" cy="400110"/>
+            <a:off x="-228600" y="247650"/>
+            <a:ext cx="12849225" cy="707886"/>
           </a:xfrm>
           <a:prstGeom prst="rect">
             <a:avLst/>
@@ -4070,14 +4286,80 @@
           </a:bodyPr>
           <a:lstStyle/>
           <a:p>
-            <a:pPr lvl="2" algn="l"/>
-            <a:r>
-              <a:rPr lang="it-IT" sz="2000" b="1" dirty="0" err="1"/>
+            <a:pPr lvl="2"/>
+            <a:r>
+              <a:rPr lang="it-IT" sz="2000" err="1"/>
               <a:t>Header</a:t>
             </a:r>
-            <a:endParaRPr lang="it-IT" sz="2000" b="1">
-              <a:cs typeface="Calibri"/>
-            </a:endParaRPr>
+            <a:r>
+              <a:rPr lang="it-IT" sz="2000"/>
+              <a:t> composto da una </a:t>
+            </a:r>
+            <a:r>
+              <a:rPr lang="it-IT" sz="2000" err="1"/>
+              <a:t>nav</a:t>
+            </a:r>
+            <a:r>
+              <a:rPr lang="it-IT" sz="2000"/>
+              <a:t> con 3 div: logo, links e menu(per parte mobile).</a:t>
+            </a:r>
+          </a:p>
+          <a:p>
+            <a:pPr lvl="2"/>
+            <a:r>
+              <a:rPr lang="it-IT" sz="2000">
+                <a:cs typeface="Calibri"/>
+              </a:rPr>
+              <a:t>Un titolo con il font di </a:t>
+            </a:r>
+            <a:r>
+              <a:rPr lang="it-IT" sz="2000" err="1">
+                <a:cs typeface="Calibri"/>
+              </a:rPr>
+              <a:t>google</a:t>
+            </a:r>
+            <a:r>
+              <a:rPr lang="it-IT" sz="2000">
+                <a:cs typeface="Calibri"/>
+              </a:rPr>
+              <a:t>: </a:t>
+            </a:r>
+            <a:r>
+              <a:rPr lang="it-IT" sz="2000" err="1">
+                <a:cs typeface="Calibri"/>
+              </a:rPr>
+              <a:t>Chango</a:t>
+            </a:r>
+            <a:r>
+              <a:rPr lang="it-IT" sz="2000">
+                <a:cs typeface="Calibri"/>
+              </a:rPr>
+              <a:t> e l'utilizzo della funzione </a:t>
+            </a:r>
+            <a:r>
+              <a:rPr lang="it-IT" sz="2000" err="1">
+                <a:cs typeface="Calibri"/>
+              </a:rPr>
+              <a:t>css</a:t>
+            </a:r>
+            <a:r>
+              <a:rPr lang="it-IT" sz="2000">
+                <a:cs typeface="Calibri"/>
+              </a:rPr>
+              <a:t> </a:t>
+            </a:r>
+            <a:r>
+              <a:rPr lang="it-IT" sz="2000" err="1">
+                <a:cs typeface="Calibri"/>
+              </a:rPr>
+              <a:t>uppercase</a:t>
+            </a:r>
+            <a:r>
+              <a:rPr lang="it-IT" sz="2000">
+                <a:cs typeface="Calibri"/>
+              </a:rPr>
+              <a:t>.</a:t>
+            </a:r>
           </a:p>
         </p:txBody>
       </p:sp>
@@ -4160,7 +4442,7 @@
         <p:spPr>
           <a:xfrm>
             <a:off x="8286750" y="1343025"/>
-            <a:ext cx="2743200" cy="369332"/>
+            <a:ext cx="3324225" cy="369332"/>
           </a:xfrm>
           <a:prstGeom prst="rect">
             <a:avLst/>
@@ -4177,16 +4459,28 @@
           <a:lstStyle/>
           <a:p>
             <a:r>
-              <a:rPr lang="it-IT" dirty="0" err="1">
+              <a:rPr lang="it-IT" err="1">
                 <a:cs typeface="Calibri"/>
               </a:rPr>
               <a:t>Margin</a:t>
             </a:r>
             <a:r>
-              <a:rPr lang="it-IT" dirty="0">
+              <a:rPr lang="it-IT">
                 <a:cs typeface="Calibri"/>
               </a:rPr>
-              <a:t>: 18px</a:t>
+              <a:t>: 18px, </a:t>
+            </a:r>
+            <a:r>
+              <a:rPr lang="it-IT" err="1">
+                <a:cs typeface="Calibri"/>
+              </a:rPr>
+              <a:t>padding</a:t>
+            </a:r>
+            <a:r>
+              <a:rPr lang="it-IT">
+                <a:cs typeface="Calibri"/>
+              </a:rPr>
+              <a:t>: 10px</a:t>
             </a:r>
           </a:p>
         </p:txBody>
@@ -4272,7 +4566,7 @@
           <a:lstStyle/>
           <a:p>
             <a:r>
-              <a:rPr lang="it-IT" dirty="0" err="1">
+              <a:rPr lang="it-IT" err="1">
                 <a:solidFill>
                   <a:srgbClr val="FFC000"/>
                 </a:solidFill>
@@ -4280,14 +4574,14 @@
               <a:t>Height</a:t>
             </a:r>
             <a:r>
-              <a:rPr lang="it-IT" dirty="0">
+              <a:rPr lang="it-IT">
                 <a:solidFill>
                   <a:srgbClr val="FFC000"/>
                 </a:solidFill>
               </a:rPr>
               <a:t>: 600px</a:t>
             </a:r>
-            <a:endParaRPr lang="it-IT" dirty="0"/>
+            <a:endParaRPr lang="it-IT"/>
           </a:p>
         </p:txBody>
       </p:sp>
@@ -4375,29 +4669,20 @@
           <a:lstStyle/>
           <a:p>
             <a:r>
-              <a:rPr lang="it-IT" dirty="0">
-                <a:solidFill>
-                  <a:srgbClr val="00B050"/>
-                </a:solidFill>
-              </a:rPr>
+              <a:rPr lang="it-IT"/>
               <a:t>Max width:750px, </a:t>
             </a:r>
             <a:r>
-              <a:rPr lang="it-IT" dirty="0" err="1">
-                <a:solidFill>
-                  <a:srgbClr val="00B050"/>
-                </a:solidFill>
-              </a:rPr>
+              <a:rPr lang="it-IT" err="1"/>
               <a:t>letter-spacing</a:t>
             </a:r>
             <a:r>
-              <a:rPr lang="it-IT" dirty="0">
-                <a:solidFill>
-                  <a:srgbClr val="00B050"/>
-                </a:solidFill>
-              </a:rPr>
+              <a:rPr lang="it-IT"/>
               <a:t> : 2px</a:t>
             </a:r>
+            <a:endParaRPr lang="it-IT">
+              <a:cs typeface="Calibri"/>
+            </a:endParaRPr>
           </a:p>
         </p:txBody>
       </p:sp>
@@ -4415,7 +4700,7 @@
         </p:nvSpPr>
         <p:spPr>
           <a:xfrm>
-            <a:off x="1381125" y="1752600"/>
+            <a:off x="1390650" y="1752600"/>
             <a:ext cx="695325" cy="466725"/>
           </a:xfrm>
           <a:prstGeom prst="rect">
@@ -4485,7 +4770,7 @@
           <a:lstStyle/>
           <a:p>
             <a:r>
-              <a:rPr lang="it-IT" dirty="0" err="1">
+              <a:rPr lang="it-IT" err="1">
                 <a:solidFill>
                   <a:srgbClr val="FF0000"/>
                 </a:solidFill>
@@ -4495,7 +4780,7 @@
               <a:t>width</a:t>
             </a:r>
             <a:r>
-              <a:rPr lang="it-IT" dirty="0">
+              <a:rPr lang="it-IT">
                 <a:solidFill>
                   <a:srgbClr val="FF0000"/>
                 </a:solidFill>
@@ -4505,7 +4790,7 @@
               <a:t>: 90px, </a:t>
             </a:r>
             <a:r>
-              <a:rPr lang="it-IT" dirty="0" err="1">
+              <a:rPr lang="it-IT" err="1">
                 <a:solidFill>
                   <a:srgbClr val="FF0000"/>
                 </a:solidFill>
@@ -4515,7 +4800,7 @@
               <a:t>height</a:t>
             </a:r>
             <a:r>
-              <a:rPr lang="it-IT" dirty="0">
+              <a:rPr lang="it-IT">
                 <a:solidFill>
                   <a:srgbClr val="FF0000"/>
                 </a:solidFill>
@@ -4524,7 +4809,7 @@
               </a:rPr>
               <a:t>: 45px;</a:t>
             </a:r>
-            <a:endParaRPr lang="it-IT" dirty="0">
+            <a:endParaRPr lang="it-IT">
               <a:solidFill>
                 <a:srgbClr val="FF0000"/>
               </a:solidFill>
@@ -4532,9 +4817,61 @@
           </a:p>
           <a:p>
             <a:pPr algn="l"/>
-            <a:endParaRPr lang="it-IT" dirty="0">
+            <a:endParaRPr lang="it-IT">
               <a:cs typeface="Calibri"/>
             </a:endParaRPr>
+          </a:p>
+        </p:txBody>
+      </p:sp>
+      <p:sp>
+        <p:nvSpPr>
+          <p:cNvPr id="9" name="Rettangolo 8">
+            <a:extLst>
+              <a:ext uri="{FF2B5EF4-FFF2-40B4-BE49-F238E27FC236}">
+                <a16:creationId xmlns:a16="http://schemas.microsoft.com/office/drawing/2014/main" id="{6F86C64D-AEF7-417B-8B3E-A3ECB03C88D4}"/>
+              </a:ext>
+            </a:extLst>
+          </p:cNvPr>
+          <p:cNvSpPr/>
+          <p:nvPr/>
+        </p:nvSpPr>
+        <p:spPr>
+          <a:xfrm>
+            <a:off x="9810750" y="1790700"/>
+            <a:ext cx="790575" cy="381000"/>
+          </a:xfrm>
+          <a:prstGeom prst="rect">
+            <a:avLst/>
+          </a:prstGeom>
+          <a:noFill/>
+          <a:ln w="57150">
+            <a:solidFill>
+              <a:srgbClr val="002060"/>
+            </a:solidFill>
+          </a:ln>
+        </p:spPr>
+        <p:style>
+          <a:lnRef idx="2">
+            <a:schemeClr val="accent1">
+              <a:shade val="50000"/>
+            </a:schemeClr>
+          </a:lnRef>
+          <a:fillRef idx="1">
+            <a:schemeClr val="accent1"/>
+          </a:fillRef>
+          <a:effectRef idx="0">
+            <a:schemeClr val="accent1"/>
+          </a:effectRef>
+          <a:fontRef idx="minor">
+            <a:schemeClr val="lt1"/>
+          </a:fontRef>
+        </p:style>
+        <p:txBody>
+          <a:bodyPr rtlCol="0" anchor="ctr"/>
+          <a:lstStyle/>
+          <a:p>
+            <a:pPr algn="ctr"/>
+            <a:endParaRPr lang="it-IT"/>
           </a:p>
         </p:txBody>
       </p:sp>
@@ -4552,6 +4889,423 @@
 </file>
 
 <file path=ppt/slides/slide3.xml><?xml version="1.0" encoding="utf-8"?>
+<p:sld xmlns:a="http://schemas.openxmlformats.org/drawingml/2006/main" xmlns:r="http://schemas.openxmlformats.org/officeDocument/2006/relationships" xmlns:p="http://schemas.openxmlformats.org/presentationml/2006/main">
+  <p:cSld>
+    <p:spTree>
+      <p:nvGrpSpPr>
+        <p:cNvPr id="1" name=""/>
+        <p:cNvGrpSpPr/>
+        <p:nvPr/>
+      </p:nvGrpSpPr>
+      <p:grpSpPr>
+        <a:xfrm>
+          <a:off x="0" y="0"/>
+          <a:ext cx="0" cy="0"/>
+          <a:chOff x="0" y="0"/>
+          <a:chExt cx="0" cy="0"/>
+        </a:xfrm>
+      </p:grpSpPr>
+      <p:sp>
+        <p:nvSpPr>
+          <p:cNvPr id="2" name="CasellaDiTesto 1">
+            <a:extLst>
+              <a:ext uri="{FF2B5EF4-FFF2-40B4-BE49-F238E27FC236}">
+                <a16:creationId xmlns:a16="http://schemas.microsoft.com/office/drawing/2014/main" id="{3DF39015-AD16-415A-AA21-BE98367041E8}"/>
+              </a:ext>
+            </a:extLst>
+          </p:cNvPr>
+          <p:cNvSpPr txBox="1"/>
+          <p:nvPr/>
+        </p:nvSpPr>
+        <p:spPr>
+          <a:xfrm>
+            <a:off x="-371475" y="1333500"/>
+            <a:ext cx="12563475" cy="3416320"/>
+          </a:xfrm>
+          <a:prstGeom prst="rect">
+            <a:avLst/>
+          </a:prstGeom>
+          <a:noFill/>
+        </p:spPr>
+        <p:txBody>
+          <a:bodyPr rot="0" spcFirstLastPara="0" vert="horz" wrap="square" lIns="91440" tIns="45720" rIns="91440" bIns="45720" numCol="1" spcCol="0" rtlCol="0" fromWordArt="0" anchor="t" anchorCtr="0" forceAA="0" compatLnSpc="1">
+            <a:prstTxWarp prst="textNoShape">
+              <a:avLst/>
+            </a:prstTxWarp>
+            <a:spAutoFit/>
+          </a:bodyPr>
+          <a:lstStyle>
+            <a:defPPr>
+              <a:defRPr lang="de-DE"/>
+            </a:defPPr>
+            <a:lvl1pPr marL="0" algn="l" defTabSz="914400" rtl="0" eaLnBrk="1" latinLnBrk="0" hangingPunct="1">
+              <a:defRPr sz="1800" kern="1200">
+                <a:solidFill>
+                  <a:schemeClr val="tx1"/>
+                </a:solidFill>
+                <a:latin typeface="+mn-lt"/>
+                <a:ea typeface="+mn-ea"/>
+                <a:cs typeface="+mn-cs"/>
+              </a:defRPr>
+            </a:lvl1pPr>
+            <a:lvl2pPr marL="457200" algn="l" defTabSz="914400" rtl="0" eaLnBrk="1" latinLnBrk="0" hangingPunct="1">
+              <a:defRPr sz="1800" kern="1200">
+                <a:solidFill>
+                  <a:schemeClr val="tx1"/>
+                </a:solidFill>
+                <a:latin typeface="+mn-lt"/>
+                <a:ea typeface="+mn-ea"/>
+                <a:cs typeface="+mn-cs"/>
+              </a:defRPr>
+            </a:lvl2pPr>
+            <a:lvl3pPr marL="914400" algn="l" defTabSz="914400" rtl="0" eaLnBrk="1" latinLnBrk="0" hangingPunct="1">
+              <a:defRPr sz="1800" kern="1200">
+                <a:solidFill>
+                  <a:schemeClr val="tx1"/>
+                </a:solidFill>
+                <a:latin typeface="+mn-lt"/>
+                <a:ea typeface="+mn-ea"/>
+                <a:cs typeface="+mn-cs"/>
+              </a:defRPr>
+            </a:lvl3pPr>
+            <a:lvl4pPr marL="1371600" algn="l" defTabSz="914400" rtl="0" eaLnBrk="1" latinLnBrk="0" hangingPunct="1">
+              <a:defRPr sz="1800" kern="1200">
+                <a:solidFill>
+                  <a:schemeClr val="tx1"/>
+                </a:solidFill>
+                <a:latin typeface="+mn-lt"/>
+                <a:ea typeface="+mn-ea"/>
+                <a:cs typeface="+mn-cs"/>
+              </a:defRPr>
+            </a:lvl4pPr>
+            <a:lvl5pPr marL="1828800" algn="l" defTabSz="914400" rtl="0" eaLnBrk="1" latinLnBrk="0" hangingPunct="1">
+              <a:defRPr sz="1800" kern="1200">
+                <a:solidFill>
+                  <a:schemeClr val="tx1"/>
+                </a:solidFill>
+                <a:latin typeface="+mn-lt"/>
+                <a:ea typeface="+mn-ea"/>
+                <a:cs typeface="+mn-cs"/>
+              </a:defRPr>
+            </a:lvl5pPr>
+            <a:lvl6pPr marL="2286000" algn="l" defTabSz="914400" rtl="0" eaLnBrk="1" latinLnBrk="0" hangingPunct="1">
+              <a:defRPr sz="1800" kern="1200">
+                <a:solidFill>
+                  <a:schemeClr val="tx1"/>
+                </a:solidFill>
+                <a:latin typeface="+mn-lt"/>
+                <a:ea typeface="+mn-ea"/>
+                <a:cs typeface="+mn-cs"/>
+              </a:defRPr>
+            </a:lvl6pPr>
+            <a:lvl7pPr marL="2743200" algn="l" defTabSz="914400" rtl="0" eaLnBrk="1" latinLnBrk="0" hangingPunct="1">
+              <a:defRPr sz="1800" kern="1200">
+                <a:solidFill>
+                  <a:schemeClr val="tx1"/>
+                </a:solidFill>
+                <a:latin typeface="+mn-lt"/>
+                <a:ea typeface="+mn-ea"/>
+                <a:cs typeface="+mn-cs"/>
+              </a:defRPr>
+            </a:lvl7pPr>
+            <a:lvl8pPr marL="3200400" algn="l" defTabSz="914400" rtl="0" eaLnBrk="1" latinLnBrk="0" hangingPunct="1">
+              <a:defRPr sz="1800" kern="1200">
+                <a:solidFill>
+                  <a:schemeClr val="tx1"/>
+                </a:solidFill>
+                <a:latin typeface="+mn-lt"/>
+                <a:ea typeface="+mn-ea"/>
+                <a:cs typeface="+mn-cs"/>
+              </a:defRPr>
+            </a:lvl8pPr>
+            <a:lvl9pPr marL="3657600" algn="l" defTabSz="914400" rtl="0" eaLnBrk="1" latinLnBrk="0" hangingPunct="1">
+              <a:defRPr sz="1800" kern="1200">
+                <a:solidFill>
+                  <a:schemeClr val="tx1"/>
+                </a:solidFill>
+                <a:latin typeface="+mn-lt"/>
+                <a:ea typeface="+mn-ea"/>
+                <a:cs typeface="+mn-cs"/>
+              </a:defRPr>
+            </a:lvl9pPr>
+          </a:lstStyle>
+          <a:p>
+            <a:pPr lvl="2"/>
+            <a:r>
+              <a:rPr lang="it-IT">
+                <a:cs typeface="Calibri"/>
+              </a:rPr>
+              <a:t>La </a:t>
+            </a:r>
+            <a:r>
+              <a:rPr lang="it-IT" err="1">
+                <a:cs typeface="Calibri"/>
+              </a:rPr>
+              <a:t>section</a:t>
+            </a:r>
+            <a:r>
+              <a:rPr lang="it-IT">
+                <a:cs typeface="Calibri"/>
+              </a:rPr>
+              <a:t> è divisa in due parti con un div per ogni parte. Abbiamo un </a:t>
+            </a:r>
+            <a:r>
+              <a:rPr lang="it-IT" err="1">
+                <a:cs typeface="Calibri"/>
+              </a:rPr>
+              <a:t>margin</a:t>
+            </a:r>
+            <a:r>
+              <a:rPr lang="it-IT">
+                <a:cs typeface="Calibri"/>
+              </a:rPr>
+              <a:t> di 20px e un </a:t>
+            </a:r>
+            <a:r>
+              <a:rPr lang="it-IT" err="1">
+                <a:cs typeface="Calibri"/>
+              </a:rPr>
+              <a:t>margin</a:t>
+            </a:r>
+            <a:r>
+              <a:rPr lang="it-IT">
+                <a:cs typeface="Calibri"/>
+              </a:rPr>
+              <a:t> bottom di 50px.</a:t>
+            </a:r>
+            <a:endParaRPr lang="it-IT"/>
+          </a:p>
+          <a:p>
+            <a:pPr lvl="2"/>
+            <a:r>
+              <a:rPr lang="it-IT">
+                <a:cs typeface="Calibri"/>
+              </a:rPr>
+              <a:t> Il primo div(chiamato '</a:t>
+            </a:r>
+            <a:r>
+              <a:rPr lang="it-IT" err="1">
+                <a:cs typeface="Calibri"/>
+              </a:rPr>
+              <a:t>main</a:t>
+            </a:r>
+            <a:r>
+              <a:rPr lang="it-IT">
+                <a:cs typeface="Calibri"/>
+              </a:rPr>
+              <a:t>') contiene : </a:t>
+            </a:r>
+            <a:endParaRPr lang="it-IT"/>
+          </a:p>
+          <a:p>
+            <a:pPr lvl="2"/>
+            <a:r>
+              <a:rPr lang="it-IT">
+                <a:cs typeface="Calibri"/>
+              </a:rPr>
+              <a:t>-h1 dove  viene usata la stessa famiglia utilizzata per il titolo come font style </a:t>
+            </a:r>
+          </a:p>
+          <a:p>
+            <a:pPr lvl="2"/>
+            <a:r>
+              <a:rPr lang="it-IT">
+                <a:cs typeface="Calibri"/>
+              </a:rPr>
+              <a:t>-paragrafo p , viene utilizzato come font-family quella del body, ovvero (</a:t>
+            </a:r>
+            <a:r>
+              <a:rPr lang="it-IT">
+                <a:ea typeface="+mn-lt"/>
+                <a:cs typeface="+mn-lt"/>
+              </a:rPr>
+              <a:t>Georgia, 'Times New Roman')</a:t>
+            </a:r>
+          </a:p>
+          <a:p>
+            <a:pPr lvl="2"/>
+            <a:r>
+              <a:rPr lang="it-IT">
+                <a:cs typeface="Calibri" panose="020F0502020204030204"/>
+              </a:rPr>
+              <a:t>-e una lista non ordinata</a:t>
+            </a:r>
+          </a:p>
+          <a:p>
+            <a:pPr lvl="2"/>
+            <a:endParaRPr lang="it-IT">
+              <a:cs typeface="Calibri" panose="020F0502020204030204"/>
+            </a:endParaRPr>
+          </a:p>
+          <a:p>
+            <a:pPr lvl="2"/>
+            <a:r>
+              <a:rPr lang="it-IT">
+                <a:cs typeface="Calibri" panose="020F0502020204030204"/>
+              </a:rPr>
+              <a:t>Il secondo div chiamato image è costituito da un display </a:t>
+            </a:r>
+            <a:r>
+              <a:rPr lang="it-IT" err="1">
+                <a:cs typeface="Calibri" panose="020F0502020204030204"/>
+              </a:rPr>
+              <a:t>flex</a:t>
+            </a:r>
+            <a:r>
+              <a:rPr lang="it-IT">
+                <a:cs typeface="Calibri" panose="020F0502020204030204"/>
+              </a:rPr>
+              <a:t> orientato per colonna.</a:t>
+            </a:r>
+          </a:p>
+          <a:p>
+            <a:pPr lvl="2"/>
+            <a:r>
+              <a:rPr lang="it-IT">
+                <a:cs typeface="Calibri" panose="020F0502020204030204"/>
+              </a:rPr>
+              <a:t>All'interno abbiamo dei titoli e 3 div con le stesse proprietà.</a:t>
+            </a:r>
+          </a:p>
+          <a:p>
+            <a:pPr lvl="2"/>
+            <a:r>
+              <a:rPr lang="it-IT">
+                <a:cs typeface="Calibri" panose="020F0502020204030204"/>
+              </a:rPr>
+              <a:t>Questi div contengono un'immagine e un paragrafo p. Essi hanno:</a:t>
+            </a:r>
+          </a:p>
+          <a:p>
+            <a:pPr lvl="2"/>
+            <a:r>
+              <a:rPr lang="it-IT">
+                <a:cs typeface="Calibri" panose="020F0502020204030204"/>
+              </a:rPr>
+              <a:t>Display </a:t>
+            </a:r>
+            <a:r>
+              <a:rPr lang="it-IT" err="1">
+                <a:cs typeface="Calibri" panose="020F0502020204030204"/>
+              </a:rPr>
+              <a:t>flex</a:t>
+            </a:r>
+            <a:r>
+              <a:rPr lang="it-IT">
+                <a:cs typeface="Calibri" panose="020F0502020204030204"/>
+              </a:rPr>
+              <a:t> con un </a:t>
+            </a:r>
+            <a:r>
+              <a:rPr lang="it-IT" err="1">
+                <a:cs typeface="Calibri" panose="020F0502020204030204"/>
+              </a:rPr>
+              <a:t>justify-content</a:t>
+            </a:r>
+            <a:r>
+              <a:rPr lang="it-IT">
+                <a:cs typeface="Calibri" panose="020F0502020204030204"/>
+              </a:rPr>
+              <a:t>: </a:t>
+            </a:r>
+            <a:r>
+              <a:rPr lang="it-IT" err="1">
+                <a:cs typeface="Calibri" panose="020F0502020204030204"/>
+              </a:rPr>
+              <a:t>space</a:t>
+            </a:r>
+            <a:r>
+              <a:rPr lang="it-IT">
+                <a:cs typeface="Calibri" panose="020F0502020204030204"/>
+              </a:rPr>
+              <a:t> </a:t>
+            </a:r>
+            <a:r>
+              <a:rPr lang="it-IT" err="1">
+                <a:cs typeface="Calibri" panose="020F0502020204030204"/>
+              </a:rPr>
+              <a:t>around</a:t>
+            </a:r>
+            <a:r>
+              <a:rPr lang="it-IT">
+                <a:cs typeface="Calibri" panose="020F0502020204030204"/>
+              </a:rPr>
+              <a:t> e hanno un </a:t>
+            </a:r>
+            <a:r>
+              <a:rPr lang="it-IT" err="1">
+                <a:cs typeface="Calibri" panose="020F0502020204030204"/>
+              </a:rPr>
+              <a:t>margin</a:t>
+            </a:r>
+            <a:r>
+              <a:rPr lang="it-IT">
+                <a:cs typeface="Calibri" panose="020F0502020204030204"/>
+              </a:rPr>
+              <a:t> top di 40px con il primo titolo.</a:t>
+            </a:r>
+          </a:p>
+          <a:p>
+            <a:pPr lvl="2"/>
+            <a:r>
+              <a:rPr lang="it-IT">
+                <a:cs typeface="Calibri" panose="020F0502020204030204"/>
+              </a:rPr>
+              <a:t>L'immagine e il paragrafo sono distanziati con un </a:t>
+            </a:r>
+            <a:r>
+              <a:rPr lang="it-IT" err="1">
+                <a:cs typeface="Calibri" panose="020F0502020204030204"/>
+              </a:rPr>
+              <a:t>margin-left</a:t>
+            </a:r>
+            <a:r>
+              <a:rPr lang="it-IT">
+                <a:cs typeface="Calibri" panose="020F0502020204030204"/>
+              </a:rPr>
+              <a:t> di 75px e il paragrafo ha un </a:t>
+            </a:r>
+            <a:r>
+              <a:rPr lang="it-IT" err="1">
+                <a:cs typeface="Calibri" panose="020F0502020204030204"/>
+              </a:rPr>
+              <a:t>margin</a:t>
+            </a:r>
+            <a:r>
+              <a:rPr lang="it-IT">
+                <a:cs typeface="Calibri" panose="020F0502020204030204"/>
+              </a:rPr>
+              <a:t>-top e un </a:t>
+            </a:r>
+            <a:r>
+              <a:rPr lang="it-IT" err="1">
+                <a:cs typeface="Calibri" panose="020F0502020204030204"/>
+              </a:rPr>
+              <a:t>margin-right</a:t>
+            </a:r>
+            <a:r>
+              <a:rPr lang="it-IT">
+                <a:cs typeface="Calibri" panose="020F0502020204030204"/>
+              </a:rPr>
+              <a:t> di 50px.</a:t>
+            </a:r>
+          </a:p>
+        </p:txBody>
+      </p:sp>
+    </p:spTree>
+    <p:extLst>
+      <p:ext uri="{BB962C8B-B14F-4D97-AF65-F5344CB8AC3E}">
+        <p14:creationId xmlns:p14="http://schemas.microsoft.com/office/powerpoint/2010/main" val="3205390296"/>
+      </p:ext>
+    </p:extLst>
+  </p:cSld>
+  <p:clrMapOvr>
+    <a:masterClrMapping/>
+  </p:clrMapOvr>
+</p:sld>
+</file>
+
+<file path=ppt/slides/slide4.xml><?xml version="1.0" encoding="utf-8"?>
 <p:sld xmlns:a="http://schemas.openxmlformats.org/drawingml/2006/main" xmlns:r="http://schemas.openxmlformats.org/officeDocument/2006/relationships" xmlns:p="http://schemas.openxmlformats.org/presentationml/2006/main">
   <p:cSld>
     <p:spTree>
@@ -4651,48 +5405,6 @@
       </p:sp>
       <p:sp>
         <p:nvSpPr>
-          <p:cNvPr id="12" name="CasellaDiTesto 11">
-            <a:extLst>
-              <a:ext uri="{FF2B5EF4-FFF2-40B4-BE49-F238E27FC236}">
-                <a16:creationId xmlns:a16="http://schemas.microsoft.com/office/drawing/2014/main" id="{97AA852D-030E-4C95-91CA-1972073D650C}"/>
-              </a:ext>
-            </a:extLst>
-          </p:cNvPr>
-          <p:cNvSpPr txBox="1"/>
-          <p:nvPr/>
-        </p:nvSpPr>
-        <p:spPr>
-          <a:xfrm>
-            <a:off x="5153025" y="133350"/>
-            <a:ext cx="2743200" cy="400110"/>
-          </a:xfrm>
-          <a:prstGeom prst="rect">
-            <a:avLst/>
-          </a:prstGeom>
-          <a:noFill/>
-        </p:spPr>
-        <p:txBody>
-          <a:bodyPr rot="0" spcFirstLastPara="0" vertOverflow="overflow" horzOverflow="overflow" vert="horz" wrap="square" lIns="91440" tIns="45720" rIns="91440" bIns="45720" numCol="1" spcCol="0" rtlCol="0" fromWordArt="0" anchor="t" anchorCtr="0" forceAA="0" compatLnSpc="1">
-            <a:prstTxWarp prst="textNoShape">
-              <a:avLst/>
-            </a:prstTxWarp>
-            <a:spAutoFit/>
-          </a:bodyPr>
-          <a:lstStyle/>
-          <a:p>
-            <a:pPr lvl="2"/>
-            <a:r>
-              <a:rPr lang="it-IT" sz="2000" b="1" dirty="0" err="1"/>
-              <a:t>Section</a:t>
-            </a:r>
-            <a:endParaRPr lang="it-IT" sz="2000" dirty="0" err="1">
-              <a:cs typeface="Calibri" panose="020F0502020204030204"/>
-            </a:endParaRPr>
-          </a:p>
-        </p:txBody>
-      </p:sp>
-      <p:sp>
-        <p:nvSpPr>
           <p:cNvPr id="13" name="CasellaDiTesto 12">
             <a:extLst>
               <a:ext uri="{FF2B5EF4-FFF2-40B4-BE49-F238E27FC236}">
@@ -4705,7 +5417,7 @@
         </p:nvSpPr>
         <p:spPr>
           <a:xfrm>
-            <a:off x="9229725" y="409575"/>
+            <a:off x="8553450" y="847725"/>
             <a:ext cx="2743200" cy="369332"/>
           </a:xfrm>
           <a:prstGeom prst="rect">
@@ -4726,27 +5438,27 @@
           <a:lstStyle/>
           <a:p>
             <a:r>
-              <a:rPr lang="it-IT" dirty="0" err="1"/>
+              <a:rPr lang="it-IT" err="1"/>
               <a:t>Margin</a:t>
             </a:r>
             <a:r>
-              <a:rPr lang="it-IT" dirty="0"/>
+              <a:rPr lang="it-IT"/>
               <a:t> </a:t>
             </a:r>
             <a:r>
-              <a:rPr lang="it-IT" dirty="0" err="1"/>
+              <a:rPr lang="it-IT" err="1"/>
               <a:t>section</a:t>
             </a:r>
             <a:r>
-              <a:rPr lang="it-IT" dirty="0"/>
+              <a:rPr lang="it-IT"/>
               <a:t>: </a:t>
             </a:r>
             <a:r>
-              <a:rPr lang="it-IT" b="1" dirty="0"/>
+              <a:rPr lang="it-IT" b="1"/>
               <a:t>20</a:t>
             </a:r>
             <a:r>
-              <a:rPr lang="it-IT" dirty="0"/>
+              <a:rPr lang="it-IT"/>
               <a:t>px</a:t>
             </a:r>
           </a:p>
@@ -5044,7 +5756,7 @@
           <a:lstStyle/>
           <a:p>
             <a:r>
-              <a:rPr lang="it-IT" b="1" dirty="0" err="1">
+              <a:rPr lang="it-IT" b="1" err="1">
                 <a:solidFill>
                   <a:schemeClr val="bg1"/>
                 </a:solidFill>
@@ -5052,7 +5764,7 @@
               <a:t>Padding</a:t>
             </a:r>
             <a:r>
-              <a:rPr lang="it-IT" b="1" dirty="0">
+              <a:rPr lang="it-IT" b="1">
                 <a:solidFill>
                   <a:schemeClr val="bg1"/>
                 </a:solidFill>
@@ -5068,8 +5780,8 @@
           </a:p>
         </p:txBody>
       </p:sp>
-      <mc:AlternateContent xmlns:mc="http://schemas.openxmlformats.org/markup-compatibility/2006" xmlns:p14="http://schemas.microsoft.com/office/powerpoint/2010/main">
-        <mc:Choice Requires="p14">
+      <mc:AlternateContent xmlns:mc="http://schemas.openxmlformats.org/markup-compatibility/2006">
+        <mc:Choice xmlns:p14="http://schemas.microsoft.com/office/powerpoint/2010/main" Requires="p14">
           <p:contentPart p14:bwMode="auto" r:id="rId3">
             <p14:nvContentPartPr>
               <p14:cNvPr id="22" name="Input penna 21">
@@ -5088,7 +5800,7 @@
             </p14:xfrm>
           </p:contentPart>
         </mc:Choice>
-        <mc:Fallback xmlns="">
+        <mc:Fallback>
           <p:pic>
             <p:nvPicPr>
               <p:cNvPr id="22" name="Input penna 21">
@@ -5109,7 +5821,7 @@
             </p:blipFill>
             <p:spPr>
               <a:xfrm>
-                <a:off x="8386762" y="1919287"/>
+                <a:off x="8377237" y="1919287"/>
                 <a:ext cx="2857500" cy="5715000"/>
               </a:xfrm>
               <a:prstGeom prst="rect">
@@ -5119,8 +5831,8 @@
           </p:pic>
         </mc:Fallback>
       </mc:AlternateContent>
-      <mc:AlternateContent xmlns:mc="http://schemas.openxmlformats.org/markup-compatibility/2006" xmlns:p14="http://schemas.microsoft.com/office/powerpoint/2010/main">
-        <mc:Choice Requires="p14">
+      <mc:AlternateContent xmlns:mc="http://schemas.openxmlformats.org/markup-compatibility/2006">
+        <mc:Choice xmlns:p14="http://schemas.microsoft.com/office/powerpoint/2010/main" Requires="p14">
           <p:contentPart p14:bwMode="auto" r:id="rId5">
             <p14:nvContentPartPr>
               <p14:cNvPr id="23" name="Input penna 22">
@@ -5139,7 +5851,7 @@
             </p14:xfrm>
           </p:contentPart>
         </mc:Choice>
-        <mc:Fallback xmlns="">
+        <mc:Fallback>
           <p:pic>
             <p:nvPicPr>
               <p:cNvPr id="23" name="Input penna 22">
@@ -5160,7 +5872,7 @@
             </p:blipFill>
             <p:spPr>
               <a:xfrm>
-                <a:off x="7681912" y="1785937"/>
+                <a:off x="7672387" y="1776412"/>
                 <a:ext cx="2857500" cy="5715000"/>
               </a:xfrm>
               <a:prstGeom prst="rect">
@@ -5170,8 +5882,8 @@
           </p:pic>
         </mc:Fallback>
       </mc:AlternateContent>
-      <mc:AlternateContent xmlns:mc="http://schemas.openxmlformats.org/markup-compatibility/2006" xmlns:p14="http://schemas.microsoft.com/office/powerpoint/2010/main">
-        <mc:Choice Requires="p14">
+      <mc:AlternateContent xmlns:mc="http://schemas.openxmlformats.org/markup-compatibility/2006">
+        <mc:Choice xmlns:p14="http://schemas.microsoft.com/office/powerpoint/2010/main" Requires="p14">
           <p:contentPart p14:bwMode="auto" r:id="rId6">
             <p14:nvContentPartPr>
               <p14:cNvPr id="24" name="Input penna 23">
@@ -5190,7 +5902,7 @@
             </p14:xfrm>
           </p:contentPart>
         </mc:Choice>
-        <mc:Fallback xmlns="">
+        <mc:Fallback>
           <p:pic>
             <p:nvPicPr>
               <p:cNvPr id="24" name="Input penna 23">
@@ -5211,7 +5923,7 @@
             </p:blipFill>
             <p:spPr>
               <a:xfrm>
-                <a:off x="7348537" y="1814512"/>
+                <a:off x="7339012" y="1814512"/>
                 <a:ext cx="2857500" cy="5715000"/>
               </a:xfrm>
               <a:prstGeom prst="rect">
@@ -5221,8 +5933,8 @@
           </p:pic>
         </mc:Fallback>
       </mc:AlternateContent>
-      <mc:AlternateContent xmlns:mc="http://schemas.openxmlformats.org/markup-compatibility/2006" xmlns:p14="http://schemas.microsoft.com/office/powerpoint/2010/main">
-        <mc:Choice Requires="p14">
+      <mc:AlternateContent xmlns:mc="http://schemas.openxmlformats.org/markup-compatibility/2006">
+        <mc:Choice xmlns:p14="http://schemas.microsoft.com/office/powerpoint/2010/main" Requires="p14">
           <p:contentPart p14:bwMode="auto" r:id="rId7">
             <p14:nvContentPartPr>
               <p14:cNvPr id="25" name="Input penna 24">
@@ -5241,7 +5953,7 @@
             </p14:xfrm>
           </p:contentPart>
         </mc:Choice>
-        <mc:Fallback xmlns="">
+        <mc:Fallback>
           <p:pic>
             <p:nvPicPr>
               <p:cNvPr id="25" name="Input penna 24">
@@ -5262,7 +5974,7 @@
             </p:blipFill>
             <p:spPr>
               <a:xfrm>
-                <a:off x="9082087" y="1157287"/>
+                <a:off x="9082087" y="1147762"/>
                 <a:ext cx="2857500" cy="5715000"/>
               </a:xfrm>
               <a:prstGeom prst="rect">
@@ -5272,8 +5984,8 @@
           </p:pic>
         </mc:Fallback>
       </mc:AlternateContent>
-      <mc:AlternateContent xmlns:mc="http://schemas.openxmlformats.org/markup-compatibility/2006" xmlns:p14="http://schemas.microsoft.com/office/powerpoint/2010/main">
-        <mc:Choice Requires="p14">
+      <mc:AlternateContent xmlns:mc="http://schemas.openxmlformats.org/markup-compatibility/2006">
+        <mc:Choice xmlns:p14="http://schemas.microsoft.com/office/powerpoint/2010/main" Requires="p14">
           <p:contentPart p14:bwMode="auto" r:id="rId8">
             <p14:nvContentPartPr>
               <p14:cNvPr id="26" name="Input penna 25">
@@ -5292,7 +6004,7 @@
             </p14:xfrm>
           </p:contentPart>
         </mc:Choice>
-        <mc:Fallback xmlns="">
+        <mc:Fallback>
           <p:pic>
             <p:nvPicPr>
               <p:cNvPr id="26" name="Input penna 25">
@@ -5313,7 +6025,7 @@
             </p:blipFill>
             <p:spPr>
               <a:xfrm>
-                <a:off x="7072313" y="1785937"/>
+                <a:off x="7062788" y="1776412"/>
                 <a:ext cx="2857500" cy="5715000"/>
               </a:xfrm>
               <a:prstGeom prst="rect">
@@ -5323,8 +6035,8 @@
           </p:pic>
         </mc:Fallback>
       </mc:AlternateContent>
-      <mc:AlternateContent xmlns:mc="http://schemas.openxmlformats.org/markup-compatibility/2006" xmlns:p14="http://schemas.microsoft.com/office/powerpoint/2010/main">
-        <mc:Choice Requires="p14">
+      <mc:AlternateContent xmlns:mc="http://schemas.openxmlformats.org/markup-compatibility/2006">
+        <mc:Choice xmlns:p14="http://schemas.microsoft.com/office/powerpoint/2010/main" Requires="p14">
           <p:contentPart p14:bwMode="auto" r:id="rId9">
             <p14:nvContentPartPr>
               <p14:cNvPr id="27" name="Input penna 26">
@@ -5343,7 +6055,7 @@
             </p14:xfrm>
           </p:contentPart>
         </mc:Choice>
-        <mc:Fallback xmlns="">
+        <mc:Fallback>
           <p:pic>
             <p:nvPicPr>
               <p:cNvPr id="27" name="Input penna 26">
@@ -5364,7 +6076,7 @@
             </p:blipFill>
             <p:spPr>
               <a:xfrm>
-                <a:off x="5595937" y="1624012"/>
+                <a:off x="5595937" y="1614487"/>
                 <a:ext cx="2857500" cy="5715000"/>
               </a:xfrm>
               <a:prstGeom prst="rect">
@@ -5374,8 +6086,8 @@
           </p:pic>
         </mc:Fallback>
       </mc:AlternateContent>
-      <mc:AlternateContent xmlns:mc="http://schemas.openxmlformats.org/markup-compatibility/2006" xmlns:p14="http://schemas.microsoft.com/office/powerpoint/2010/main">
-        <mc:Choice Requires="p14">
+      <mc:AlternateContent xmlns:mc="http://schemas.openxmlformats.org/markup-compatibility/2006">
+        <mc:Choice xmlns:p14="http://schemas.microsoft.com/office/powerpoint/2010/main" Requires="p14">
           <p:contentPart p14:bwMode="auto" r:id="rId10">
             <p14:nvContentPartPr>
               <p14:cNvPr id="28" name="Input penna 27">
@@ -5394,7 +6106,7 @@
             </p14:xfrm>
           </p:contentPart>
         </mc:Choice>
-        <mc:Fallback xmlns="">
+        <mc:Fallback>
           <p:pic>
             <p:nvPicPr>
               <p:cNvPr id="28" name="Input penna 27">
@@ -5425,8 +6137,8 @@
           </p:pic>
         </mc:Fallback>
       </mc:AlternateContent>
-      <mc:AlternateContent xmlns:mc="http://schemas.openxmlformats.org/markup-compatibility/2006" xmlns:p14="http://schemas.microsoft.com/office/powerpoint/2010/main">
-        <mc:Choice Requires="p14">
+      <mc:AlternateContent xmlns:mc="http://schemas.openxmlformats.org/markup-compatibility/2006">
+        <mc:Choice xmlns:p14="http://schemas.microsoft.com/office/powerpoint/2010/main" Requires="p14">
           <p:contentPart p14:bwMode="auto" r:id="rId12">
             <p14:nvContentPartPr>
               <p14:cNvPr id="29" name="Input penna 28">
@@ -5445,7 +6157,7 @@
             </p14:xfrm>
           </p:contentPart>
         </mc:Choice>
-        <mc:Fallback xmlns="">
+        <mc:Fallback>
           <p:pic>
             <p:nvPicPr>
               <p:cNvPr id="29" name="Input penna 28">
@@ -5466,7 +6178,7 @@
             </p:blipFill>
             <p:spPr>
               <a:xfrm>
-                <a:off x="7281862" y="1738312"/>
+                <a:off x="7272337" y="1728787"/>
                 <a:ext cx="2857500" cy="5715000"/>
               </a:xfrm>
               <a:prstGeom prst="rect">
@@ -5518,7 +6230,7 @@
           <a:lstStyle/>
           <a:p>
             <a:pPr algn="ctr"/>
-            <a:endParaRPr lang="it-IT" dirty="0"/>
+            <a:endParaRPr lang="it-IT"/>
           </a:p>
         </p:txBody>
       </p:sp>
@@ -5554,7 +6266,7 @@
           <a:lstStyle/>
           <a:p>
             <a:r>
-              <a:rPr lang="it-IT" dirty="0" err="1">
+              <a:rPr lang="it-IT" err="1">
                 <a:solidFill>
                   <a:schemeClr val="bg1"/>
                 </a:solidFill>
@@ -5562,7 +6274,7 @@
               <a:t>Margin</a:t>
             </a:r>
             <a:r>
-              <a:rPr lang="it-IT" dirty="0">
+              <a:rPr lang="it-IT">
                 <a:solidFill>
                   <a:schemeClr val="bg1"/>
                 </a:solidFill>
@@ -5715,7 +6427,7 @@
           <a:lstStyle/>
           <a:p>
             <a:pPr algn="ctr"/>
-            <a:endParaRPr lang="it-IT" dirty="0">
+            <a:endParaRPr lang="it-IT">
               <a:cs typeface="Calibri"/>
             </a:endParaRPr>
           </a:p>
@@ -5753,27 +6465,27 @@
           <a:lstStyle/>
           <a:p>
             <a:r>
-              <a:rPr lang="it-IT" dirty="0" err="1"/>
+              <a:rPr lang="it-IT" err="1"/>
               <a:t>Margin</a:t>
             </a:r>
             <a:r>
-              <a:rPr lang="it-IT" dirty="0"/>
+              <a:rPr lang="it-IT"/>
               <a:t>-top e </a:t>
             </a:r>
             <a:r>
-              <a:rPr lang="it-IT" dirty="0" err="1"/>
+              <a:rPr lang="it-IT" err="1"/>
               <a:t>margin</a:t>
             </a:r>
             <a:r>
-              <a:rPr lang="it-IT" dirty="0"/>
+              <a:rPr lang="it-IT"/>
               <a:t> </a:t>
             </a:r>
             <a:r>
-              <a:rPr lang="it-IT" dirty="0" err="1"/>
+              <a:rPr lang="it-IT" err="1"/>
               <a:t>right</a:t>
             </a:r>
             <a:r>
-              <a:rPr lang="it-IT" dirty="0"/>
+              <a:rPr lang="it-IT"/>
               <a:t>: 50px</a:t>
             </a:r>
           </a:p>
@@ -5811,7 +6523,7 @@
           <a:lstStyle/>
           <a:p>
             <a:r>
-              <a:rPr lang="it-IT" dirty="0" err="1">
+              <a:rPr lang="it-IT" err="1">
                 <a:solidFill>
                   <a:srgbClr val="D15ACF"/>
                 </a:solidFill>
@@ -5819,58 +6531,12 @@
               <a:t>Margin-left</a:t>
             </a:r>
             <a:r>
-              <a:rPr lang="it-IT" dirty="0">
+              <a:rPr lang="it-IT">
                 <a:solidFill>
                   <a:srgbClr val="D15ACF"/>
                 </a:solidFill>
               </a:rPr>
               <a:t>: 75px</a:t>
-            </a:r>
-          </a:p>
-        </p:txBody>
-      </p:sp>
-      <p:sp>
-        <p:nvSpPr>
-          <p:cNvPr id="10" name="CasellaDiTesto 9">
-            <a:extLst>
-              <a:ext uri="{FF2B5EF4-FFF2-40B4-BE49-F238E27FC236}">
-                <a16:creationId xmlns:a16="http://schemas.microsoft.com/office/drawing/2014/main" id="{71E9DEF3-56F9-4761-8388-14ECABEC5F5F}"/>
-              </a:ext>
-            </a:extLst>
-          </p:cNvPr>
-          <p:cNvSpPr txBox="1"/>
-          <p:nvPr/>
-        </p:nvSpPr>
-        <p:spPr>
-          <a:xfrm>
-            <a:off x="4991100" y="6305550"/>
-            <a:ext cx="8115300" cy="369332"/>
-          </a:xfrm>
-          <a:prstGeom prst="rect">
-            <a:avLst/>
-          </a:prstGeom>
-          <a:noFill/>
-        </p:spPr>
-        <p:txBody>
-          <a:bodyPr rot="0" spcFirstLastPara="0" vertOverflow="overflow" horzOverflow="overflow" vert="horz" wrap="square" lIns="91440" tIns="45720" rIns="91440" bIns="45720" numCol="1" spcCol="0" rtlCol="0" fromWordArt="0" anchor="t" anchorCtr="0" forceAA="0" compatLnSpc="1">
-            <a:prstTxWarp prst="textNoShape">
-              <a:avLst/>
-            </a:prstTxWarp>
-            <a:spAutoFit/>
-          </a:bodyPr>
-          <a:lstStyle/>
-          <a:p>
-            <a:r>
-              <a:rPr lang="it-IT" dirty="0"/>
-              <a:t>E' presente anche un </a:t>
-            </a:r>
-            <a:r>
-              <a:rPr lang="it-IT" dirty="0" err="1"/>
-              <a:t>margin</a:t>
-            </a:r>
-            <a:r>
-              <a:rPr lang="it-IT" dirty="0"/>
-              <a:t> botton di 50px (presente nella prossima slide)</a:t>
             </a:r>
           </a:p>
         </p:txBody>
@@ -5888,7 +6554,7 @@
 </p:sld>
 </file>
 
-<file path=ppt/slides/slide4.xml><?xml version="1.0" encoding="utf-8"?>
+<file path=ppt/slides/slide5.xml><?xml version="1.0" encoding="utf-8"?>
 <p:sld xmlns:a="http://schemas.openxmlformats.org/drawingml/2006/main" xmlns:r="http://schemas.openxmlformats.org/officeDocument/2006/relationships" xmlns:p="http://schemas.openxmlformats.org/presentationml/2006/main">
   <p:cSld>
     <p:spTree>
@@ -5923,8 +6589,8 @@
         </p:nvSpPr>
         <p:spPr>
           <a:xfrm>
-            <a:off x="4439432" y="83288"/>
-            <a:ext cx="3636724" cy="657509"/>
+            <a:off x="76982" y="92813"/>
+            <a:ext cx="11190049" cy="657509"/>
           </a:xfrm>
         </p:spPr>
         <p:txBody>
@@ -5933,15 +6599,58 @@
           </a:bodyPr>
           <a:lstStyle/>
           <a:p>
-            <a:pPr algn="ctr"/>
-            <a:r>
-              <a:rPr lang="it-IT" sz="2800" b="1" dirty="0" err="1">
+            <a:r>
+              <a:rPr lang="it-IT" sz="2000">
+                <a:latin typeface="Calibri"/>
                 <a:cs typeface="Calibri Light"/>
               </a:rPr>
-              <a:t>Footer</a:t>
-            </a:r>
-            <a:endParaRPr lang="it-IT" sz="2800" b="1">
-              <a:cs typeface="Calibri Light"/>
+              <a:t>Nel </a:t>
+            </a:r>
+            <a:r>
+              <a:rPr lang="it-IT" sz="2000" err="1">
+                <a:latin typeface="Calibri"/>
+                <a:cs typeface="Calibri Light"/>
+              </a:rPr>
+              <a:t>footer</a:t>
+            </a:r>
+            <a:r>
+              <a:rPr lang="it-IT" sz="2000">
+                <a:latin typeface="Calibri"/>
+                <a:cs typeface="Calibri Light"/>
+              </a:rPr>
+              <a:t> è presente un </a:t>
+            </a:r>
+            <a:r>
+              <a:rPr lang="it-IT" sz="2000" err="1">
+                <a:latin typeface="Calibri"/>
+                <a:cs typeface="Calibri Light"/>
+              </a:rPr>
+              <a:t>padding</a:t>
+            </a:r>
+            <a:r>
+              <a:rPr lang="it-IT" sz="2000">
+                <a:latin typeface="Calibri"/>
+                <a:cs typeface="Calibri Light"/>
+              </a:rPr>
+              <a:t> di 50px, un </a:t>
+            </a:r>
+            <a:r>
+              <a:rPr lang="it-IT" sz="2000" err="1">
+                <a:latin typeface="Calibri"/>
+                <a:cs typeface="Calibri Light"/>
+              </a:rPr>
+              <a:t>address</a:t>
+            </a:r>
+            <a:r>
+              <a:rPr lang="it-IT" sz="2000">
+                <a:latin typeface="Calibri"/>
+                <a:cs typeface="Calibri Light"/>
+              </a:rPr>
+              <a:t> e un paragrafo p</a:t>
+            </a:r>
+            <a:endParaRPr lang="it-IT" sz="2000">
+              <a:latin typeface="Calibri"/>
+              <a:cs typeface="Calibri"/>
             </a:endParaRPr>
           </a:p>
         </p:txBody>
@@ -5999,9 +6708,7 @@
             <a:srgbClr val="FFC000"/>
           </a:solidFill>
           <a:ln>
-            <a:solidFill>
-              <a:srgbClr val="4472C4"/>
-            </a:solidFill>
+            <a:noFill/>
           </a:ln>
         </p:spPr>
         <p:style>
@@ -6026,30 +6733,30 @@
           <a:p>
             <a:pPr algn="ctr"/>
             <a:r>
-              <a:rPr lang="it-IT" dirty="0" err="1">
+              <a:rPr lang="it-IT" err="1">
                 <a:cs typeface="Calibri"/>
               </a:rPr>
               <a:t>Section</a:t>
             </a:r>
             <a:r>
-              <a:rPr lang="it-IT" dirty="0">
+              <a:rPr lang="it-IT">
                 <a:cs typeface="Calibri"/>
               </a:rPr>
               <a:t>: </a:t>
             </a:r>
             <a:r>
-              <a:rPr lang="it-IT" dirty="0" err="1">
+              <a:rPr lang="it-IT" err="1">
                 <a:cs typeface="Calibri"/>
               </a:rPr>
               <a:t>Margin</a:t>
             </a:r>
             <a:r>
-              <a:rPr lang="it-IT" dirty="0">
+              <a:rPr lang="it-IT">
                 <a:cs typeface="Calibri"/>
               </a:rPr>
               <a:t>-botton: 50px</a:t>
             </a:r>
-            <a:endParaRPr lang="it-IT" dirty="0"/>
+            <a:endParaRPr lang="it-IT"/>
           </a:p>
         </p:txBody>
       </p:sp>
@@ -6073,6 +6780,9 @@
           <a:prstGeom prst="rect">
             <a:avLst/>
           </a:prstGeom>
+          <a:solidFill>
+            <a:srgbClr val="92D050"/>
+          </a:solidFill>
           <a:ln>
             <a:noFill/>
           </a:ln>
@@ -6122,6 +6832,9 @@
           <a:prstGeom prst="rect">
             <a:avLst/>
           </a:prstGeom>
+          <a:solidFill>
+            <a:srgbClr val="92D050"/>
+          </a:solidFill>
           <a:ln>
             <a:noFill/>
           </a:ln>
@@ -6171,6 +6884,9 @@
           <a:prstGeom prst="rect">
             <a:avLst/>
           </a:prstGeom>
+          <a:solidFill>
+            <a:srgbClr val="92D050"/>
+          </a:solidFill>
           <a:ln>
             <a:noFill/>
           </a:ln>
@@ -6220,6 +6936,9 @@
           <a:prstGeom prst="rect">
             <a:avLst/>
           </a:prstGeom>
+          <a:solidFill>
+            <a:srgbClr val="92D050"/>
+          </a:solidFill>
           <a:ln>
             <a:noFill/>
           </a:ln>
@@ -6281,11 +7000,11 @@
           <a:lstStyle/>
           <a:p>
             <a:r>
-              <a:rPr lang="it-IT" dirty="0" err="1"/>
+              <a:rPr lang="it-IT" err="1"/>
               <a:t>Padding</a:t>
             </a:r>
             <a:r>
-              <a:rPr lang="it-IT" dirty="0"/>
+              <a:rPr lang="it-IT"/>
               <a:t>: 50px</a:t>
             </a:r>
           </a:p>
